--- a/06 - Microservices/06.pptx
+++ b/06 - Microservices/06.pptx
@@ -4168,6 +4168,5605 @@
           <a:chExt cx="0" cy="0"/>
         </a:xfrm>
       </p:grpSpPr>
+      <p:pic>
+        <p:nvPicPr>
+          <p:cNvPr id="134" name="Picture 2" descr="Key Icon Black Thin Line Gráfico por deniprianggono78 · Creative Fabrica">
+            <a:extLst>
+              <a:ext uri="{FF2B5EF4-FFF2-40B4-BE49-F238E27FC236}">
+                <a16:creationId xmlns:a16="http://schemas.microsoft.com/office/drawing/2014/main" id="{6192D1E9-7129-F60E-6067-8F499C882222}"/>
+              </a:ext>
+            </a:extLst>
+          </p:cNvPr>
+          <p:cNvPicPr>
+            <a:picLocks noChangeAspect="1" noChangeArrowheads="1"/>
+          </p:cNvPicPr>
+          <p:nvPr/>
+        </p:nvPicPr>
+        <p:blipFill>
+          <a:blip r:embed="rId2">
+            <a:extLst>
+              <a:ext uri="{28A0092B-C50C-407E-A947-70E740481C1C}">
+                <a14:useLocalDpi xmlns:a14="http://schemas.microsoft.com/office/drawing/2010/main" val="0"/>
+              </a:ext>
+            </a:extLst>
+          </a:blip>
+          <a:srcRect/>
+          <a:stretch>
+            <a:fillRect/>
+          </a:stretch>
+        </p:blipFill>
+        <p:spPr bwMode="auto">
+          <a:xfrm>
+            <a:off x="6358721" y="5455586"/>
+            <a:ext cx="465974" cy="310114"/>
+          </a:xfrm>
+          <a:prstGeom prst="rect">
+            <a:avLst/>
+          </a:prstGeom>
+          <a:noFill/>
+          <a:extLst>
+            <a:ext uri="{909E8E84-426E-40DD-AFC4-6F175D3DCCD1}">
+              <a14:hiddenFill xmlns:a14="http://schemas.microsoft.com/office/drawing/2010/main">
+                <a:solidFill>
+                  <a:srgbClr val="FFFFFF"/>
+                </a:solidFill>
+              </a14:hiddenFill>
+            </a:ext>
+          </a:extLst>
+        </p:spPr>
+      </p:pic>
+      <p:pic>
+        <p:nvPicPr>
+          <p:cNvPr id="49" name="Picture 2" descr="Key Icon Black Thin Line Gráfico por deniprianggono78 · Creative Fabrica">
+            <a:extLst>
+              <a:ext uri="{FF2B5EF4-FFF2-40B4-BE49-F238E27FC236}">
+                <a16:creationId xmlns:a16="http://schemas.microsoft.com/office/drawing/2014/main" id="{2A355E91-08A2-3CC5-5C32-CE276E6C5F18}"/>
+              </a:ext>
+            </a:extLst>
+          </p:cNvPr>
+          <p:cNvPicPr>
+            <a:picLocks noChangeAspect="1" noChangeArrowheads="1"/>
+          </p:cNvPicPr>
+          <p:nvPr/>
+        </p:nvPicPr>
+        <p:blipFill>
+          <a:blip r:embed="rId2">
+            <a:extLst>
+              <a:ext uri="{28A0092B-C50C-407E-A947-70E740481C1C}">
+                <a14:useLocalDpi xmlns:a14="http://schemas.microsoft.com/office/drawing/2010/main" val="0"/>
+              </a:ext>
+            </a:extLst>
+          </a:blip>
+          <a:srcRect/>
+          <a:stretch>
+            <a:fillRect/>
+          </a:stretch>
+        </p:blipFill>
+        <p:spPr bwMode="auto">
+          <a:xfrm>
+            <a:off x="4878717" y="3369280"/>
+            <a:ext cx="465974" cy="310114"/>
+          </a:xfrm>
+          <a:prstGeom prst="rect">
+            <a:avLst/>
+          </a:prstGeom>
+          <a:noFill/>
+          <a:extLst>
+            <a:ext uri="{909E8E84-426E-40DD-AFC4-6F175D3DCCD1}">
+              <a14:hiddenFill xmlns:a14="http://schemas.microsoft.com/office/drawing/2010/main">
+                <a:solidFill>
+                  <a:srgbClr val="FFFFFF"/>
+                </a:solidFill>
+              </a14:hiddenFill>
+            </a:ext>
+          </a:extLst>
+        </p:spPr>
+      </p:pic>
+      <p:sp>
+        <p:nvSpPr>
+          <p:cNvPr id="50" name="TextBox 49">
+            <a:extLst>
+              <a:ext uri="{FF2B5EF4-FFF2-40B4-BE49-F238E27FC236}">
+                <a16:creationId xmlns:a16="http://schemas.microsoft.com/office/drawing/2014/main" id="{57048DD9-A6CF-E63F-9CDE-E916FC717105}"/>
+              </a:ext>
+            </a:extLst>
+          </p:cNvPr>
+          <p:cNvSpPr txBox="1"/>
+          <p:nvPr/>
+        </p:nvSpPr>
+        <p:spPr>
+          <a:xfrm>
+            <a:off x="4878717" y="3246120"/>
+            <a:ext cx="369012" cy="253916"/>
+          </a:xfrm>
+          <a:prstGeom prst="rect">
+            <a:avLst/>
+          </a:prstGeom>
+          <a:noFill/>
+        </p:spPr>
+        <p:txBody>
+          <a:bodyPr wrap="none" rtlCol="0">
+            <a:spAutoFit/>
+          </a:bodyPr>
+          <a:lstStyle/>
+          <a:p>
+            <a:r>
+              <a:rPr lang="es-419" sz="1050" dirty="0"/>
+              <a:t>TLS</a:t>
+            </a:r>
+          </a:p>
+        </p:txBody>
+      </p:sp>
+      <p:sp>
+        <p:nvSpPr>
+          <p:cNvPr id="34" name="Rectangle 33">
+            <a:extLst>
+              <a:ext uri="{FF2B5EF4-FFF2-40B4-BE49-F238E27FC236}">
+                <a16:creationId xmlns:a16="http://schemas.microsoft.com/office/drawing/2014/main" id="{B0F7CCE1-EFD9-34D1-18C3-65FCF1A9A4CA}"/>
+              </a:ext>
+            </a:extLst>
+          </p:cNvPr>
+          <p:cNvSpPr/>
+          <p:nvPr/>
+        </p:nvSpPr>
+        <p:spPr>
+          <a:xfrm>
+            <a:off x="2295144" y="1008126"/>
+            <a:ext cx="630936" cy="3694176"/>
+          </a:xfrm>
+          <a:prstGeom prst="rect">
+            <a:avLst/>
+          </a:prstGeom>
+          <a:solidFill>
+            <a:schemeClr val="bg1"/>
+          </a:solidFill>
+        </p:spPr>
+        <p:style>
+          <a:lnRef idx="2">
+            <a:schemeClr val="accent1">
+              <a:shade val="50000"/>
+            </a:schemeClr>
+          </a:lnRef>
+          <a:fillRef idx="1">
+            <a:schemeClr val="accent1"/>
+          </a:fillRef>
+          <a:effectRef idx="0">
+            <a:schemeClr val="accent1"/>
+          </a:effectRef>
+          <a:fontRef idx="minor">
+            <a:schemeClr val="lt1"/>
+          </a:fontRef>
+        </p:style>
+        <p:txBody>
+          <a:bodyPr rtlCol="0" anchor="ctr"/>
+          <a:lstStyle/>
+          <a:p>
+            <a:pPr algn="ctr"/>
+            <a:endParaRPr lang="es-419"/>
+          </a:p>
+        </p:txBody>
+      </p:sp>
+      <p:sp>
+        <p:nvSpPr>
+          <p:cNvPr id="35" name="Rectangle 34">
+            <a:extLst>
+              <a:ext uri="{FF2B5EF4-FFF2-40B4-BE49-F238E27FC236}">
+                <a16:creationId xmlns:a16="http://schemas.microsoft.com/office/drawing/2014/main" id="{05B214E9-9401-7552-4D3B-6728DAB459BD}"/>
+              </a:ext>
+            </a:extLst>
+          </p:cNvPr>
+          <p:cNvSpPr/>
+          <p:nvPr/>
+        </p:nvSpPr>
+        <p:spPr>
+          <a:xfrm>
+            <a:off x="2189989" y="1083564"/>
+            <a:ext cx="630936" cy="3694176"/>
+          </a:xfrm>
+          <a:prstGeom prst="rect">
+            <a:avLst/>
+          </a:prstGeom>
+          <a:solidFill>
+            <a:schemeClr val="bg1"/>
+          </a:solidFill>
+        </p:spPr>
+        <p:style>
+          <a:lnRef idx="2">
+            <a:schemeClr val="accent1">
+              <a:shade val="50000"/>
+            </a:schemeClr>
+          </a:lnRef>
+          <a:fillRef idx="1">
+            <a:schemeClr val="accent1"/>
+          </a:fillRef>
+          <a:effectRef idx="0">
+            <a:schemeClr val="accent1"/>
+          </a:effectRef>
+          <a:fontRef idx="minor">
+            <a:schemeClr val="lt1"/>
+          </a:fontRef>
+        </p:style>
+        <p:txBody>
+          <a:bodyPr rtlCol="0" anchor="ctr"/>
+          <a:lstStyle/>
+          <a:p>
+            <a:pPr algn="ctr"/>
+            <a:endParaRPr lang="es-419"/>
+          </a:p>
+        </p:txBody>
+      </p:sp>
+      <p:sp>
+        <p:nvSpPr>
+          <p:cNvPr id="2" name="Rectangle: Rounded Corners 1">
+            <a:extLst>
+              <a:ext uri="{FF2B5EF4-FFF2-40B4-BE49-F238E27FC236}">
+                <a16:creationId xmlns:a16="http://schemas.microsoft.com/office/drawing/2014/main" id="{FCEB2CBD-2D54-839F-28C5-4A3950CA1EFA}"/>
+              </a:ext>
+            </a:extLst>
+          </p:cNvPr>
+          <p:cNvSpPr/>
+          <p:nvPr/>
+        </p:nvSpPr>
+        <p:spPr>
+          <a:xfrm>
+            <a:off x="446532" y="1828800"/>
+            <a:ext cx="841248" cy="603504"/>
+          </a:xfrm>
+          <a:prstGeom prst="roundRect">
+            <a:avLst/>
+          </a:prstGeom>
+          <a:noFill/>
+        </p:spPr>
+        <p:style>
+          <a:lnRef idx="2">
+            <a:schemeClr val="accent1">
+              <a:shade val="50000"/>
+            </a:schemeClr>
+          </a:lnRef>
+          <a:fillRef idx="1">
+            <a:schemeClr val="accent1"/>
+          </a:fillRef>
+          <a:effectRef idx="0">
+            <a:schemeClr val="accent1"/>
+          </a:effectRef>
+          <a:fontRef idx="minor">
+            <a:schemeClr val="lt1"/>
+          </a:fontRef>
+        </p:style>
+        <p:txBody>
+          <a:bodyPr rtlCol="0" anchor="ctr"/>
+          <a:lstStyle/>
+          <a:p>
+            <a:pPr algn="ctr"/>
+            <a:endParaRPr lang="es-419"/>
+          </a:p>
+        </p:txBody>
+      </p:sp>
+      <p:sp>
+        <p:nvSpPr>
+          <p:cNvPr id="3" name="Parallelogram 2">
+            <a:extLst>
+              <a:ext uri="{FF2B5EF4-FFF2-40B4-BE49-F238E27FC236}">
+                <a16:creationId xmlns:a16="http://schemas.microsoft.com/office/drawing/2014/main" id="{CA1EB81C-AC87-A154-9F2D-9E604E62A003}"/>
+              </a:ext>
+            </a:extLst>
+          </p:cNvPr>
+          <p:cNvSpPr/>
+          <p:nvPr/>
+        </p:nvSpPr>
+        <p:spPr>
+          <a:xfrm>
+            <a:off x="446532" y="2496312"/>
+            <a:ext cx="841248" cy="169164"/>
+          </a:xfrm>
+          <a:prstGeom prst="parallelogram">
+            <a:avLst/>
+          </a:prstGeom>
+          <a:noFill/>
+        </p:spPr>
+        <p:style>
+          <a:lnRef idx="2">
+            <a:schemeClr val="accent1">
+              <a:shade val="50000"/>
+            </a:schemeClr>
+          </a:lnRef>
+          <a:fillRef idx="1">
+            <a:schemeClr val="accent1"/>
+          </a:fillRef>
+          <a:effectRef idx="0">
+            <a:schemeClr val="accent1"/>
+          </a:effectRef>
+          <a:fontRef idx="minor">
+            <a:schemeClr val="lt1"/>
+          </a:fontRef>
+        </p:style>
+        <p:txBody>
+          <a:bodyPr rtlCol="0" anchor="ctr"/>
+          <a:lstStyle/>
+          <a:p>
+            <a:pPr algn="ctr"/>
+            <a:endParaRPr lang="es-419"/>
+          </a:p>
+        </p:txBody>
+      </p:sp>
+      <p:sp>
+        <p:nvSpPr>
+          <p:cNvPr id="4" name="Hexagon 3">
+            <a:extLst>
+              <a:ext uri="{FF2B5EF4-FFF2-40B4-BE49-F238E27FC236}">
+                <a16:creationId xmlns:a16="http://schemas.microsoft.com/office/drawing/2014/main" id="{77435FA9-3D76-894A-22B9-2929ACAB020D}"/>
+              </a:ext>
+            </a:extLst>
+          </p:cNvPr>
+          <p:cNvSpPr/>
+          <p:nvPr/>
+        </p:nvSpPr>
+        <p:spPr>
+          <a:xfrm>
+            <a:off x="3858768" y="1764792"/>
+            <a:ext cx="777240" cy="667512"/>
+          </a:xfrm>
+          <a:prstGeom prst="hexagon">
+            <a:avLst/>
+          </a:prstGeom>
+          <a:noFill/>
+        </p:spPr>
+        <p:style>
+          <a:lnRef idx="2">
+            <a:schemeClr val="accent1">
+              <a:shade val="50000"/>
+            </a:schemeClr>
+          </a:lnRef>
+          <a:fillRef idx="1">
+            <a:schemeClr val="accent1"/>
+          </a:fillRef>
+          <a:effectRef idx="0">
+            <a:schemeClr val="accent1"/>
+          </a:effectRef>
+          <a:fontRef idx="minor">
+            <a:schemeClr val="lt1"/>
+          </a:fontRef>
+        </p:style>
+        <p:txBody>
+          <a:bodyPr rtlCol="0" anchor="ctr"/>
+          <a:lstStyle/>
+          <a:p>
+            <a:pPr algn="ctr"/>
+            <a:endParaRPr lang="es-419"/>
+          </a:p>
+        </p:txBody>
+      </p:sp>
+      <p:sp>
+        <p:nvSpPr>
+          <p:cNvPr id="5" name="Hexagon 4">
+            <a:extLst>
+              <a:ext uri="{FF2B5EF4-FFF2-40B4-BE49-F238E27FC236}">
+                <a16:creationId xmlns:a16="http://schemas.microsoft.com/office/drawing/2014/main" id="{65ECBCB9-9570-975F-697E-887AC2542602}"/>
+              </a:ext>
+            </a:extLst>
+          </p:cNvPr>
+          <p:cNvSpPr/>
+          <p:nvPr/>
+        </p:nvSpPr>
+        <p:spPr>
+          <a:xfrm>
+            <a:off x="3858768" y="2596896"/>
+            <a:ext cx="777240" cy="667512"/>
+          </a:xfrm>
+          <a:prstGeom prst="hexagon">
+            <a:avLst/>
+          </a:prstGeom>
+          <a:noFill/>
+        </p:spPr>
+        <p:style>
+          <a:lnRef idx="2">
+            <a:schemeClr val="accent1">
+              <a:shade val="50000"/>
+            </a:schemeClr>
+          </a:lnRef>
+          <a:fillRef idx="1">
+            <a:schemeClr val="accent1"/>
+          </a:fillRef>
+          <a:effectRef idx="0">
+            <a:schemeClr val="accent1"/>
+          </a:effectRef>
+          <a:fontRef idx="minor">
+            <a:schemeClr val="lt1"/>
+          </a:fontRef>
+        </p:style>
+        <p:txBody>
+          <a:bodyPr rtlCol="0" anchor="ctr"/>
+          <a:lstStyle/>
+          <a:p>
+            <a:pPr algn="ctr"/>
+            <a:endParaRPr lang="es-419"/>
+          </a:p>
+        </p:txBody>
+      </p:sp>
+      <p:sp>
+        <p:nvSpPr>
+          <p:cNvPr id="6" name="Hexagon 5">
+            <a:extLst>
+              <a:ext uri="{FF2B5EF4-FFF2-40B4-BE49-F238E27FC236}">
+                <a16:creationId xmlns:a16="http://schemas.microsoft.com/office/drawing/2014/main" id="{A07E0983-FBFF-B14C-56AE-1D4E512C7C66}"/>
+              </a:ext>
+            </a:extLst>
+          </p:cNvPr>
+          <p:cNvSpPr/>
+          <p:nvPr/>
+        </p:nvSpPr>
+        <p:spPr>
+          <a:xfrm>
+            <a:off x="3858768" y="3429000"/>
+            <a:ext cx="777240" cy="667512"/>
+          </a:xfrm>
+          <a:prstGeom prst="hexagon">
+            <a:avLst/>
+          </a:prstGeom>
+          <a:noFill/>
+        </p:spPr>
+        <p:style>
+          <a:lnRef idx="2">
+            <a:schemeClr val="accent1">
+              <a:shade val="50000"/>
+            </a:schemeClr>
+          </a:lnRef>
+          <a:fillRef idx="1">
+            <a:schemeClr val="accent1"/>
+          </a:fillRef>
+          <a:effectRef idx="0">
+            <a:schemeClr val="accent1"/>
+          </a:effectRef>
+          <a:fontRef idx="minor">
+            <a:schemeClr val="lt1"/>
+          </a:fontRef>
+        </p:style>
+        <p:txBody>
+          <a:bodyPr rtlCol="0" anchor="ctr"/>
+          <a:lstStyle/>
+          <a:p>
+            <a:pPr algn="ctr"/>
+            <a:endParaRPr lang="es-419"/>
+          </a:p>
+        </p:txBody>
+      </p:sp>
+      <p:sp>
+        <p:nvSpPr>
+          <p:cNvPr id="7" name="Rectangle 6">
+            <a:extLst>
+              <a:ext uri="{FF2B5EF4-FFF2-40B4-BE49-F238E27FC236}">
+                <a16:creationId xmlns:a16="http://schemas.microsoft.com/office/drawing/2014/main" id="{B2AC2917-E66C-EA13-B469-8D9E4D40D840}"/>
+              </a:ext>
+            </a:extLst>
+          </p:cNvPr>
+          <p:cNvSpPr/>
+          <p:nvPr/>
+        </p:nvSpPr>
+        <p:spPr>
+          <a:xfrm>
+            <a:off x="2084832" y="1143000"/>
+            <a:ext cx="630936" cy="3694176"/>
+          </a:xfrm>
+          <a:prstGeom prst="rect">
+            <a:avLst/>
+          </a:prstGeom>
+          <a:solidFill>
+            <a:schemeClr val="bg1"/>
+          </a:solidFill>
+        </p:spPr>
+        <p:style>
+          <a:lnRef idx="2">
+            <a:schemeClr val="accent1">
+              <a:shade val="50000"/>
+            </a:schemeClr>
+          </a:lnRef>
+          <a:fillRef idx="1">
+            <a:schemeClr val="accent1"/>
+          </a:fillRef>
+          <a:effectRef idx="0">
+            <a:schemeClr val="accent1"/>
+          </a:effectRef>
+          <a:fontRef idx="minor">
+            <a:schemeClr val="lt1"/>
+          </a:fontRef>
+        </p:style>
+        <p:txBody>
+          <a:bodyPr rtlCol="0" anchor="ctr"/>
+          <a:lstStyle/>
+          <a:p>
+            <a:pPr algn="ctr"/>
+            <a:endParaRPr lang="es-419"/>
+          </a:p>
+        </p:txBody>
+      </p:sp>
+      <p:pic>
+        <p:nvPicPr>
+          <p:cNvPr id="8" name="Picture 4" descr="icon icon, lock icon">
+            <a:extLst>
+              <a:ext uri="{FF2B5EF4-FFF2-40B4-BE49-F238E27FC236}">
+                <a16:creationId xmlns:a16="http://schemas.microsoft.com/office/drawing/2014/main" id="{7ABDC5AA-E783-01CA-4297-185755C50859}"/>
+              </a:ext>
+            </a:extLst>
+          </p:cNvPr>
+          <p:cNvPicPr>
+            <a:picLocks noChangeAspect="1" noChangeArrowheads="1"/>
+          </p:cNvPicPr>
+          <p:nvPr/>
+        </p:nvPicPr>
+        <p:blipFill>
+          <a:blip r:embed="rId3">
+            <a:extLst>
+              <a:ext uri="{28A0092B-C50C-407E-A947-70E740481C1C}">
+                <a14:useLocalDpi xmlns:a14="http://schemas.microsoft.com/office/drawing/2010/main" val="0"/>
+              </a:ext>
+            </a:extLst>
+          </a:blip>
+          <a:srcRect/>
+          <a:stretch>
+            <a:fillRect/>
+          </a:stretch>
+        </p:blipFill>
+        <p:spPr bwMode="auto">
+          <a:xfrm>
+            <a:off x="2157984" y="2665476"/>
+            <a:ext cx="493776" cy="493776"/>
+          </a:xfrm>
+          <a:prstGeom prst="rect">
+            <a:avLst/>
+          </a:prstGeom>
+          <a:noFill/>
+          <a:extLst>
+            <a:ext uri="{909E8E84-426E-40DD-AFC4-6F175D3DCCD1}">
+              <a14:hiddenFill xmlns:a14="http://schemas.microsoft.com/office/drawing/2010/main">
+                <a:solidFill>
+                  <a:srgbClr val="FFFFFF"/>
+                </a:solidFill>
+              </a14:hiddenFill>
+            </a:ext>
+          </a:extLst>
+        </p:spPr>
+      </p:pic>
+      <p:cxnSp>
+        <p:nvCxnSpPr>
+          <p:cNvPr id="9" name="Straight Arrow Connector 8">
+            <a:extLst>
+              <a:ext uri="{FF2B5EF4-FFF2-40B4-BE49-F238E27FC236}">
+                <a16:creationId xmlns:a16="http://schemas.microsoft.com/office/drawing/2014/main" id="{54EA7EE7-9CE3-8004-A6E0-C735C8B84B76}"/>
+              </a:ext>
+            </a:extLst>
+          </p:cNvPr>
+          <p:cNvCxnSpPr>
+            <a:cxnSpLocks/>
+          </p:cNvCxnSpPr>
+          <p:nvPr/>
+        </p:nvCxnSpPr>
+        <p:spPr>
+          <a:xfrm>
+            <a:off x="1287780" y="2130552"/>
+            <a:ext cx="797052" cy="859536"/>
+          </a:xfrm>
+          <a:prstGeom prst="straightConnector1">
+            <a:avLst/>
+          </a:prstGeom>
+          <a:ln>
+            <a:tailEnd type="triangle"/>
+          </a:ln>
+        </p:spPr>
+        <p:style>
+          <a:lnRef idx="1">
+            <a:schemeClr val="accent1"/>
+          </a:lnRef>
+          <a:fillRef idx="0">
+            <a:schemeClr val="accent1"/>
+          </a:fillRef>
+          <a:effectRef idx="0">
+            <a:schemeClr val="accent1"/>
+          </a:effectRef>
+          <a:fontRef idx="minor">
+            <a:schemeClr val="tx1"/>
+          </a:fontRef>
+        </p:style>
+      </p:cxnSp>
+      <p:sp>
+        <p:nvSpPr>
+          <p:cNvPr id="10" name="Rectangle 9">
+            <a:extLst>
+              <a:ext uri="{FF2B5EF4-FFF2-40B4-BE49-F238E27FC236}">
+                <a16:creationId xmlns:a16="http://schemas.microsoft.com/office/drawing/2014/main" id="{470A926C-1C7A-25AE-F2A6-1C13B3B06A6E}"/>
+              </a:ext>
+            </a:extLst>
+          </p:cNvPr>
+          <p:cNvSpPr/>
+          <p:nvPr/>
+        </p:nvSpPr>
+        <p:spPr>
+          <a:xfrm>
+            <a:off x="3422210" y="1738314"/>
+            <a:ext cx="1303699" cy="721518"/>
+          </a:xfrm>
+          <a:prstGeom prst="rect">
+            <a:avLst/>
+          </a:prstGeom>
+          <a:noFill/>
+        </p:spPr>
+        <p:style>
+          <a:lnRef idx="2">
+            <a:schemeClr val="accent1">
+              <a:shade val="15000"/>
+            </a:schemeClr>
+          </a:lnRef>
+          <a:fillRef idx="1">
+            <a:schemeClr val="accent1"/>
+          </a:fillRef>
+          <a:effectRef idx="0">
+            <a:schemeClr val="accent1"/>
+          </a:effectRef>
+          <a:fontRef idx="minor">
+            <a:schemeClr val="lt1"/>
+          </a:fontRef>
+        </p:style>
+        <p:txBody>
+          <a:bodyPr rtlCol="0" anchor="ctr"/>
+          <a:lstStyle/>
+          <a:p>
+            <a:pPr algn="ctr"/>
+            <a:endParaRPr lang="es-419"/>
+          </a:p>
+        </p:txBody>
+      </p:sp>
+      <p:sp>
+        <p:nvSpPr>
+          <p:cNvPr id="11" name="Rectangle 10">
+            <a:extLst>
+              <a:ext uri="{FF2B5EF4-FFF2-40B4-BE49-F238E27FC236}">
+                <a16:creationId xmlns:a16="http://schemas.microsoft.com/office/drawing/2014/main" id="{6EA754C7-8D5A-0890-0AF5-A7FFD169109F}"/>
+              </a:ext>
+            </a:extLst>
+          </p:cNvPr>
+          <p:cNvSpPr/>
+          <p:nvPr/>
+        </p:nvSpPr>
+        <p:spPr>
+          <a:xfrm>
+            <a:off x="3422210" y="2571750"/>
+            <a:ext cx="1303699" cy="721518"/>
+          </a:xfrm>
+          <a:prstGeom prst="rect">
+            <a:avLst/>
+          </a:prstGeom>
+          <a:noFill/>
+        </p:spPr>
+        <p:style>
+          <a:lnRef idx="2">
+            <a:schemeClr val="accent1">
+              <a:shade val="15000"/>
+            </a:schemeClr>
+          </a:lnRef>
+          <a:fillRef idx="1">
+            <a:schemeClr val="accent1"/>
+          </a:fillRef>
+          <a:effectRef idx="0">
+            <a:schemeClr val="accent1"/>
+          </a:effectRef>
+          <a:fontRef idx="minor">
+            <a:schemeClr val="lt1"/>
+          </a:fontRef>
+        </p:style>
+        <p:txBody>
+          <a:bodyPr rtlCol="0" anchor="ctr"/>
+          <a:lstStyle/>
+          <a:p>
+            <a:pPr algn="ctr"/>
+            <a:endParaRPr lang="es-419"/>
+          </a:p>
+        </p:txBody>
+      </p:sp>
+      <p:sp>
+        <p:nvSpPr>
+          <p:cNvPr id="12" name="Rectangle 11">
+            <a:extLst>
+              <a:ext uri="{FF2B5EF4-FFF2-40B4-BE49-F238E27FC236}">
+                <a16:creationId xmlns:a16="http://schemas.microsoft.com/office/drawing/2014/main" id="{86B1EDE6-6199-8DAC-D06D-8CAF83D268DC}"/>
+              </a:ext>
+            </a:extLst>
+          </p:cNvPr>
+          <p:cNvSpPr/>
+          <p:nvPr/>
+        </p:nvSpPr>
+        <p:spPr>
+          <a:xfrm>
+            <a:off x="3422210" y="3416390"/>
+            <a:ext cx="1303699" cy="721518"/>
+          </a:xfrm>
+          <a:prstGeom prst="rect">
+            <a:avLst/>
+          </a:prstGeom>
+          <a:noFill/>
+        </p:spPr>
+        <p:style>
+          <a:lnRef idx="2">
+            <a:schemeClr val="accent1">
+              <a:shade val="15000"/>
+            </a:schemeClr>
+          </a:lnRef>
+          <a:fillRef idx="1">
+            <a:schemeClr val="accent1"/>
+          </a:fillRef>
+          <a:effectRef idx="0">
+            <a:schemeClr val="accent1"/>
+          </a:effectRef>
+          <a:fontRef idx="minor">
+            <a:schemeClr val="lt1"/>
+          </a:fontRef>
+        </p:style>
+        <p:txBody>
+          <a:bodyPr rtlCol="0" anchor="ctr"/>
+          <a:lstStyle/>
+          <a:p>
+            <a:pPr algn="ctr"/>
+            <a:endParaRPr lang="es-419"/>
+          </a:p>
+        </p:txBody>
+      </p:sp>
+      <p:cxnSp>
+        <p:nvCxnSpPr>
+          <p:cNvPr id="13" name="Straight Arrow Connector 12">
+            <a:extLst>
+              <a:ext uri="{FF2B5EF4-FFF2-40B4-BE49-F238E27FC236}">
+                <a16:creationId xmlns:a16="http://schemas.microsoft.com/office/drawing/2014/main" id="{47774EF9-8E3C-7C1F-A3C4-5F6FA0F11F3D}"/>
+              </a:ext>
+            </a:extLst>
+          </p:cNvPr>
+          <p:cNvCxnSpPr>
+            <a:cxnSpLocks/>
+          </p:cNvCxnSpPr>
+          <p:nvPr/>
+        </p:nvCxnSpPr>
+        <p:spPr>
+          <a:xfrm flipV="1">
+            <a:off x="2715768" y="2098548"/>
+            <a:ext cx="859250" cy="891540"/>
+          </a:xfrm>
+          <a:prstGeom prst="straightConnector1">
+            <a:avLst/>
+          </a:prstGeom>
+          <a:ln>
+            <a:tailEnd type="triangle"/>
+          </a:ln>
+        </p:spPr>
+        <p:style>
+          <a:lnRef idx="1">
+            <a:schemeClr val="accent1"/>
+          </a:lnRef>
+          <a:fillRef idx="0">
+            <a:schemeClr val="accent1"/>
+          </a:fillRef>
+          <a:effectRef idx="0">
+            <a:schemeClr val="accent1"/>
+          </a:effectRef>
+          <a:fontRef idx="minor">
+            <a:schemeClr val="tx1"/>
+          </a:fontRef>
+        </p:style>
+      </p:cxnSp>
+      <p:cxnSp>
+        <p:nvCxnSpPr>
+          <p:cNvPr id="14" name="Straight Arrow Connector 13">
+            <a:extLst>
+              <a:ext uri="{FF2B5EF4-FFF2-40B4-BE49-F238E27FC236}">
+                <a16:creationId xmlns:a16="http://schemas.microsoft.com/office/drawing/2014/main" id="{B71D24D6-ACE6-B224-0A52-9230DE3260FE}"/>
+              </a:ext>
+            </a:extLst>
+          </p:cNvPr>
+          <p:cNvCxnSpPr>
+            <a:cxnSpLocks/>
+          </p:cNvCxnSpPr>
+          <p:nvPr/>
+        </p:nvCxnSpPr>
+        <p:spPr>
+          <a:xfrm flipV="1">
+            <a:off x="2715768" y="2930652"/>
+            <a:ext cx="859250" cy="59436"/>
+          </a:xfrm>
+          <a:prstGeom prst="straightConnector1">
+            <a:avLst/>
+          </a:prstGeom>
+          <a:ln>
+            <a:tailEnd type="triangle"/>
+          </a:ln>
+        </p:spPr>
+        <p:style>
+          <a:lnRef idx="1">
+            <a:schemeClr val="accent1"/>
+          </a:lnRef>
+          <a:fillRef idx="0">
+            <a:schemeClr val="accent1"/>
+          </a:fillRef>
+          <a:effectRef idx="0">
+            <a:schemeClr val="accent1"/>
+          </a:effectRef>
+          <a:fontRef idx="minor">
+            <a:schemeClr val="tx1"/>
+          </a:fontRef>
+        </p:style>
+      </p:cxnSp>
+      <p:cxnSp>
+        <p:nvCxnSpPr>
+          <p:cNvPr id="15" name="Straight Arrow Connector 14">
+            <a:extLst>
+              <a:ext uri="{FF2B5EF4-FFF2-40B4-BE49-F238E27FC236}">
+                <a16:creationId xmlns:a16="http://schemas.microsoft.com/office/drawing/2014/main" id="{7544C526-B992-12AD-7D71-76CD88EF20F5}"/>
+              </a:ext>
+            </a:extLst>
+          </p:cNvPr>
+          <p:cNvCxnSpPr>
+            <a:cxnSpLocks/>
+          </p:cNvCxnSpPr>
+          <p:nvPr/>
+        </p:nvCxnSpPr>
+        <p:spPr>
+          <a:xfrm>
+            <a:off x="2715768" y="2990088"/>
+            <a:ext cx="859250" cy="772668"/>
+          </a:xfrm>
+          <a:prstGeom prst="straightConnector1">
+            <a:avLst/>
+          </a:prstGeom>
+          <a:ln>
+            <a:tailEnd type="triangle"/>
+          </a:ln>
+        </p:spPr>
+        <p:style>
+          <a:lnRef idx="1">
+            <a:schemeClr val="accent1"/>
+          </a:lnRef>
+          <a:fillRef idx="0">
+            <a:schemeClr val="accent1"/>
+          </a:fillRef>
+          <a:effectRef idx="0">
+            <a:schemeClr val="accent1"/>
+          </a:effectRef>
+          <a:fontRef idx="minor">
+            <a:schemeClr val="tx1"/>
+          </a:fontRef>
+        </p:style>
+      </p:cxnSp>
+      <p:sp>
+        <p:nvSpPr>
+          <p:cNvPr id="16" name="Rectangle: Rounded Corners 15">
+            <a:extLst>
+              <a:ext uri="{FF2B5EF4-FFF2-40B4-BE49-F238E27FC236}">
+                <a16:creationId xmlns:a16="http://schemas.microsoft.com/office/drawing/2014/main" id="{0B7A8C21-BCE0-A98B-3630-129183309351}"/>
+              </a:ext>
+            </a:extLst>
+          </p:cNvPr>
+          <p:cNvSpPr/>
+          <p:nvPr/>
+        </p:nvSpPr>
+        <p:spPr>
+          <a:xfrm>
+            <a:off x="3127248" y="1344168"/>
+            <a:ext cx="2968752" cy="3291840"/>
+          </a:xfrm>
+          <a:prstGeom prst="roundRect">
+            <a:avLst/>
+          </a:prstGeom>
+          <a:noFill/>
+        </p:spPr>
+        <p:style>
+          <a:lnRef idx="2">
+            <a:schemeClr val="accent1">
+              <a:shade val="50000"/>
+            </a:schemeClr>
+          </a:lnRef>
+          <a:fillRef idx="1">
+            <a:schemeClr val="accent1"/>
+          </a:fillRef>
+          <a:effectRef idx="0">
+            <a:schemeClr val="accent1"/>
+          </a:effectRef>
+          <a:fontRef idx="minor">
+            <a:schemeClr val="lt1"/>
+          </a:fontRef>
+        </p:style>
+        <p:txBody>
+          <a:bodyPr rtlCol="0" anchor="ctr"/>
+          <a:lstStyle/>
+          <a:p>
+            <a:pPr algn="ctr"/>
+            <a:endParaRPr lang="es-419"/>
+          </a:p>
+        </p:txBody>
+      </p:sp>
+      <p:sp>
+        <p:nvSpPr>
+          <p:cNvPr id="17" name="Rectangle 16">
+            <a:extLst>
+              <a:ext uri="{FF2B5EF4-FFF2-40B4-BE49-F238E27FC236}">
+                <a16:creationId xmlns:a16="http://schemas.microsoft.com/office/drawing/2014/main" id="{CFD4407D-C8CE-40FF-4F98-13C32BEA99D0}"/>
+              </a:ext>
+            </a:extLst>
+          </p:cNvPr>
+          <p:cNvSpPr/>
+          <p:nvPr/>
+        </p:nvSpPr>
+        <p:spPr>
+          <a:xfrm>
+            <a:off x="2582047" y="194310"/>
+            <a:ext cx="1431884" cy="754380"/>
+          </a:xfrm>
+          <a:prstGeom prst="rect">
+            <a:avLst/>
+          </a:prstGeom>
+          <a:noFill/>
+        </p:spPr>
+        <p:style>
+          <a:lnRef idx="2">
+            <a:schemeClr val="accent1">
+              <a:shade val="50000"/>
+            </a:schemeClr>
+          </a:lnRef>
+          <a:fillRef idx="1">
+            <a:schemeClr val="accent1"/>
+          </a:fillRef>
+          <a:effectRef idx="0">
+            <a:schemeClr val="accent1"/>
+          </a:effectRef>
+          <a:fontRef idx="minor">
+            <a:schemeClr val="lt1"/>
+          </a:fontRef>
+        </p:style>
+        <p:txBody>
+          <a:bodyPr rtlCol="0" anchor="ctr"/>
+          <a:lstStyle/>
+          <a:p>
+            <a:pPr algn="ctr"/>
+            <a:r>
+              <a:rPr lang="es-419" dirty="0" err="1">
+                <a:solidFill>
+                  <a:sysClr val="windowText" lastClr="000000"/>
+                </a:solidFill>
+              </a:rPr>
+              <a:t>IdP</a:t>
+            </a:r>
+            <a:endParaRPr lang="es-419" dirty="0">
+              <a:solidFill>
+                <a:sysClr val="windowText" lastClr="000000"/>
+              </a:solidFill>
+            </a:endParaRPr>
+          </a:p>
+        </p:txBody>
+      </p:sp>
+      <p:cxnSp>
+        <p:nvCxnSpPr>
+          <p:cNvPr id="18" name="Connector: Curved 17">
+            <a:extLst>
+              <a:ext uri="{FF2B5EF4-FFF2-40B4-BE49-F238E27FC236}">
+                <a16:creationId xmlns:a16="http://schemas.microsoft.com/office/drawing/2014/main" id="{95ACF968-3FE2-233C-0B3B-11FD686C4310}"/>
+              </a:ext>
+            </a:extLst>
+          </p:cNvPr>
+          <p:cNvCxnSpPr>
+            <a:cxnSpLocks/>
+          </p:cNvCxnSpPr>
+          <p:nvPr/>
+        </p:nvCxnSpPr>
+        <p:spPr>
+          <a:xfrm rot="16200000" flipV="1">
+            <a:off x="3926444" y="658987"/>
+            <a:ext cx="772668" cy="597693"/>
+          </a:xfrm>
+          <a:prstGeom prst="curvedConnector2">
+            <a:avLst/>
+          </a:prstGeom>
+          <a:ln>
+            <a:tailEnd type="triangle"/>
+          </a:ln>
+        </p:spPr>
+        <p:style>
+          <a:lnRef idx="1">
+            <a:schemeClr val="accent1"/>
+          </a:lnRef>
+          <a:fillRef idx="0">
+            <a:schemeClr val="accent1"/>
+          </a:fillRef>
+          <a:effectRef idx="0">
+            <a:schemeClr val="accent1"/>
+          </a:effectRef>
+          <a:fontRef idx="minor">
+            <a:schemeClr val="tx1"/>
+          </a:fontRef>
+        </p:style>
+      </p:cxnSp>
+      <p:cxnSp>
+        <p:nvCxnSpPr>
+          <p:cNvPr id="19" name="Connector: Curved 18">
+            <a:extLst>
+              <a:ext uri="{FF2B5EF4-FFF2-40B4-BE49-F238E27FC236}">
+                <a16:creationId xmlns:a16="http://schemas.microsoft.com/office/drawing/2014/main" id="{7A578259-259C-228E-54E6-6951FA3785DD}"/>
+              </a:ext>
+            </a:extLst>
+          </p:cNvPr>
+          <p:cNvCxnSpPr>
+            <a:cxnSpLocks/>
+          </p:cNvCxnSpPr>
+          <p:nvPr/>
+        </p:nvCxnSpPr>
+        <p:spPr>
+          <a:xfrm rot="5400000" flipH="1" flipV="1">
+            <a:off x="2205423" y="766377"/>
+            <a:ext cx="571500" cy="181747"/>
+          </a:xfrm>
+          <a:prstGeom prst="curvedConnector2">
+            <a:avLst/>
+          </a:prstGeom>
+          <a:ln>
+            <a:tailEnd type="triangle"/>
+          </a:ln>
+        </p:spPr>
+        <p:style>
+          <a:lnRef idx="1">
+            <a:schemeClr val="accent1"/>
+          </a:lnRef>
+          <a:fillRef idx="0">
+            <a:schemeClr val="accent1"/>
+          </a:fillRef>
+          <a:effectRef idx="0">
+            <a:schemeClr val="accent1"/>
+          </a:effectRef>
+          <a:fontRef idx="minor">
+            <a:schemeClr val="tx1"/>
+          </a:fontRef>
+        </p:style>
+      </p:cxnSp>
+      <p:cxnSp>
+        <p:nvCxnSpPr>
+          <p:cNvPr id="20" name="Connector: Curved 19">
+            <a:extLst>
+              <a:ext uri="{FF2B5EF4-FFF2-40B4-BE49-F238E27FC236}">
+                <a16:creationId xmlns:a16="http://schemas.microsoft.com/office/drawing/2014/main" id="{C7975B02-B450-6682-415C-15770972620B}"/>
+              </a:ext>
+            </a:extLst>
+          </p:cNvPr>
+          <p:cNvCxnSpPr>
+            <a:cxnSpLocks/>
+          </p:cNvCxnSpPr>
+          <p:nvPr/>
+        </p:nvCxnSpPr>
+        <p:spPr>
+          <a:xfrm rot="5400000" flipH="1" flipV="1">
+            <a:off x="1095951" y="342705"/>
+            <a:ext cx="1257300" cy="1714891"/>
+          </a:xfrm>
+          <a:prstGeom prst="curvedConnector2">
+            <a:avLst/>
+          </a:prstGeom>
+          <a:ln>
+            <a:tailEnd type="triangle"/>
+          </a:ln>
+        </p:spPr>
+        <p:style>
+          <a:lnRef idx="1">
+            <a:schemeClr val="accent1"/>
+          </a:lnRef>
+          <a:fillRef idx="0">
+            <a:schemeClr val="accent1"/>
+          </a:fillRef>
+          <a:effectRef idx="0">
+            <a:schemeClr val="accent1"/>
+          </a:effectRef>
+          <a:fontRef idx="minor">
+            <a:schemeClr val="tx1"/>
+          </a:fontRef>
+        </p:style>
+      </p:cxnSp>
+      <p:sp>
+        <p:nvSpPr>
+          <p:cNvPr id="21" name="TextBox 20">
+            <a:extLst>
+              <a:ext uri="{FF2B5EF4-FFF2-40B4-BE49-F238E27FC236}">
+                <a16:creationId xmlns:a16="http://schemas.microsoft.com/office/drawing/2014/main" id="{B4AB1E4A-A016-A4EE-D23A-8065F717A3E6}"/>
+              </a:ext>
+            </a:extLst>
+          </p:cNvPr>
+          <p:cNvSpPr txBox="1"/>
+          <p:nvPr/>
+        </p:nvSpPr>
+        <p:spPr>
+          <a:xfrm>
+            <a:off x="1361740" y="2715208"/>
+            <a:ext cx="546945" cy="430887"/>
+          </a:xfrm>
+          <a:prstGeom prst="rect">
+            <a:avLst/>
+          </a:prstGeom>
+          <a:noFill/>
+        </p:spPr>
+        <p:txBody>
+          <a:bodyPr wrap="none" rtlCol="0">
+            <a:spAutoFit/>
+          </a:bodyPr>
+          <a:lstStyle/>
+          <a:p>
+            <a:r>
+              <a:rPr lang="es-419" sz="1050" dirty="0"/>
+              <a:t>HTTPS</a:t>
+            </a:r>
+          </a:p>
+          <a:p>
+            <a:r>
+              <a:rPr lang="es-419" sz="1050" dirty="0"/>
+              <a:t>TLS</a:t>
+            </a:r>
+          </a:p>
+        </p:txBody>
+      </p:sp>
+      <p:pic>
+        <p:nvPicPr>
+          <p:cNvPr id="22" name="Picture 2" descr="Key Icon Black Thin Line Gráfico por deniprianggono78 · Creative Fabrica">
+            <a:extLst>
+              <a:ext uri="{FF2B5EF4-FFF2-40B4-BE49-F238E27FC236}">
+                <a16:creationId xmlns:a16="http://schemas.microsoft.com/office/drawing/2014/main" id="{0B94A383-9A66-5AF5-A5DF-B59538C01E27}"/>
+              </a:ext>
+            </a:extLst>
+          </p:cNvPr>
+          <p:cNvPicPr>
+            <a:picLocks noChangeAspect="1" noChangeArrowheads="1"/>
+          </p:cNvPicPr>
+          <p:nvPr/>
+        </p:nvPicPr>
+        <p:blipFill>
+          <a:blip r:embed="rId2">
+            <a:extLst>
+              <a:ext uri="{28A0092B-C50C-407E-A947-70E740481C1C}">
+                <a14:useLocalDpi xmlns:a14="http://schemas.microsoft.com/office/drawing/2010/main" val="0"/>
+              </a:ext>
+            </a:extLst>
+          </a:blip>
+          <a:srcRect/>
+          <a:stretch>
+            <a:fillRect/>
+          </a:stretch>
+        </p:blipFill>
+        <p:spPr bwMode="auto">
+          <a:xfrm>
+            <a:off x="1377024" y="3062964"/>
+            <a:ext cx="465974" cy="310114"/>
+          </a:xfrm>
+          <a:prstGeom prst="rect">
+            <a:avLst/>
+          </a:prstGeom>
+          <a:noFill/>
+          <a:extLst>
+            <a:ext uri="{909E8E84-426E-40DD-AFC4-6F175D3DCCD1}">
+              <a14:hiddenFill xmlns:a14="http://schemas.microsoft.com/office/drawing/2010/main">
+                <a:solidFill>
+                  <a:srgbClr val="FFFFFF"/>
+                </a:solidFill>
+              </a14:hiddenFill>
+            </a:ext>
+          </a:extLst>
+        </p:spPr>
+      </p:pic>
+      <p:sp>
+        <p:nvSpPr>
+          <p:cNvPr id="23" name="Rectangle: Rounded Corners 22">
+            <a:extLst>
+              <a:ext uri="{FF2B5EF4-FFF2-40B4-BE49-F238E27FC236}">
+                <a16:creationId xmlns:a16="http://schemas.microsoft.com/office/drawing/2014/main" id="{D2F641AD-E5DE-0B4A-68E2-DBA626B949BB}"/>
+              </a:ext>
+            </a:extLst>
+          </p:cNvPr>
+          <p:cNvSpPr/>
+          <p:nvPr/>
+        </p:nvSpPr>
+        <p:spPr>
+          <a:xfrm>
+            <a:off x="3575018" y="1764792"/>
+            <a:ext cx="274606" cy="667512"/>
+          </a:xfrm>
+          <a:prstGeom prst="roundRect">
+            <a:avLst/>
+          </a:prstGeom>
+          <a:noFill/>
+        </p:spPr>
+        <p:style>
+          <a:lnRef idx="2">
+            <a:schemeClr val="accent1">
+              <a:shade val="50000"/>
+            </a:schemeClr>
+          </a:lnRef>
+          <a:fillRef idx="1">
+            <a:schemeClr val="accent1"/>
+          </a:fillRef>
+          <a:effectRef idx="0">
+            <a:schemeClr val="accent1"/>
+          </a:effectRef>
+          <a:fontRef idx="minor">
+            <a:schemeClr val="lt1"/>
+          </a:fontRef>
+        </p:style>
+        <p:txBody>
+          <a:bodyPr rtlCol="0" anchor="ctr"/>
+          <a:lstStyle/>
+          <a:p>
+            <a:pPr algn="ctr"/>
+            <a:endParaRPr lang="es-419" dirty="0"/>
+          </a:p>
+        </p:txBody>
+      </p:sp>
+      <p:pic>
+        <p:nvPicPr>
+          <p:cNvPr id="24" name="Picture 4" descr="icon icon, lock icon">
+            <a:extLst>
+              <a:ext uri="{FF2B5EF4-FFF2-40B4-BE49-F238E27FC236}">
+                <a16:creationId xmlns:a16="http://schemas.microsoft.com/office/drawing/2014/main" id="{5ED0C805-668D-0C90-FB9D-B3CCF9396F93}"/>
+              </a:ext>
+            </a:extLst>
+          </p:cNvPr>
+          <p:cNvPicPr>
+            <a:picLocks noChangeAspect="1" noChangeArrowheads="1"/>
+          </p:cNvPicPr>
+          <p:nvPr/>
+        </p:nvPicPr>
+        <p:blipFill>
+          <a:blip r:embed="rId3">
+            <a:extLst>
+              <a:ext uri="{28A0092B-C50C-407E-A947-70E740481C1C}">
+                <a14:useLocalDpi xmlns:a14="http://schemas.microsoft.com/office/drawing/2010/main" val="0"/>
+              </a:ext>
+            </a:extLst>
+          </a:blip>
+          <a:srcRect/>
+          <a:stretch>
+            <a:fillRect/>
+          </a:stretch>
+        </p:blipFill>
+        <p:spPr bwMode="auto">
+          <a:xfrm>
+            <a:off x="3602165" y="1828800"/>
+            <a:ext cx="238315" cy="238315"/>
+          </a:xfrm>
+          <a:prstGeom prst="rect">
+            <a:avLst/>
+          </a:prstGeom>
+          <a:noFill/>
+          <a:extLst>
+            <a:ext uri="{909E8E84-426E-40DD-AFC4-6F175D3DCCD1}">
+              <a14:hiddenFill xmlns:a14="http://schemas.microsoft.com/office/drawing/2010/main">
+                <a:solidFill>
+                  <a:srgbClr val="FFFFFF"/>
+                </a:solidFill>
+              </a14:hiddenFill>
+            </a:ext>
+          </a:extLst>
+        </p:spPr>
+      </p:pic>
+      <p:sp>
+        <p:nvSpPr>
+          <p:cNvPr id="25" name="Rectangle: Rounded Corners 24">
+            <a:extLst>
+              <a:ext uri="{FF2B5EF4-FFF2-40B4-BE49-F238E27FC236}">
+                <a16:creationId xmlns:a16="http://schemas.microsoft.com/office/drawing/2014/main" id="{DF0A3FB6-5917-4E17-1F30-5298AF36A375}"/>
+              </a:ext>
+            </a:extLst>
+          </p:cNvPr>
+          <p:cNvSpPr/>
+          <p:nvPr/>
+        </p:nvSpPr>
+        <p:spPr>
+          <a:xfrm>
+            <a:off x="3575018" y="2596896"/>
+            <a:ext cx="274606" cy="667512"/>
+          </a:xfrm>
+          <a:prstGeom prst="roundRect">
+            <a:avLst/>
+          </a:prstGeom>
+          <a:noFill/>
+        </p:spPr>
+        <p:style>
+          <a:lnRef idx="2">
+            <a:schemeClr val="accent1">
+              <a:shade val="50000"/>
+            </a:schemeClr>
+          </a:lnRef>
+          <a:fillRef idx="1">
+            <a:schemeClr val="accent1"/>
+          </a:fillRef>
+          <a:effectRef idx="0">
+            <a:schemeClr val="accent1"/>
+          </a:effectRef>
+          <a:fontRef idx="minor">
+            <a:schemeClr val="lt1"/>
+          </a:fontRef>
+        </p:style>
+        <p:txBody>
+          <a:bodyPr rtlCol="0" anchor="ctr"/>
+          <a:lstStyle/>
+          <a:p>
+            <a:pPr algn="ctr"/>
+            <a:endParaRPr lang="es-419"/>
+          </a:p>
+        </p:txBody>
+      </p:sp>
+      <p:sp>
+        <p:nvSpPr>
+          <p:cNvPr id="26" name="Rectangle: Rounded Corners 25">
+            <a:extLst>
+              <a:ext uri="{FF2B5EF4-FFF2-40B4-BE49-F238E27FC236}">
+                <a16:creationId xmlns:a16="http://schemas.microsoft.com/office/drawing/2014/main" id="{1C75AA5B-AC7C-7DC7-6E5D-CF032DA0BD57}"/>
+              </a:ext>
+            </a:extLst>
+          </p:cNvPr>
+          <p:cNvSpPr/>
+          <p:nvPr/>
+        </p:nvSpPr>
+        <p:spPr>
+          <a:xfrm>
+            <a:off x="3575018" y="3429000"/>
+            <a:ext cx="274606" cy="667512"/>
+          </a:xfrm>
+          <a:prstGeom prst="roundRect">
+            <a:avLst/>
+          </a:prstGeom>
+          <a:noFill/>
+        </p:spPr>
+        <p:style>
+          <a:lnRef idx="2">
+            <a:schemeClr val="accent1">
+              <a:shade val="50000"/>
+            </a:schemeClr>
+          </a:lnRef>
+          <a:fillRef idx="1">
+            <a:schemeClr val="accent1"/>
+          </a:fillRef>
+          <a:effectRef idx="0">
+            <a:schemeClr val="accent1"/>
+          </a:effectRef>
+          <a:fontRef idx="minor">
+            <a:schemeClr val="lt1"/>
+          </a:fontRef>
+        </p:style>
+        <p:txBody>
+          <a:bodyPr rtlCol="0" anchor="ctr"/>
+          <a:lstStyle/>
+          <a:p>
+            <a:pPr algn="ctr"/>
+            <a:endParaRPr lang="es-419"/>
+          </a:p>
+        </p:txBody>
+      </p:sp>
+      <p:pic>
+        <p:nvPicPr>
+          <p:cNvPr id="27" name="Picture 4" descr="icon icon, lock icon">
+            <a:extLst>
+              <a:ext uri="{FF2B5EF4-FFF2-40B4-BE49-F238E27FC236}">
+                <a16:creationId xmlns:a16="http://schemas.microsoft.com/office/drawing/2014/main" id="{CD208F7A-4F43-4994-973C-FB22EC53ADA8}"/>
+              </a:ext>
+            </a:extLst>
+          </p:cNvPr>
+          <p:cNvPicPr>
+            <a:picLocks noChangeAspect="1" noChangeArrowheads="1"/>
+          </p:cNvPicPr>
+          <p:nvPr/>
+        </p:nvPicPr>
+        <p:blipFill>
+          <a:blip r:embed="rId3">
+            <a:extLst>
+              <a:ext uri="{28A0092B-C50C-407E-A947-70E740481C1C}">
+                <a14:useLocalDpi xmlns:a14="http://schemas.microsoft.com/office/drawing/2010/main" val="0"/>
+              </a:ext>
+            </a:extLst>
+          </a:blip>
+          <a:srcRect/>
+          <a:stretch>
+            <a:fillRect/>
+          </a:stretch>
+        </p:blipFill>
+        <p:spPr bwMode="auto">
+          <a:xfrm>
+            <a:off x="3602165" y="2651189"/>
+            <a:ext cx="238315" cy="238315"/>
+          </a:xfrm>
+          <a:prstGeom prst="rect">
+            <a:avLst/>
+          </a:prstGeom>
+          <a:noFill/>
+          <a:extLst>
+            <a:ext uri="{909E8E84-426E-40DD-AFC4-6F175D3DCCD1}">
+              <a14:hiddenFill xmlns:a14="http://schemas.microsoft.com/office/drawing/2010/main">
+                <a:solidFill>
+                  <a:srgbClr val="FFFFFF"/>
+                </a:solidFill>
+              </a14:hiddenFill>
+            </a:ext>
+          </a:extLst>
+        </p:spPr>
+      </p:pic>
+      <p:pic>
+        <p:nvPicPr>
+          <p:cNvPr id="28" name="Picture 4" descr="icon icon, lock icon">
+            <a:extLst>
+              <a:ext uri="{FF2B5EF4-FFF2-40B4-BE49-F238E27FC236}">
+                <a16:creationId xmlns:a16="http://schemas.microsoft.com/office/drawing/2014/main" id="{5A402C39-DD47-EB82-1ECF-C3905A096813}"/>
+              </a:ext>
+            </a:extLst>
+          </p:cNvPr>
+          <p:cNvPicPr>
+            <a:picLocks noChangeAspect="1" noChangeArrowheads="1"/>
+          </p:cNvPicPr>
+          <p:nvPr/>
+        </p:nvPicPr>
+        <p:blipFill>
+          <a:blip r:embed="rId3">
+            <a:extLst>
+              <a:ext uri="{28A0092B-C50C-407E-A947-70E740481C1C}">
+                <a14:useLocalDpi xmlns:a14="http://schemas.microsoft.com/office/drawing/2010/main" val="0"/>
+              </a:ext>
+            </a:extLst>
+          </a:blip>
+          <a:srcRect/>
+          <a:stretch>
+            <a:fillRect/>
+          </a:stretch>
+        </p:blipFill>
+        <p:spPr bwMode="auto">
+          <a:xfrm>
+            <a:off x="3602165" y="3524156"/>
+            <a:ext cx="238315" cy="238315"/>
+          </a:xfrm>
+          <a:prstGeom prst="rect">
+            <a:avLst/>
+          </a:prstGeom>
+          <a:noFill/>
+          <a:extLst>
+            <a:ext uri="{909E8E84-426E-40DD-AFC4-6F175D3DCCD1}">
+              <a14:hiddenFill xmlns:a14="http://schemas.microsoft.com/office/drawing/2010/main">
+                <a:solidFill>
+                  <a:srgbClr val="FFFFFF"/>
+                </a:solidFill>
+              </a14:hiddenFill>
+            </a:ext>
+          </a:extLst>
+        </p:spPr>
+      </p:pic>
+      <p:pic>
+        <p:nvPicPr>
+          <p:cNvPr id="29" name="Picture 4" descr="icon icon, lock icon">
+            <a:extLst>
+              <a:ext uri="{FF2B5EF4-FFF2-40B4-BE49-F238E27FC236}">
+                <a16:creationId xmlns:a16="http://schemas.microsoft.com/office/drawing/2014/main" id="{55B1B39D-84BD-DCD5-7005-E0B86718D515}"/>
+              </a:ext>
+            </a:extLst>
+          </p:cNvPr>
+          <p:cNvPicPr>
+            <a:picLocks noChangeAspect="1" noChangeArrowheads="1"/>
+          </p:cNvPicPr>
+          <p:nvPr/>
+        </p:nvPicPr>
+        <p:blipFill>
+          <a:blip r:embed="rId3">
+            <a:extLst>
+              <a:ext uri="{28A0092B-C50C-407E-A947-70E740481C1C}">
+                <a14:useLocalDpi xmlns:a14="http://schemas.microsoft.com/office/drawing/2010/main" val="0"/>
+              </a:ext>
+            </a:extLst>
+          </a:blip>
+          <a:srcRect/>
+          <a:stretch>
+            <a:fillRect/>
+          </a:stretch>
+        </p:blipFill>
+        <p:spPr bwMode="auto">
+          <a:xfrm>
+            <a:off x="4013931" y="1828800"/>
+            <a:ext cx="238315" cy="238315"/>
+          </a:xfrm>
+          <a:prstGeom prst="rect">
+            <a:avLst/>
+          </a:prstGeom>
+          <a:noFill/>
+          <a:extLst>
+            <a:ext uri="{909E8E84-426E-40DD-AFC4-6F175D3DCCD1}">
+              <a14:hiddenFill xmlns:a14="http://schemas.microsoft.com/office/drawing/2010/main">
+                <a:solidFill>
+                  <a:srgbClr val="FFFFFF"/>
+                </a:solidFill>
+              </a14:hiddenFill>
+            </a:ext>
+          </a:extLst>
+        </p:spPr>
+      </p:pic>
+      <p:pic>
+        <p:nvPicPr>
+          <p:cNvPr id="30" name="Picture 4" descr="icon icon, lock icon">
+            <a:extLst>
+              <a:ext uri="{FF2B5EF4-FFF2-40B4-BE49-F238E27FC236}">
+                <a16:creationId xmlns:a16="http://schemas.microsoft.com/office/drawing/2014/main" id="{1E91CB8C-69F9-102D-CD16-B8B62178292C}"/>
+              </a:ext>
+            </a:extLst>
+          </p:cNvPr>
+          <p:cNvPicPr>
+            <a:picLocks noChangeAspect="1" noChangeArrowheads="1"/>
+          </p:cNvPicPr>
+          <p:nvPr/>
+        </p:nvPicPr>
+        <p:blipFill>
+          <a:blip r:embed="rId3">
+            <a:extLst>
+              <a:ext uri="{28A0092B-C50C-407E-A947-70E740481C1C}">
+                <a14:useLocalDpi xmlns:a14="http://schemas.microsoft.com/office/drawing/2010/main" val="0"/>
+              </a:ext>
+            </a:extLst>
+          </a:blip>
+          <a:srcRect/>
+          <a:stretch>
+            <a:fillRect/>
+          </a:stretch>
+        </p:blipFill>
+        <p:spPr bwMode="auto">
+          <a:xfrm>
+            <a:off x="4013931" y="2651189"/>
+            <a:ext cx="238315" cy="238315"/>
+          </a:xfrm>
+          <a:prstGeom prst="rect">
+            <a:avLst/>
+          </a:prstGeom>
+          <a:noFill/>
+          <a:extLst>
+            <a:ext uri="{909E8E84-426E-40DD-AFC4-6F175D3DCCD1}">
+              <a14:hiddenFill xmlns:a14="http://schemas.microsoft.com/office/drawing/2010/main">
+                <a:solidFill>
+                  <a:srgbClr val="FFFFFF"/>
+                </a:solidFill>
+              </a14:hiddenFill>
+            </a:ext>
+          </a:extLst>
+        </p:spPr>
+      </p:pic>
+      <p:pic>
+        <p:nvPicPr>
+          <p:cNvPr id="31" name="Picture 4" descr="icon icon, lock icon">
+            <a:extLst>
+              <a:ext uri="{FF2B5EF4-FFF2-40B4-BE49-F238E27FC236}">
+                <a16:creationId xmlns:a16="http://schemas.microsoft.com/office/drawing/2014/main" id="{AA1F36D0-9FDD-DBE2-9363-C4AFD6F362EF}"/>
+              </a:ext>
+            </a:extLst>
+          </p:cNvPr>
+          <p:cNvPicPr>
+            <a:picLocks noChangeAspect="1" noChangeArrowheads="1"/>
+          </p:cNvPicPr>
+          <p:nvPr/>
+        </p:nvPicPr>
+        <p:blipFill>
+          <a:blip r:embed="rId3">
+            <a:extLst>
+              <a:ext uri="{28A0092B-C50C-407E-A947-70E740481C1C}">
+                <a14:useLocalDpi xmlns:a14="http://schemas.microsoft.com/office/drawing/2010/main" val="0"/>
+              </a:ext>
+            </a:extLst>
+          </a:blip>
+          <a:srcRect/>
+          <a:stretch>
+            <a:fillRect/>
+          </a:stretch>
+        </p:blipFill>
+        <p:spPr bwMode="auto">
+          <a:xfrm>
+            <a:off x="4013931" y="3524156"/>
+            <a:ext cx="238315" cy="238315"/>
+          </a:xfrm>
+          <a:prstGeom prst="rect">
+            <a:avLst/>
+          </a:prstGeom>
+          <a:noFill/>
+          <a:extLst>
+            <a:ext uri="{909E8E84-426E-40DD-AFC4-6F175D3DCCD1}">
+              <a14:hiddenFill xmlns:a14="http://schemas.microsoft.com/office/drawing/2010/main">
+                <a:solidFill>
+                  <a:srgbClr val="FFFFFF"/>
+                </a:solidFill>
+              </a14:hiddenFill>
+            </a:ext>
+          </a:extLst>
+        </p:spPr>
+      </p:pic>
+      <p:sp>
+        <p:nvSpPr>
+          <p:cNvPr id="32" name="TextBox 31">
+            <a:extLst>
+              <a:ext uri="{FF2B5EF4-FFF2-40B4-BE49-F238E27FC236}">
+                <a16:creationId xmlns:a16="http://schemas.microsoft.com/office/drawing/2014/main" id="{7C4EFFE0-C9CC-604A-F1DF-9CF156E8BACC}"/>
+              </a:ext>
+            </a:extLst>
+          </p:cNvPr>
+          <p:cNvSpPr txBox="1"/>
+          <p:nvPr/>
+        </p:nvSpPr>
+        <p:spPr>
+          <a:xfrm>
+            <a:off x="6973883" y="374469"/>
+            <a:ext cx="1581138" cy="369332"/>
+          </a:xfrm>
+          <a:prstGeom prst="rect">
+            <a:avLst/>
+          </a:prstGeom>
+          <a:noFill/>
+        </p:spPr>
+        <p:txBody>
+          <a:bodyPr wrap="none" rtlCol="0">
+            <a:spAutoFit/>
+          </a:bodyPr>
+          <a:lstStyle/>
+          <a:p>
+            <a:r>
+              <a:rPr lang="es-419" dirty="0" err="1"/>
+              <a:t>Authentication</a:t>
+            </a:r>
+            <a:endParaRPr lang="es-419" dirty="0"/>
+          </a:p>
+        </p:txBody>
+      </p:sp>
+      <p:sp>
+        <p:nvSpPr>
+          <p:cNvPr id="33" name="TextBox 32">
+            <a:extLst>
+              <a:ext uri="{FF2B5EF4-FFF2-40B4-BE49-F238E27FC236}">
+                <a16:creationId xmlns:a16="http://schemas.microsoft.com/office/drawing/2014/main" id="{94973548-8329-F7DE-8726-37D26E2A97C2}"/>
+              </a:ext>
+            </a:extLst>
+          </p:cNvPr>
+          <p:cNvSpPr txBox="1"/>
+          <p:nvPr/>
+        </p:nvSpPr>
+        <p:spPr>
+          <a:xfrm>
+            <a:off x="7021738" y="933587"/>
+            <a:ext cx="1462708" cy="369332"/>
+          </a:xfrm>
+          <a:prstGeom prst="rect">
+            <a:avLst/>
+          </a:prstGeom>
+          <a:noFill/>
+        </p:spPr>
+        <p:txBody>
+          <a:bodyPr wrap="none" rtlCol="0">
+            <a:spAutoFit/>
+          </a:bodyPr>
+          <a:lstStyle/>
+          <a:p>
+            <a:r>
+              <a:rPr lang="es-419" dirty="0" err="1"/>
+              <a:t>Authorization</a:t>
+            </a:r>
+            <a:endParaRPr lang="es-419" dirty="0"/>
+          </a:p>
+        </p:txBody>
+      </p:sp>
+      <p:sp>
+        <p:nvSpPr>
+          <p:cNvPr id="36" name="Cylinder 35">
+            <a:extLst>
+              <a:ext uri="{FF2B5EF4-FFF2-40B4-BE49-F238E27FC236}">
+                <a16:creationId xmlns:a16="http://schemas.microsoft.com/office/drawing/2014/main" id="{614459D4-AD6D-3E17-A6AF-77BA298ADDBA}"/>
+              </a:ext>
+            </a:extLst>
+          </p:cNvPr>
+          <p:cNvSpPr/>
+          <p:nvPr/>
+        </p:nvSpPr>
+        <p:spPr>
+          <a:xfrm>
+            <a:off x="5202936" y="2011680"/>
+            <a:ext cx="420624" cy="1819656"/>
+          </a:xfrm>
+          <a:prstGeom prst="can">
+            <a:avLst/>
+          </a:prstGeom>
+          <a:noFill/>
+        </p:spPr>
+        <p:style>
+          <a:lnRef idx="2">
+            <a:schemeClr val="accent1">
+              <a:shade val="50000"/>
+            </a:schemeClr>
+          </a:lnRef>
+          <a:fillRef idx="1">
+            <a:schemeClr val="accent1"/>
+          </a:fillRef>
+          <a:effectRef idx="0">
+            <a:schemeClr val="accent1"/>
+          </a:effectRef>
+          <a:fontRef idx="minor">
+            <a:schemeClr val="lt1"/>
+          </a:fontRef>
+        </p:style>
+        <p:txBody>
+          <a:bodyPr rtlCol="0" anchor="ctr"/>
+          <a:lstStyle/>
+          <a:p>
+            <a:pPr algn="ctr"/>
+            <a:endParaRPr lang="es-419"/>
+          </a:p>
+        </p:txBody>
+      </p:sp>
+      <p:cxnSp>
+        <p:nvCxnSpPr>
+          <p:cNvPr id="38" name="Connector: Curved 37">
+            <a:extLst>
+              <a:ext uri="{FF2B5EF4-FFF2-40B4-BE49-F238E27FC236}">
+                <a16:creationId xmlns:a16="http://schemas.microsoft.com/office/drawing/2014/main" id="{C98D5EF5-6F41-59B5-BD58-3431B1F27316}"/>
+              </a:ext>
+            </a:extLst>
+          </p:cNvPr>
+          <p:cNvCxnSpPr>
+            <a:cxnSpLocks/>
+          </p:cNvCxnSpPr>
+          <p:nvPr/>
+        </p:nvCxnSpPr>
+        <p:spPr>
+          <a:xfrm>
+            <a:off x="4636008" y="2098548"/>
+            <a:ext cx="12700" cy="832104"/>
+          </a:xfrm>
+          <a:prstGeom prst="curvedConnector3">
+            <a:avLst>
+              <a:gd name="adj1" fmla="val 1800000"/>
+            </a:avLst>
+          </a:prstGeom>
+          <a:ln>
+            <a:tailEnd type="triangle"/>
+          </a:ln>
+        </p:spPr>
+        <p:style>
+          <a:lnRef idx="1">
+            <a:schemeClr val="accent1"/>
+          </a:lnRef>
+          <a:fillRef idx="0">
+            <a:schemeClr val="accent1"/>
+          </a:fillRef>
+          <a:effectRef idx="0">
+            <a:schemeClr val="accent1"/>
+          </a:effectRef>
+          <a:fontRef idx="minor">
+            <a:schemeClr val="tx1"/>
+          </a:fontRef>
+        </p:style>
+      </p:cxnSp>
+      <p:cxnSp>
+        <p:nvCxnSpPr>
+          <p:cNvPr id="39" name="Connector: Curved 38">
+            <a:extLst>
+              <a:ext uri="{FF2B5EF4-FFF2-40B4-BE49-F238E27FC236}">
+                <a16:creationId xmlns:a16="http://schemas.microsoft.com/office/drawing/2014/main" id="{ACD85E87-45BE-0835-1116-51FD32025D56}"/>
+              </a:ext>
+            </a:extLst>
+          </p:cNvPr>
+          <p:cNvCxnSpPr/>
+          <p:nvPr/>
+        </p:nvCxnSpPr>
+        <p:spPr>
+          <a:xfrm>
+            <a:off x="4636008" y="2930652"/>
+            <a:ext cx="12700" cy="832104"/>
+          </a:xfrm>
+          <a:prstGeom prst="curvedConnector3">
+            <a:avLst>
+              <a:gd name="adj1" fmla="val 1800000"/>
+            </a:avLst>
+          </a:prstGeom>
+          <a:ln>
+            <a:tailEnd type="triangle"/>
+          </a:ln>
+        </p:spPr>
+        <p:style>
+          <a:lnRef idx="1">
+            <a:schemeClr val="accent1"/>
+          </a:lnRef>
+          <a:fillRef idx="0">
+            <a:schemeClr val="accent1"/>
+          </a:fillRef>
+          <a:effectRef idx="0">
+            <a:schemeClr val="accent1"/>
+          </a:effectRef>
+          <a:fontRef idx="minor">
+            <a:schemeClr val="tx1"/>
+          </a:fontRef>
+        </p:style>
+      </p:cxnSp>
+      <p:pic>
+        <p:nvPicPr>
+          <p:cNvPr id="40" name="Picture 2" descr="Key Icon Black Thin Line Gráfico por deniprianggono78 · Creative Fabrica">
+            <a:extLst>
+              <a:ext uri="{FF2B5EF4-FFF2-40B4-BE49-F238E27FC236}">
+                <a16:creationId xmlns:a16="http://schemas.microsoft.com/office/drawing/2014/main" id="{4D101DDD-C14E-B51F-A35D-71C9497C26F6}"/>
+              </a:ext>
+            </a:extLst>
+          </p:cNvPr>
+          <p:cNvPicPr>
+            <a:picLocks noChangeAspect="1" noChangeArrowheads="1"/>
+          </p:cNvPicPr>
+          <p:nvPr/>
+        </p:nvPicPr>
+        <p:blipFill>
+          <a:blip r:embed="rId2">
+            <a:extLst>
+              <a:ext uri="{28A0092B-C50C-407E-A947-70E740481C1C}">
+                <a14:useLocalDpi xmlns:a14="http://schemas.microsoft.com/office/drawing/2010/main" val="0"/>
+              </a:ext>
+            </a:extLst>
+          </a:blip>
+          <a:srcRect/>
+          <a:stretch>
+            <a:fillRect/>
+          </a:stretch>
+        </p:blipFill>
+        <p:spPr bwMode="auto">
+          <a:xfrm>
+            <a:off x="4588154" y="4075960"/>
+            <a:ext cx="465974" cy="310114"/>
+          </a:xfrm>
+          <a:prstGeom prst="rect">
+            <a:avLst/>
+          </a:prstGeom>
+          <a:noFill/>
+          <a:extLst>
+            <a:ext uri="{909E8E84-426E-40DD-AFC4-6F175D3DCCD1}">
+              <a14:hiddenFill xmlns:a14="http://schemas.microsoft.com/office/drawing/2010/main">
+                <a:solidFill>
+                  <a:srgbClr val="FFFFFF"/>
+                </a:solidFill>
+              </a14:hiddenFill>
+            </a:ext>
+          </a:extLst>
+        </p:spPr>
+      </p:pic>
+      <p:sp>
+        <p:nvSpPr>
+          <p:cNvPr id="41" name="TextBox 40">
+            <a:extLst>
+              <a:ext uri="{FF2B5EF4-FFF2-40B4-BE49-F238E27FC236}">
+                <a16:creationId xmlns:a16="http://schemas.microsoft.com/office/drawing/2014/main" id="{B2CFCED5-DFB5-59A6-DCBE-3FAEB40BADCB}"/>
+              </a:ext>
+            </a:extLst>
+          </p:cNvPr>
+          <p:cNvSpPr txBox="1"/>
+          <p:nvPr/>
+        </p:nvSpPr>
+        <p:spPr>
+          <a:xfrm>
+            <a:off x="4586354" y="3757026"/>
+            <a:ext cx="530915" cy="415498"/>
+          </a:xfrm>
+          <a:prstGeom prst="rect">
+            <a:avLst/>
+          </a:prstGeom>
+          <a:noFill/>
+        </p:spPr>
+        <p:txBody>
+          <a:bodyPr wrap="none" rtlCol="0">
+            <a:spAutoFit/>
+          </a:bodyPr>
+          <a:lstStyle/>
+          <a:p>
+            <a:r>
+              <a:rPr lang="es-419" sz="1050" dirty="0"/>
+              <a:t>HTTPS</a:t>
+            </a:r>
+          </a:p>
+          <a:p>
+            <a:r>
+              <a:rPr lang="es-419" sz="1050" dirty="0"/>
+              <a:t>TLS</a:t>
+            </a:r>
+          </a:p>
+        </p:txBody>
+      </p:sp>
+      <p:sp>
+        <p:nvSpPr>
+          <p:cNvPr id="42" name="TextBox 41">
+            <a:extLst>
+              <a:ext uri="{FF2B5EF4-FFF2-40B4-BE49-F238E27FC236}">
+                <a16:creationId xmlns:a16="http://schemas.microsoft.com/office/drawing/2014/main" id="{3804134C-9A73-4882-4031-F801CD5EAFA0}"/>
+              </a:ext>
+            </a:extLst>
+          </p:cNvPr>
+          <p:cNvSpPr txBox="1"/>
+          <p:nvPr/>
+        </p:nvSpPr>
+        <p:spPr>
+          <a:xfrm>
+            <a:off x="4586354" y="1866066"/>
+            <a:ext cx="468398" cy="253916"/>
+          </a:xfrm>
+          <a:prstGeom prst="rect">
+            <a:avLst/>
+          </a:prstGeom>
+          <a:noFill/>
+        </p:spPr>
+        <p:txBody>
+          <a:bodyPr wrap="none" rtlCol="0">
+            <a:spAutoFit/>
+          </a:bodyPr>
+          <a:lstStyle/>
+          <a:p>
+            <a:r>
+              <a:rPr lang="es-419" sz="1050" dirty="0"/>
+              <a:t>HTTP</a:t>
+            </a:r>
+          </a:p>
+        </p:txBody>
+      </p:sp>
+      <p:cxnSp>
+        <p:nvCxnSpPr>
+          <p:cNvPr id="51" name="Straight Arrow Connector 50">
+            <a:extLst>
+              <a:ext uri="{FF2B5EF4-FFF2-40B4-BE49-F238E27FC236}">
+                <a16:creationId xmlns:a16="http://schemas.microsoft.com/office/drawing/2014/main" id="{738A2805-FA37-F5E1-DA77-8855B0B65029}"/>
+              </a:ext>
+            </a:extLst>
+          </p:cNvPr>
+          <p:cNvCxnSpPr/>
+          <p:nvPr/>
+        </p:nvCxnSpPr>
+        <p:spPr>
+          <a:xfrm>
+            <a:off x="4636008" y="2098548"/>
+            <a:ext cx="566928" cy="822960"/>
+          </a:xfrm>
+          <a:prstGeom prst="straightConnector1">
+            <a:avLst/>
+          </a:prstGeom>
+          <a:ln>
+            <a:tailEnd type="triangle"/>
+          </a:ln>
+        </p:spPr>
+        <p:style>
+          <a:lnRef idx="1">
+            <a:schemeClr val="accent1"/>
+          </a:lnRef>
+          <a:fillRef idx="0">
+            <a:schemeClr val="accent1"/>
+          </a:fillRef>
+          <a:effectRef idx="0">
+            <a:schemeClr val="accent1"/>
+          </a:effectRef>
+          <a:fontRef idx="minor">
+            <a:schemeClr val="tx1"/>
+          </a:fontRef>
+        </p:style>
+      </p:cxnSp>
+      <p:cxnSp>
+        <p:nvCxnSpPr>
+          <p:cNvPr id="52" name="Straight Arrow Connector 51">
+            <a:extLst>
+              <a:ext uri="{FF2B5EF4-FFF2-40B4-BE49-F238E27FC236}">
+                <a16:creationId xmlns:a16="http://schemas.microsoft.com/office/drawing/2014/main" id="{B3334C95-FE87-705A-3781-89DA739BD6B0}"/>
+              </a:ext>
+            </a:extLst>
+          </p:cNvPr>
+          <p:cNvCxnSpPr/>
+          <p:nvPr/>
+        </p:nvCxnSpPr>
+        <p:spPr>
+          <a:xfrm flipV="1">
+            <a:off x="4636008" y="2921508"/>
+            <a:ext cx="566928" cy="841248"/>
+          </a:xfrm>
+          <a:prstGeom prst="straightConnector1">
+            <a:avLst/>
+          </a:prstGeom>
+          <a:ln>
+            <a:tailEnd type="triangle"/>
+          </a:ln>
+        </p:spPr>
+        <p:style>
+          <a:lnRef idx="1">
+            <a:schemeClr val="accent1"/>
+          </a:lnRef>
+          <a:fillRef idx="0">
+            <a:schemeClr val="accent1"/>
+          </a:fillRef>
+          <a:effectRef idx="0">
+            <a:schemeClr val="accent1"/>
+          </a:effectRef>
+          <a:fontRef idx="minor">
+            <a:schemeClr val="tx1"/>
+          </a:fontRef>
+        </p:style>
+      </p:cxnSp>
+      <p:cxnSp>
+        <p:nvCxnSpPr>
+          <p:cNvPr id="53" name="Straight Arrow Connector 52">
+            <a:extLst>
+              <a:ext uri="{FF2B5EF4-FFF2-40B4-BE49-F238E27FC236}">
+                <a16:creationId xmlns:a16="http://schemas.microsoft.com/office/drawing/2014/main" id="{D2CE55F9-83D7-C942-0EDC-047F25B4DFA9}"/>
+              </a:ext>
+            </a:extLst>
+          </p:cNvPr>
+          <p:cNvCxnSpPr/>
+          <p:nvPr/>
+        </p:nvCxnSpPr>
+        <p:spPr>
+          <a:xfrm flipV="1">
+            <a:off x="4636008" y="2921508"/>
+            <a:ext cx="566928" cy="9144"/>
+          </a:xfrm>
+          <a:prstGeom prst="straightConnector1">
+            <a:avLst/>
+          </a:prstGeom>
+          <a:ln>
+            <a:tailEnd type="triangle"/>
+          </a:ln>
+        </p:spPr>
+        <p:style>
+          <a:lnRef idx="1">
+            <a:schemeClr val="accent1"/>
+          </a:lnRef>
+          <a:fillRef idx="0">
+            <a:schemeClr val="accent1"/>
+          </a:fillRef>
+          <a:effectRef idx="0">
+            <a:schemeClr val="accent1"/>
+          </a:effectRef>
+          <a:fontRef idx="minor">
+            <a:schemeClr val="tx1"/>
+          </a:fontRef>
+        </p:style>
+      </p:cxnSp>
+      <p:pic>
+        <p:nvPicPr>
+          <p:cNvPr id="54" name="Picture 4" descr="icon icon, lock icon">
+            <a:extLst>
+              <a:ext uri="{FF2B5EF4-FFF2-40B4-BE49-F238E27FC236}">
+                <a16:creationId xmlns:a16="http://schemas.microsoft.com/office/drawing/2014/main" id="{ECD2CD06-3650-D518-4844-F0A201C591B9}"/>
+              </a:ext>
+            </a:extLst>
+          </p:cNvPr>
+          <p:cNvPicPr>
+            <a:picLocks noChangeAspect="1" noChangeArrowheads="1"/>
+          </p:cNvPicPr>
+          <p:nvPr/>
+        </p:nvPicPr>
+        <p:blipFill>
+          <a:blip r:embed="rId3">
+            <a:extLst>
+              <a:ext uri="{28A0092B-C50C-407E-A947-70E740481C1C}">
+                <a14:useLocalDpi xmlns:a14="http://schemas.microsoft.com/office/drawing/2010/main" val="0"/>
+              </a:ext>
+            </a:extLst>
+          </a:blip>
+          <a:srcRect/>
+          <a:stretch>
+            <a:fillRect/>
+          </a:stretch>
+        </p:blipFill>
+        <p:spPr bwMode="auto">
+          <a:xfrm>
+            <a:off x="5283707" y="2203133"/>
+            <a:ext cx="238315" cy="238315"/>
+          </a:xfrm>
+          <a:prstGeom prst="rect">
+            <a:avLst/>
+          </a:prstGeom>
+          <a:noFill/>
+          <a:extLst>
+            <a:ext uri="{909E8E84-426E-40DD-AFC4-6F175D3DCCD1}">
+              <a14:hiddenFill xmlns:a14="http://schemas.microsoft.com/office/drawing/2010/main">
+                <a:solidFill>
+                  <a:srgbClr val="FFFFFF"/>
+                </a:solidFill>
+              </a14:hiddenFill>
+            </a:ext>
+          </a:extLst>
+        </p:spPr>
+      </p:pic>
+      <p:sp>
+        <p:nvSpPr>
+          <p:cNvPr id="55" name="Hexagon 54">
+            <a:extLst>
+              <a:ext uri="{FF2B5EF4-FFF2-40B4-BE49-F238E27FC236}">
+                <a16:creationId xmlns:a16="http://schemas.microsoft.com/office/drawing/2014/main" id="{3B80167D-1118-CBD2-9F5E-1D740BC27130}"/>
+              </a:ext>
+            </a:extLst>
+          </p:cNvPr>
+          <p:cNvSpPr/>
+          <p:nvPr/>
+        </p:nvSpPr>
+        <p:spPr>
+          <a:xfrm>
+            <a:off x="5623560" y="5306235"/>
+            <a:ext cx="777240" cy="667512"/>
+          </a:xfrm>
+          <a:prstGeom prst="hexagon">
+            <a:avLst/>
+          </a:prstGeom>
+          <a:noFill/>
+        </p:spPr>
+        <p:style>
+          <a:lnRef idx="2">
+            <a:schemeClr val="accent1">
+              <a:shade val="50000"/>
+            </a:schemeClr>
+          </a:lnRef>
+          <a:fillRef idx="1">
+            <a:schemeClr val="accent1"/>
+          </a:fillRef>
+          <a:effectRef idx="0">
+            <a:schemeClr val="accent1"/>
+          </a:effectRef>
+          <a:fontRef idx="minor">
+            <a:schemeClr val="lt1"/>
+          </a:fontRef>
+        </p:style>
+        <p:txBody>
+          <a:bodyPr rtlCol="0" anchor="ctr"/>
+          <a:lstStyle/>
+          <a:p>
+            <a:pPr algn="ctr"/>
+            <a:endParaRPr lang="es-419"/>
+          </a:p>
+        </p:txBody>
+      </p:sp>
+      <p:sp>
+        <p:nvSpPr>
+          <p:cNvPr id="56" name="Hexagon 55">
+            <a:extLst>
+              <a:ext uri="{FF2B5EF4-FFF2-40B4-BE49-F238E27FC236}">
+                <a16:creationId xmlns:a16="http://schemas.microsoft.com/office/drawing/2014/main" id="{EC744141-A538-C42A-EC23-CB6135622CEF}"/>
+              </a:ext>
+            </a:extLst>
+          </p:cNvPr>
+          <p:cNvSpPr/>
+          <p:nvPr/>
+        </p:nvSpPr>
+        <p:spPr>
+          <a:xfrm>
+            <a:off x="10768348" y="5306235"/>
+            <a:ext cx="777240" cy="667512"/>
+          </a:xfrm>
+          <a:prstGeom prst="hexagon">
+            <a:avLst/>
+          </a:prstGeom>
+          <a:noFill/>
+        </p:spPr>
+        <p:style>
+          <a:lnRef idx="2">
+            <a:schemeClr val="accent1">
+              <a:shade val="50000"/>
+            </a:schemeClr>
+          </a:lnRef>
+          <a:fillRef idx="1">
+            <a:schemeClr val="accent1"/>
+          </a:fillRef>
+          <a:effectRef idx="0">
+            <a:schemeClr val="accent1"/>
+          </a:effectRef>
+          <a:fontRef idx="minor">
+            <a:schemeClr val="lt1"/>
+          </a:fontRef>
+        </p:style>
+        <p:txBody>
+          <a:bodyPr rtlCol="0" anchor="ctr"/>
+          <a:lstStyle/>
+          <a:p>
+            <a:pPr algn="ctr"/>
+            <a:endParaRPr lang="es-419"/>
+          </a:p>
+        </p:txBody>
+      </p:sp>
+      <p:cxnSp>
+        <p:nvCxnSpPr>
+          <p:cNvPr id="57" name="Straight Connector 56">
+            <a:extLst>
+              <a:ext uri="{FF2B5EF4-FFF2-40B4-BE49-F238E27FC236}">
+                <a16:creationId xmlns:a16="http://schemas.microsoft.com/office/drawing/2014/main" id="{FFBE0544-F9CA-8424-B85F-5B82DEA54977}"/>
+              </a:ext>
+            </a:extLst>
+          </p:cNvPr>
+          <p:cNvCxnSpPr>
+            <a:cxnSpLocks/>
+          </p:cNvCxnSpPr>
+          <p:nvPr/>
+        </p:nvCxnSpPr>
+        <p:spPr>
+          <a:xfrm>
+            <a:off x="6469096" y="5163693"/>
+            <a:ext cx="4076700" cy="0"/>
+          </a:xfrm>
+          <a:prstGeom prst="line">
+            <a:avLst/>
+          </a:prstGeom>
+        </p:spPr>
+        <p:style>
+          <a:lnRef idx="1">
+            <a:schemeClr val="accent1"/>
+          </a:lnRef>
+          <a:fillRef idx="0">
+            <a:schemeClr val="accent1"/>
+          </a:fillRef>
+          <a:effectRef idx="0">
+            <a:schemeClr val="accent1"/>
+          </a:effectRef>
+          <a:fontRef idx="minor">
+            <a:schemeClr val="tx1"/>
+          </a:fontRef>
+        </p:style>
+      </p:cxnSp>
+      <p:cxnSp>
+        <p:nvCxnSpPr>
+          <p:cNvPr id="58" name="Straight Connector 57">
+            <a:extLst>
+              <a:ext uri="{FF2B5EF4-FFF2-40B4-BE49-F238E27FC236}">
+                <a16:creationId xmlns:a16="http://schemas.microsoft.com/office/drawing/2014/main" id="{29560103-DC3E-E36A-F436-FA20B3784472}"/>
+              </a:ext>
+            </a:extLst>
+          </p:cNvPr>
+          <p:cNvCxnSpPr>
+            <a:cxnSpLocks/>
+          </p:cNvCxnSpPr>
+          <p:nvPr/>
+        </p:nvCxnSpPr>
+        <p:spPr>
+          <a:xfrm>
+            <a:off x="6469096" y="5505832"/>
+            <a:ext cx="4076700" cy="0"/>
+          </a:xfrm>
+          <a:prstGeom prst="line">
+            <a:avLst/>
+          </a:prstGeom>
+        </p:spPr>
+        <p:style>
+          <a:lnRef idx="1">
+            <a:schemeClr val="accent1"/>
+          </a:lnRef>
+          <a:fillRef idx="0">
+            <a:schemeClr val="accent1"/>
+          </a:fillRef>
+          <a:effectRef idx="0">
+            <a:schemeClr val="accent1"/>
+          </a:effectRef>
+          <a:fontRef idx="minor">
+            <a:schemeClr val="tx1"/>
+          </a:fontRef>
+        </p:style>
+      </p:cxnSp>
+      <p:cxnSp>
+        <p:nvCxnSpPr>
+          <p:cNvPr id="59" name="Straight Connector 58">
+            <a:extLst>
+              <a:ext uri="{FF2B5EF4-FFF2-40B4-BE49-F238E27FC236}">
+                <a16:creationId xmlns:a16="http://schemas.microsoft.com/office/drawing/2014/main" id="{45489C07-5C02-C3EC-295B-75B0D9145704}"/>
+              </a:ext>
+            </a:extLst>
+          </p:cNvPr>
+          <p:cNvCxnSpPr>
+            <a:cxnSpLocks/>
+          </p:cNvCxnSpPr>
+          <p:nvPr/>
+        </p:nvCxnSpPr>
+        <p:spPr>
+          <a:xfrm>
+            <a:off x="6469096" y="5771579"/>
+            <a:ext cx="4076700" cy="0"/>
+          </a:xfrm>
+          <a:prstGeom prst="line">
+            <a:avLst/>
+          </a:prstGeom>
+        </p:spPr>
+        <p:style>
+          <a:lnRef idx="1">
+            <a:schemeClr val="accent1"/>
+          </a:lnRef>
+          <a:fillRef idx="0">
+            <a:schemeClr val="accent1"/>
+          </a:fillRef>
+          <a:effectRef idx="0">
+            <a:schemeClr val="accent1"/>
+          </a:effectRef>
+          <a:fontRef idx="minor">
+            <a:schemeClr val="tx1"/>
+          </a:fontRef>
+        </p:style>
+      </p:cxnSp>
+      <p:cxnSp>
+        <p:nvCxnSpPr>
+          <p:cNvPr id="60" name="Straight Connector 59">
+            <a:extLst>
+              <a:ext uri="{FF2B5EF4-FFF2-40B4-BE49-F238E27FC236}">
+                <a16:creationId xmlns:a16="http://schemas.microsoft.com/office/drawing/2014/main" id="{5CC23452-E52C-3584-A29E-7660DEF2156D}"/>
+              </a:ext>
+            </a:extLst>
+          </p:cNvPr>
+          <p:cNvCxnSpPr>
+            <a:cxnSpLocks/>
+          </p:cNvCxnSpPr>
+          <p:nvPr/>
+        </p:nvCxnSpPr>
+        <p:spPr>
+          <a:xfrm>
+            <a:off x="6469096" y="6113718"/>
+            <a:ext cx="4076700" cy="0"/>
+          </a:xfrm>
+          <a:prstGeom prst="line">
+            <a:avLst/>
+          </a:prstGeom>
+        </p:spPr>
+        <p:style>
+          <a:lnRef idx="1">
+            <a:schemeClr val="accent1"/>
+          </a:lnRef>
+          <a:fillRef idx="0">
+            <a:schemeClr val="accent1"/>
+          </a:fillRef>
+          <a:effectRef idx="0">
+            <a:schemeClr val="accent1"/>
+          </a:effectRef>
+          <a:fontRef idx="minor">
+            <a:schemeClr val="tx1"/>
+          </a:fontRef>
+        </p:style>
+      </p:cxnSp>
+      <p:sp>
+        <p:nvSpPr>
+          <p:cNvPr id="61" name="Cylinder 60">
+            <a:extLst>
+              <a:ext uri="{FF2B5EF4-FFF2-40B4-BE49-F238E27FC236}">
+                <a16:creationId xmlns:a16="http://schemas.microsoft.com/office/drawing/2014/main" id="{522CEFF9-E19D-6906-BC68-BDC06F62805F}"/>
+              </a:ext>
+            </a:extLst>
+          </p:cNvPr>
+          <p:cNvSpPr/>
+          <p:nvPr/>
+        </p:nvSpPr>
+        <p:spPr>
+          <a:xfrm>
+            <a:off x="8262170" y="4831262"/>
+            <a:ext cx="544599" cy="834269"/>
+          </a:xfrm>
+          <a:prstGeom prst="can">
+            <a:avLst/>
+          </a:prstGeom>
+          <a:solidFill>
+            <a:schemeClr val="bg1"/>
+          </a:solidFill>
+        </p:spPr>
+        <p:style>
+          <a:lnRef idx="2">
+            <a:schemeClr val="accent1">
+              <a:shade val="15000"/>
+            </a:schemeClr>
+          </a:lnRef>
+          <a:fillRef idx="1">
+            <a:schemeClr val="accent1"/>
+          </a:fillRef>
+          <a:effectRef idx="0">
+            <a:schemeClr val="accent1"/>
+          </a:effectRef>
+          <a:fontRef idx="minor">
+            <a:schemeClr val="lt1"/>
+          </a:fontRef>
+        </p:style>
+        <p:txBody>
+          <a:bodyPr rtlCol="0" anchor="ctr"/>
+          <a:lstStyle/>
+          <a:p>
+            <a:pPr algn="ctr"/>
+            <a:endParaRPr lang="es-419"/>
+          </a:p>
+        </p:txBody>
+      </p:sp>
+      <p:pic>
+        <p:nvPicPr>
+          <p:cNvPr id="62" name="Picture 4" descr="icon icon, lock icon">
+            <a:extLst>
+              <a:ext uri="{FF2B5EF4-FFF2-40B4-BE49-F238E27FC236}">
+                <a16:creationId xmlns:a16="http://schemas.microsoft.com/office/drawing/2014/main" id="{874F98E0-7D89-8FE7-DF99-A6E60614818E}"/>
+              </a:ext>
+            </a:extLst>
+          </p:cNvPr>
+          <p:cNvPicPr>
+            <a:picLocks noChangeAspect="1" noChangeArrowheads="1"/>
+          </p:cNvPicPr>
+          <p:nvPr/>
+        </p:nvPicPr>
+        <p:blipFill>
+          <a:blip r:embed="rId3">
+            <a:extLst>
+              <a:ext uri="{28A0092B-C50C-407E-A947-70E740481C1C}">
+                <a14:useLocalDpi xmlns:a14="http://schemas.microsoft.com/office/drawing/2010/main" val="0"/>
+              </a:ext>
+            </a:extLst>
+          </a:blip>
+          <a:srcRect/>
+          <a:stretch>
+            <a:fillRect/>
+          </a:stretch>
+        </p:blipFill>
+        <p:spPr bwMode="auto">
+          <a:xfrm>
+            <a:off x="6477859" y="6115813"/>
+            <a:ext cx="238315" cy="238315"/>
+          </a:xfrm>
+          <a:prstGeom prst="rect">
+            <a:avLst/>
+          </a:prstGeom>
+          <a:noFill/>
+          <a:extLst>
+            <a:ext uri="{909E8E84-426E-40DD-AFC4-6F175D3DCCD1}">
+              <a14:hiddenFill xmlns:a14="http://schemas.microsoft.com/office/drawing/2010/main">
+                <a:solidFill>
+                  <a:srgbClr val="FFFFFF"/>
+                </a:solidFill>
+              </a14:hiddenFill>
+            </a:ext>
+          </a:extLst>
+        </p:spPr>
+      </p:pic>
+      <p:sp>
+        <p:nvSpPr>
+          <p:cNvPr id="63" name="TextBox 62">
+            <a:extLst>
+              <a:ext uri="{FF2B5EF4-FFF2-40B4-BE49-F238E27FC236}">
+                <a16:creationId xmlns:a16="http://schemas.microsoft.com/office/drawing/2014/main" id="{ABF6823B-ACA0-1EFC-556F-C66C0D319848}"/>
+              </a:ext>
+            </a:extLst>
+          </p:cNvPr>
+          <p:cNvSpPr txBox="1"/>
+          <p:nvPr/>
+        </p:nvSpPr>
+        <p:spPr>
+          <a:xfrm>
+            <a:off x="6700411" y="6075212"/>
+            <a:ext cx="546945" cy="430887"/>
+          </a:xfrm>
+          <a:prstGeom prst="rect">
+            <a:avLst/>
+          </a:prstGeom>
+          <a:noFill/>
+        </p:spPr>
+        <p:txBody>
+          <a:bodyPr wrap="none" rtlCol="0">
+            <a:spAutoFit/>
+          </a:bodyPr>
+          <a:lstStyle/>
+          <a:p>
+            <a:r>
+              <a:rPr lang="es-419" sz="1050" dirty="0"/>
+              <a:t>HTTPS</a:t>
+            </a:r>
+          </a:p>
+          <a:p>
+            <a:r>
+              <a:rPr lang="es-419" sz="1050" dirty="0"/>
+              <a:t>TLS</a:t>
+            </a:r>
+          </a:p>
+        </p:txBody>
+      </p:sp>
+      <p:sp>
+        <p:nvSpPr>
+          <p:cNvPr id="64" name="TextBox 63">
+            <a:extLst>
+              <a:ext uri="{FF2B5EF4-FFF2-40B4-BE49-F238E27FC236}">
+                <a16:creationId xmlns:a16="http://schemas.microsoft.com/office/drawing/2014/main" id="{B7541F89-771C-B10F-A1A8-89FE2C82F048}"/>
+              </a:ext>
+            </a:extLst>
+          </p:cNvPr>
+          <p:cNvSpPr txBox="1"/>
+          <p:nvPr/>
+        </p:nvSpPr>
+        <p:spPr>
+          <a:xfrm>
+            <a:off x="8357642" y="5266282"/>
+            <a:ext cx="369012" cy="253916"/>
+          </a:xfrm>
+          <a:prstGeom prst="rect">
+            <a:avLst/>
+          </a:prstGeom>
+          <a:noFill/>
+        </p:spPr>
+        <p:txBody>
+          <a:bodyPr wrap="none" rtlCol="0">
+            <a:spAutoFit/>
+          </a:bodyPr>
+          <a:lstStyle/>
+          <a:p>
+            <a:r>
+              <a:rPr lang="es-419" sz="1050" dirty="0"/>
+              <a:t>TLS</a:t>
+            </a:r>
+          </a:p>
+        </p:txBody>
+      </p:sp>
+      <p:pic>
+        <p:nvPicPr>
+          <p:cNvPr id="65" name="Picture 4" descr="icon icon, lock icon">
+            <a:extLst>
+              <a:ext uri="{FF2B5EF4-FFF2-40B4-BE49-F238E27FC236}">
+                <a16:creationId xmlns:a16="http://schemas.microsoft.com/office/drawing/2014/main" id="{15859FB2-C379-B201-7845-B6E993AE5F35}"/>
+              </a:ext>
+            </a:extLst>
+          </p:cNvPr>
+          <p:cNvPicPr>
+            <a:picLocks noChangeAspect="1" noChangeArrowheads="1"/>
+          </p:cNvPicPr>
+          <p:nvPr/>
+        </p:nvPicPr>
+        <p:blipFill>
+          <a:blip r:embed="rId3">
+            <a:extLst>
+              <a:ext uri="{28A0092B-C50C-407E-A947-70E740481C1C}">
+                <a14:useLocalDpi xmlns:a14="http://schemas.microsoft.com/office/drawing/2010/main" val="0"/>
+              </a:ext>
+            </a:extLst>
+          </a:blip>
+          <a:srcRect/>
+          <a:stretch>
+            <a:fillRect/>
+          </a:stretch>
+        </p:blipFill>
+        <p:spPr bwMode="auto">
+          <a:xfrm>
+            <a:off x="8415311" y="5041076"/>
+            <a:ext cx="238315" cy="238315"/>
+          </a:xfrm>
+          <a:prstGeom prst="rect">
+            <a:avLst/>
+          </a:prstGeom>
+          <a:noFill/>
+          <a:extLst>
+            <a:ext uri="{909E8E84-426E-40DD-AFC4-6F175D3DCCD1}">
+              <a14:hiddenFill xmlns:a14="http://schemas.microsoft.com/office/drawing/2010/main">
+                <a:solidFill>
+                  <a:srgbClr val="FFFFFF"/>
+                </a:solidFill>
+              </a14:hiddenFill>
+            </a:ext>
+          </a:extLst>
+        </p:spPr>
+      </p:pic>
+      <p:pic>
+        <p:nvPicPr>
+          <p:cNvPr id="66" name="Picture 4" descr="icon icon, lock icon">
+            <a:extLst>
+              <a:ext uri="{FF2B5EF4-FFF2-40B4-BE49-F238E27FC236}">
+                <a16:creationId xmlns:a16="http://schemas.microsoft.com/office/drawing/2014/main" id="{87BBB555-4F18-190E-32CE-B0C4070F1A60}"/>
+              </a:ext>
+            </a:extLst>
+          </p:cNvPr>
+          <p:cNvPicPr>
+            <a:picLocks noChangeAspect="1" noChangeArrowheads="1"/>
+          </p:cNvPicPr>
+          <p:nvPr/>
+        </p:nvPicPr>
+        <p:blipFill>
+          <a:blip r:embed="rId3">
+            <a:extLst>
+              <a:ext uri="{28A0092B-C50C-407E-A947-70E740481C1C}">
+                <a14:useLocalDpi xmlns:a14="http://schemas.microsoft.com/office/drawing/2010/main" val="0"/>
+              </a:ext>
+            </a:extLst>
+          </a:blip>
+          <a:srcRect/>
+          <a:stretch>
+            <a:fillRect/>
+          </a:stretch>
+        </p:blipFill>
+        <p:spPr bwMode="auto">
+          <a:xfrm>
+            <a:off x="6477859" y="4844892"/>
+            <a:ext cx="238315" cy="238315"/>
+          </a:xfrm>
+          <a:prstGeom prst="rect">
+            <a:avLst/>
+          </a:prstGeom>
+          <a:noFill/>
+          <a:extLst>
+            <a:ext uri="{909E8E84-426E-40DD-AFC4-6F175D3DCCD1}">
+              <a14:hiddenFill xmlns:a14="http://schemas.microsoft.com/office/drawing/2010/main">
+                <a:solidFill>
+                  <a:srgbClr val="FFFFFF"/>
+                </a:solidFill>
+              </a14:hiddenFill>
+            </a:ext>
+          </a:extLst>
+        </p:spPr>
+      </p:pic>
+      <p:sp>
+        <p:nvSpPr>
+          <p:cNvPr id="67" name="TextBox 66">
+            <a:extLst>
+              <a:ext uri="{FF2B5EF4-FFF2-40B4-BE49-F238E27FC236}">
+                <a16:creationId xmlns:a16="http://schemas.microsoft.com/office/drawing/2014/main" id="{34428C06-AE71-DD72-D216-B4D2654C76C2}"/>
+              </a:ext>
+            </a:extLst>
+          </p:cNvPr>
+          <p:cNvSpPr txBox="1"/>
+          <p:nvPr/>
+        </p:nvSpPr>
+        <p:spPr>
+          <a:xfrm>
+            <a:off x="6673871" y="4831262"/>
+            <a:ext cx="369012" cy="253916"/>
+          </a:xfrm>
+          <a:prstGeom prst="rect">
+            <a:avLst/>
+          </a:prstGeom>
+          <a:noFill/>
+        </p:spPr>
+        <p:txBody>
+          <a:bodyPr wrap="none" rtlCol="0">
+            <a:spAutoFit/>
+          </a:bodyPr>
+          <a:lstStyle/>
+          <a:p>
+            <a:r>
+              <a:rPr lang="es-419" sz="1050" dirty="0"/>
+              <a:t>TLS</a:t>
+            </a:r>
+          </a:p>
+        </p:txBody>
+      </p:sp>
+      <p:grpSp>
+        <p:nvGrpSpPr>
+          <p:cNvPr id="68" name="Group 67">
+            <a:extLst>
+              <a:ext uri="{FF2B5EF4-FFF2-40B4-BE49-F238E27FC236}">
+                <a16:creationId xmlns:a16="http://schemas.microsoft.com/office/drawing/2014/main" id="{4A8C2BB6-6A5E-6AF9-D768-E55E861468F2}"/>
+              </a:ext>
+            </a:extLst>
+          </p:cNvPr>
+          <p:cNvGrpSpPr/>
+          <p:nvPr/>
+        </p:nvGrpSpPr>
+        <p:grpSpPr>
+          <a:xfrm>
+            <a:off x="6583964" y="5227226"/>
+            <a:ext cx="352339" cy="217169"/>
+            <a:chOff x="2582047" y="5650993"/>
+            <a:chExt cx="545201" cy="336042"/>
+          </a:xfrm>
+        </p:grpSpPr>
+        <p:sp>
+          <p:nvSpPr>
+            <p:cNvPr id="69" name="Rectangle 68">
+              <a:extLst>
+                <a:ext uri="{FF2B5EF4-FFF2-40B4-BE49-F238E27FC236}">
+                  <a16:creationId xmlns:a16="http://schemas.microsoft.com/office/drawing/2014/main" id="{055DDD4F-88F5-817D-EC78-E7DC8D55E4FB}"/>
+                </a:ext>
+              </a:extLst>
+            </p:cNvPr>
+            <p:cNvSpPr/>
+            <p:nvPr/>
+          </p:nvSpPr>
+          <p:spPr>
+            <a:xfrm>
+              <a:off x="2582047" y="5650993"/>
+              <a:ext cx="545201" cy="336042"/>
+            </a:xfrm>
+            <a:prstGeom prst="rect">
+              <a:avLst/>
+            </a:prstGeom>
+            <a:noFill/>
+          </p:spPr>
+          <p:style>
+            <a:lnRef idx="2">
+              <a:schemeClr val="accent1">
+                <a:shade val="50000"/>
+              </a:schemeClr>
+            </a:lnRef>
+            <a:fillRef idx="1">
+              <a:schemeClr val="accent1"/>
+            </a:fillRef>
+            <a:effectRef idx="0">
+              <a:schemeClr val="accent1"/>
+            </a:effectRef>
+            <a:fontRef idx="minor">
+              <a:schemeClr val="lt1"/>
+            </a:fontRef>
+          </p:style>
+          <p:txBody>
+            <a:bodyPr rtlCol="0" anchor="ctr"/>
+            <a:lstStyle/>
+            <a:p>
+              <a:pPr algn="ctr"/>
+              <a:endParaRPr lang="es-419" dirty="0">
+                <a:solidFill>
+                  <a:sysClr val="windowText" lastClr="000000"/>
+                </a:solidFill>
+              </a:endParaRPr>
+            </a:p>
+          </p:txBody>
+        </p:sp>
+        <p:cxnSp>
+          <p:nvCxnSpPr>
+            <p:cNvPr id="70" name="Straight Connector 69">
+              <a:extLst>
+                <a:ext uri="{FF2B5EF4-FFF2-40B4-BE49-F238E27FC236}">
+                  <a16:creationId xmlns:a16="http://schemas.microsoft.com/office/drawing/2014/main" id="{5B4879ED-CB02-8614-B9E7-2EFC612EDE29}"/>
+                </a:ext>
+              </a:extLst>
+            </p:cNvPr>
+            <p:cNvCxnSpPr>
+              <a:cxnSpLocks/>
+            </p:cNvCxnSpPr>
+            <p:nvPr/>
+          </p:nvCxnSpPr>
+          <p:spPr>
+            <a:xfrm>
+              <a:off x="2582047" y="5650993"/>
+              <a:ext cx="270691" cy="166844"/>
+            </a:xfrm>
+            <a:prstGeom prst="line">
+              <a:avLst/>
+            </a:prstGeom>
+          </p:spPr>
+          <p:style>
+            <a:lnRef idx="1">
+              <a:schemeClr val="accent1"/>
+            </a:lnRef>
+            <a:fillRef idx="0">
+              <a:schemeClr val="accent1"/>
+            </a:fillRef>
+            <a:effectRef idx="0">
+              <a:schemeClr val="accent1"/>
+            </a:effectRef>
+            <a:fontRef idx="minor">
+              <a:schemeClr val="tx1"/>
+            </a:fontRef>
+          </p:style>
+        </p:cxnSp>
+        <p:cxnSp>
+          <p:nvCxnSpPr>
+            <p:cNvPr id="71" name="Straight Connector 70">
+              <a:extLst>
+                <a:ext uri="{FF2B5EF4-FFF2-40B4-BE49-F238E27FC236}">
+                  <a16:creationId xmlns:a16="http://schemas.microsoft.com/office/drawing/2014/main" id="{2A64F999-A3EA-F96E-C7D7-5F591662010F}"/>
+                </a:ext>
+              </a:extLst>
+            </p:cNvPr>
+            <p:cNvCxnSpPr>
+              <a:cxnSpLocks/>
+            </p:cNvCxnSpPr>
+            <p:nvPr/>
+          </p:nvCxnSpPr>
+          <p:spPr>
+            <a:xfrm flipH="1">
+              <a:off x="2856557" y="5650993"/>
+              <a:ext cx="270691" cy="166844"/>
+            </a:xfrm>
+            <a:prstGeom prst="line">
+              <a:avLst/>
+            </a:prstGeom>
+          </p:spPr>
+          <p:style>
+            <a:lnRef idx="1">
+              <a:schemeClr val="accent1"/>
+            </a:lnRef>
+            <a:fillRef idx="0">
+              <a:schemeClr val="accent1"/>
+            </a:fillRef>
+            <a:effectRef idx="0">
+              <a:schemeClr val="accent1"/>
+            </a:effectRef>
+            <a:fontRef idx="minor">
+              <a:schemeClr val="tx1"/>
+            </a:fontRef>
+          </p:style>
+        </p:cxnSp>
+        <p:pic>
+          <p:nvPicPr>
+            <p:cNvPr id="72" name="Picture 4" descr="icon icon, lock icon">
+              <a:extLst>
+                <a:ext uri="{FF2B5EF4-FFF2-40B4-BE49-F238E27FC236}">
+                  <a16:creationId xmlns:a16="http://schemas.microsoft.com/office/drawing/2014/main" id="{CC830ED1-6D71-F04A-15F9-9F7AB17725C4}"/>
+                </a:ext>
+              </a:extLst>
+            </p:cNvPr>
+            <p:cNvPicPr>
+              <a:picLocks noChangeAspect="1" noChangeArrowheads="1"/>
+            </p:cNvPicPr>
+            <p:nvPr/>
+          </p:nvPicPr>
+          <p:blipFill>
+            <a:blip r:embed="rId3">
+              <a:extLst>
+                <a:ext uri="{28A0092B-C50C-407E-A947-70E740481C1C}">
+                  <a14:useLocalDpi xmlns:a14="http://schemas.microsoft.com/office/drawing/2010/main" val="0"/>
+                </a:ext>
+              </a:extLst>
+            </a:blip>
+            <a:srcRect/>
+            <a:stretch>
+              <a:fillRect/>
+            </a:stretch>
+          </p:blipFill>
+          <p:spPr bwMode="auto">
+            <a:xfrm>
+              <a:off x="2771225" y="5817837"/>
+              <a:ext cx="166845" cy="166845"/>
+            </a:xfrm>
+            <a:prstGeom prst="rect">
+              <a:avLst/>
+            </a:prstGeom>
+            <a:noFill/>
+            <a:extLst>
+              <a:ext uri="{909E8E84-426E-40DD-AFC4-6F175D3DCCD1}">
+                <a14:hiddenFill xmlns:a14="http://schemas.microsoft.com/office/drawing/2010/main">
+                  <a:solidFill>
+                    <a:srgbClr val="FFFFFF"/>
+                  </a:solidFill>
+                </a14:hiddenFill>
+              </a:ext>
+            </a:extLst>
+          </p:spPr>
+        </p:pic>
+      </p:grpSp>
+      <p:grpSp>
+        <p:nvGrpSpPr>
+          <p:cNvPr id="73" name="Group 72">
+            <a:extLst>
+              <a:ext uri="{FF2B5EF4-FFF2-40B4-BE49-F238E27FC236}">
+                <a16:creationId xmlns:a16="http://schemas.microsoft.com/office/drawing/2014/main" id="{2186A710-17DF-A1A9-ACC1-6940664C8F3C}"/>
+              </a:ext>
+            </a:extLst>
+          </p:cNvPr>
+          <p:cNvGrpSpPr/>
+          <p:nvPr/>
+        </p:nvGrpSpPr>
+        <p:grpSpPr>
+          <a:xfrm>
+            <a:off x="7071186" y="5227226"/>
+            <a:ext cx="352339" cy="217169"/>
+            <a:chOff x="2582047" y="5650993"/>
+            <a:chExt cx="545201" cy="336042"/>
+          </a:xfrm>
+        </p:grpSpPr>
+        <p:sp>
+          <p:nvSpPr>
+            <p:cNvPr id="74" name="Rectangle 73">
+              <a:extLst>
+                <a:ext uri="{FF2B5EF4-FFF2-40B4-BE49-F238E27FC236}">
+                  <a16:creationId xmlns:a16="http://schemas.microsoft.com/office/drawing/2014/main" id="{3D6FB384-B837-8A68-361C-A1798AE615D5}"/>
+                </a:ext>
+              </a:extLst>
+            </p:cNvPr>
+            <p:cNvSpPr/>
+            <p:nvPr/>
+          </p:nvSpPr>
+          <p:spPr>
+            <a:xfrm>
+              <a:off x="2582047" y="5650993"/>
+              <a:ext cx="545201" cy="336042"/>
+            </a:xfrm>
+            <a:prstGeom prst="rect">
+              <a:avLst/>
+            </a:prstGeom>
+            <a:noFill/>
+          </p:spPr>
+          <p:style>
+            <a:lnRef idx="2">
+              <a:schemeClr val="accent1">
+                <a:shade val="50000"/>
+              </a:schemeClr>
+            </a:lnRef>
+            <a:fillRef idx="1">
+              <a:schemeClr val="accent1"/>
+            </a:fillRef>
+            <a:effectRef idx="0">
+              <a:schemeClr val="accent1"/>
+            </a:effectRef>
+            <a:fontRef idx="minor">
+              <a:schemeClr val="lt1"/>
+            </a:fontRef>
+          </p:style>
+          <p:txBody>
+            <a:bodyPr rtlCol="0" anchor="ctr"/>
+            <a:lstStyle/>
+            <a:p>
+              <a:pPr algn="ctr"/>
+              <a:endParaRPr lang="es-419" dirty="0">
+                <a:solidFill>
+                  <a:sysClr val="windowText" lastClr="000000"/>
+                </a:solidFill>
+              </a:endParaRPr>
+            </a:p>
+          </p:txBody>
+        </p:sp>
+        <p:cxnSp>
+          <p:nvCxnSpPr>
+            <p:cNvPr id="75" name="Straight Connector 74">
+              <a:extLst>
+                <a:ext uri="{FF2B5EF4-FFF2-40B4-BE49-F238E27FC236}">
+                  <a16:creationId xmlns:a16="http://schemas.microsoft.com/office/drawing/2014/main" id="{7970D538-62DF-879F-D642-AE07C71C480D}"/>
+                </a:ext>
+              </a:extLst>
+            </p:cNvPr>
+            <p:cNvCxnSpPr>
+              <a:cxnSpLocks/>
+            </p:cNvCxnSpPr>
+            <p:nvPr/>
+          </p:nvCxnSpPr>
+          <p:spPr>
+            <a:xfrm>
+              <a:off x="2582047" y="5650993"/>
+              <a:ext cx="270691" cy="166844"/>
+            </a:xfrm>
+            <a:prstGeom prst="line">
+              <a:avLst/>
+            </a:prstGeom>
+          </p:spPr>
+          <p:style>
+            <a:lnRef idx="1">
+              <a:schemeClr val="accent1"/>
+            </a:lnRef>
+            <a:fillRef idx="0">
+              <a:schemeClr val="accent1"/>
+            </a:fillRef>
+            <a:effectRef idx="0">
+              <a:schemeClr val="accent1"/>
+            </a:effectRef>
+            <a:fontRef idx="minor">
+              <a:schemeClr val="tx1"/>
+            </a:fontRef>
+          </p:style>
+        </p:cxnSp>
+        <p:cxnSp>
+          <p:nvCxnSpPr>
+            <p:cNvPr id="76" name="Straight Connector 75">
+              <a:extLst>
+                <a:ext uri="{FF2B5EF4-FFF2-40B4-BE49-F238E27FC236}">
+                  <a16:creationId xmlns:a16="http://schemas.microsoft.com/office/drawing/2014/main" id="{D59F1535-2176-76A7-1CCA-C58B16708EA3}"/>
+                </a:ext>
+              </a:extLst>
+            </p:cNvPr>
+            <p:cNvCxnSpPr>
+              <a:cxnSpLocks/>
+            </p:cNvCxnSpPr>
+            <p:nvPr/>
+          </p:nvCxnSpPr>
+          <p:spPr>
+            <a:xfrm flipH="1">
+              <a:off x="2856557" y="5650993"/>
+              <a:ext cx="270691" cy="166844"/>
+            </a:xfrm>
+            <a:prstGeom prst="line">
+              <a:avLst/>
+            </a:prstGeom>
+          </p:spPr>
+          <p:style>
+            <a:lnRef idx="1">
+              <a:schemeClr val="accent1"/>
+            </a:lnRef>
+            <a:fillRef idx="0">
+              <a:schemeClr val="accent1"/>
+            </a:fillRef>
+            <a:effectRef idx="0">
+              <a:schemeClr val="accent1"/>
+            </a:effectRef>
+            <a:fontRef idx="minor">
+              <a:schemeClr val="tx1"/>
+            </a:fontRef>
+          </p:style>
+        </p:cxnSp>
+        <p:pic>
+          <p:nvPicPr>
+            <p:cNvPr id="77" name="Picture 4" descr="icon icon, lock icon">
+              <a:extLst>
+                <a:ext uri="{FF2B5EF4-FFF2-40B4-BE49-F238E27FC236}">
+                  <a16:creationId xmlns:a16="http://schemas.microsoft.com/office/drawing/2014/main" id="{8E360A68-9DB6-43FB-2EFA-577A427A02D5}"/>
+                </a:ext>
+              </a:extLst>
+            </p:cNvPr>
+            <p:cNvPicPr>
+              <a:picLocks noChangeAspect="1" noChangeArrowheads="1"/>
+            </p:cNvPicPr>
+            <p:nvPr/>
+          </p:nvPicPr>
+          <p:blipFill>
+            <a:blip r:embed="rId3">
+              <a:extLst>
+                <a:ext uri="{28A0092B-C50C-407E-A947-70E740481C1C}">
+                  <a14:useLocalDpi xmlns:a14="http://schemas.microsoft.com/office/drawing/2010/main" val="0"/>
+                </a:ext>
+              </a:extLst>
+            </a:blip>
+            <a:srcRect/>
+            <a:stretch>
+              <a:fillRect/>
+            </a:stretch>
+          </p:blipFill>
+          <p:spPr bwMode="auto">
+            <a:xfrm>
+              <a:off x="2771225" y="5817837"/>
+              <a:ext cx="166845" cy="166845"/>
+            </a:xfrm>
+            <a:prstGeom prst="rect">
+              <a:avLst/>
+            </a:prstGeom>
+            <a:noFill/>
+            <a:extLst>
+              <a:ext uri="{909E8E84-426E-40DD-AFC4-6F175D3DCCD1}">
+                <a14:hiddenFill xmlns:a14="http://schemas.microsoft.com/office/drawing/2010/main">
+                  <a:solidFill>
+                    <a:srgbClr val="FFFFFF"/>
+                  </a:solidFill>
+                </a14:hiddenFill>
+              </a:ext>
+            </a:extLst>
+          </p:spPr>
+        </p:pic>
+      </p:grpSp>
+      <p:grpSp>
+        <p:nvGrpSpPr>
+          <p:cNvPr id="78" name="Group 77">
+            <a:extLst>
+              <a:ext uri="{FF2B5EF4-FFF2-40B4-BE49-F238E27FC236}">
+                <a16:creationId xmlns:a16="http://schemas.microsoft.com/office/drawing/2014/main" id="{47EC5EBB-5B0D-0CD2-A3C1-BB6C0096DE28}"/>
+              </a:ext>
+            </a:extLst>
+          </p:cNvPr>
+          <p:cNvGrpSpPr/>
+          <p:nvPr/>
+        </p:nvGrpSpPr>
+        <p:grpSpPr>
+          <a:xfrm>
+            <a:off x="7547436" y="5227226"/>
+            <a:ext cx="352339" cy="217169"/>
+            <a:chOff x="2582047" y="5650993"/>
+            <a:chExt cx="545201" cy="336042"/>
+          </a:xfrm>
+        </p:grpSpPr>
+        <p:sp>
+          <p:nvSpPr>
+            <p:cNvPr id="79" name="Rectangle 78">
+              <a:extLst>
+                <a:ext uri="{FF2B5EF4-FFF2-40B4-BE49-F238E27FC236}">
+                  <a16:creationId xmlns:a16="http://schemas.microsoft.com/office/drawing/2014/main" id="{EE29E34D-73C3-76D7-54D4-AF65DA673F67}"/>
+                </a:ext>
+              </a:extLst>
+            </p:cNvPr>
+            <p:cNvSpPr/>
+            <p:nvPr/>
+          </p:nvSpPr>
+          <p:spPr>
+            <a:xfrm>
+              <a:off x="2582047" y="5650993"/>
+              <a:ext cx="545201" cy="336042"/>
+            </a:xfrm>
+            <a:prstGeom prst="rect">
+              <a:avLst/>
+            </a:prstGeom>
+            <a:noFill/>
+          </p:spPr>
+          <p:style>
+            <a:lnRef idx="2">
+              <a:schemeClr val="accent1">
+                <a:shade val="50000"/>
+              </a:schemeClr>
+            </a:lnRef>
+            <a:fillRef idx="1">
+              <a:schemeClr val="accent1"/>
+            </a:fillRef>
+            <a:effectRef idx="0">
+              <a:schemeClr val="accent1"/>
+            </a:effectRef>
+            <a:fontRef idx="minor">
+              <a:schemeClr val="lt1"/>
+            </a:fontRef>
+          </p:style>
+          <p:txBody>
+            <a:bodyPr rtlCol="0" anchor="ctr"/>
+            <a:lstStyle/>
+            <a:p>
+              <a:pPr algn="ctr"/>
+              <a:endParaRPr lang="es-419" dirty="0">
+                <a:solidFill>
+                  <a:sysClr val="windowText" lastClr="000000"/>
+                </a:solidFill>
+              </a:endParaRPr>
+            </a:p>
+          </p:txBody>
+        </p:sp>
+        <p:cxnSp>
+          <p:nvCxnSpPr>
+            <p:cNvPr id="80" name="Straight Connector 79">
+              <a:extLst>
+                <a:ext uri="{FF2B5EF4-FFF2-40B4-BE49-F238E27FC236}">
+                  <a16:creationId xmlns:a16="http://schemas.microsoft.com/office/drawing/2014/main" id="{5A679698-6494-1AF4-E550-7FB85B05AC4F}"/>
+                </a:ext>
+              </a:extLst>
+            </p:cNvPr>
+            <p:cNvCxnSpPr>
+              <a:cxnSpLocks/>
+            </p:cNvCxnSpPr>
+            <p:nvPr/>
+          </p:nvCxnSpPr>
+          <p:spPr>
+            <a:xfrm>
+              <a:off x="2582047" y="5650993"/>
+              <a:ext cx="270691" cy="166844"/>
+            </a:xfrm>
+            <a:prstGeom prst="line">
+              <a:avLst/>
+            </a:prstGeom>
+          </p:spPr>
+          <p:style>
+            <a:lnRef idx="1">
+              <a:schemeClr val="accent1"/>
+            </a:lnRef>
+            <a:fillRef idx="0">
+              <a:schemeClr val="accent1"/>
+            </a:fillRef>
+            <a:effectRef idx="0">
+              <a:schemeClr val="accent1"/>
+            </a:effectRef>
+            <a:fontRef idx="minor">
+              <a:schemeClr val="tx1"/>
+            </a:fontRef>
+          </p:style>
+        </p:cxnSp>
+        <p:cxnSp>
+          <p:nvCxnSpPr>
+            <p:cNvPr id="81" name="Straight Connector 80">
+              <a:extLst>
+                <a:ext uri="{FF2B5EF4-FFF2-40B4-BE49-F238E27FC236}">
+                  <a16:creationId xmlns:a16="http://schemas.microsoft.com/office/drawing/2014/main" id="{8C2AFED7-D751-5CF6-3B27-095F3281A6C2}"/>
+                </a:ext>
+              </a:extLst>
+            </p:cNvPr>
+            <p:cNvCxnSpPr>
+              <a:cxnSpLocks/>
+            </p:cNvCxnSpPr>
+            <p:nvPr/>
+          </p:nvCxnSpPr>
+          <p:spPr>
+            <a:xfrm flipH="1">
+              <a:off x="2856557" y="5650993"/>
+              <a:ext cx="270691" cy="166844"/>
+            </a:xfrm>
+            <a:prstGeom prst="line">
+              <a:avLst/>
+            </a:prstGeom>
+          </p:spPr>
+          <p:style>
+            <a:lnRef idx="1">
+              <a:schemeClr val="accent1"/>
+            </a:lnRef>
+            <a:fillRef idx="0">
+              <a:schemeClr val="accent1"/>
+            </a:fillRef>
+            <a:effectRef idx="0">
+              <a:schemeClr val="accent1"/>
+            </a:effectRef>
+            <a:fontRef idx="minor">
+              <a:schemeClr val="tx1"/>
+            </a:fontRef>
+          </p:style>
+        </p:cxnSp>
+        <p:pic>
+          <p:nvPicPr>
+            <p:cNvPr id="82" name="Picture 4" descr="icon icon, lock icon">
+              <a:extLst>
+                <a:ext uri="{FF2B5EF4-FFF2-40B4-BE49-F238E27FC236}">
+                  <a16:creationId xmlns:a16="http://schemas.microsoft.com/office/drawing/2014/main" id="{E335FD04-5F98-436E-4EE1-A3BDD7E3C702}"/>
+                </a:ext>
+              </a:extLst>
+            </p:cNvPr>
+            <p:cNvPicPr>
+              <a:picLocks noChangeAspect="1" noChangeArrowheads="1"/>
+            </p:cNvPicPr>
+            <p:nvPr/>
+          </p:nvPicPr>
+          <p:blipFill>
+            <a:blip r:embed="rId3">
+              <a:extLst>
+                <a:ext uri="{28A0092B-C50C-407E-A947-70E740481C1C}">
+                  <a14:useLocalDpi xmlns:a14="http://schemas.microsoft.com/office/drawing/2010/main" val="0"/>
+                </a:ext>
+              </a:extLst>
+            </a:blip>
+            <a:srcRect/>
+            <a:stretch>
+              <a:fillRect/>
+            </a:stretch>
+          </p:blipFill>
+          <p:spPr bwMode="auto">
+            <a:xfrm>
+              <a:off x="2771225" y="5817837"/>
+              <a:ext cx="166845" cy="166845"/>
+            </a:xfrm>
+            <a:prstGeom prst="rect">
+              <a:avLst/>
+            </a:prstGeom>
+            <a:noFill/>
+            <a:extLst>
+              <a:ext uri="{909E8E84-426E-40DD-AFC4-6F175D3DCCD1}">
+                <a14:hiddenFill xmlns:a14="http://schemas.microsoft.com/office/drawing/2010/main">
+                  <a:solidFill>
+                    <a:srgbClr val="FFFFFF"/>
+                  </a:solidFill>
+                </a14:hiddenFill>
+              </a:ext>
+            </a:extLst>
+          </p:spPr>
+        </p:pic>
+      </p:grpSp>
+      <p:grpSp>
+        <p:nvGrpSpPr>
+          <p:cNvPr id="83" name="Group 82">
+            <a:extLst>
+              <a:ext uri="{FF2B5EF4-FFF2-40B4-BE49-F238E27FC236}">
+                <a16:creationId xmlns:a16="http://schemas.microsoft.com/office/drawing/2014/main" id="{E6CFD02A-2B20-64C9-29AD-F2CF2127DFE1}"/>
+              </a:ext>
+            </a:extLst>
+          </p:cNvPr>
+          <p:cNvGrpSpPr/>
+          <p:nvPr/>
+        </p:nvGrpSpPr>
+        <p:grpSpPr>
+          <a:xfrm>
+            <a:off x="9229985" y="5227226"/>
+            <a:ext cx="352339" cy="217169"/>
+            <a:chOff x="2582047" y="5650993"/>
+            <a:chExt cx="545201" cy="336042"/>
+          </a:xfrm>
+        </p:grpSpPr>
+        <p:sp>
+          <p:nvSpPr>
+            <p:cNvPr id="84" name="Rectangle 83">
+              <a:extLst>
+                <a:ext uri="{FF2B5EF4-FFF2-40B4-BE49-F238E27FC236}">
+                  <a16:creationId xmlns:a16="http://schemas.microsoft.com/office/drawing/2014/main" id="{E955BF9A-8348-DD56-1A8D-D63CED5A83E0}"/>
+                </a:ext>
+              </a:extLst>
+            </p:cNvPr>
+            <p:cNvSpPr/>
+            <p:nvPr/>
+          </p:nvSpPr>
+          <p:spPr>
+            <a:xfrm>
+              <a:off x="2582047" y="5650993"/>
+              <a:ext cx="545201" cy="336042"/>
+            </a:xfrm>
+            <a:prstGeom prst="rect">
+              <a:avLst/>
+            </a:prstGeom>
+            <a:noFill/>
+          </p:spPr>
+          <p:style>
+            <a:lnRef idx="2">
+              <a:schemeClr val="accent1">
+                <a:shade val="50000"/>
+              </a:schemeClr>
+            </a:lnRef>
+            <a:fillRef idx="1">
+              <a:schemeClr val="accent1"/>
+            </a:fillRef>
+            <a:effectRef idx="0">
+              <a:schemeClr val="accent1"/>
+            </a:effectRef>
+            <a:fontRef idx="minor">
+              <a:schemeClr val="lt1"/>
+            </a:fontRef>
+          </p:style>
+          <p:txBody>
+            <a:bodyPr rtlCol="0" anchor="ctr"/>
+            <a:lstStyle/>
+            <a:p>
+              <a:pPr algn="ctr"/>
+              <a:endParaRPr lang="es-419" dirty="0">
+                <a:solidFill>
+                  <a:sysClr val="windowText" lastClr="000000"/>
+                </a:solidFill>
+              </a:endParaRPr>
+            </a:p>
+          </p:txBody>
+        </p:sp>
+        <p:cxnSp>
+          <p:nvCxnSpPr>
+            <p:cNvPr id="85" name="Straight Connector 84">
+              <a:extLst>
+                <a:ext uri="{FF2B5EF4-FFF2-40B4-BE49-F238E27FC236}">
+                  <a16:creationId xmlns:a16="http://schemas.microsoft.com/office/drawing/2014/main" id="{54A652E0-3404-FB64-320A-B04A3B42CC6B}"/>
+                </a:ext>
+              </a:extLst>
+            </p:cNvPr>
+            <p:cNvCxnSpPr>
+              <a:cxnSpLocks/>
+            </p:cNvCxnSpPr>
+            <p:nvPr/>
+          </p:nvCxnSpPr>
+          <p:spPr>
+            <a:xfrm>
+              <a:off x="2582047" y="5650993"/>
+              <a:ext cx="270691" cy="166844"/>
+            </a:xfrm>
+            <a:prstGeom prst="line">
+              <a:avLst/>
+            </a:prstGeom>
+          </p:spPr>
+          <p:style>
+            <a:lnRef idx="1">
+              <a:schemeClr val="accent1"/>
+            </a:lnRef>
+            <a:fillRef idx="0">
+              <a:schemeClr val="accent1"/>
+            </a:fillRef>
+            <a:effectRef idx="0">
+              <a:schemeClr val="accent1"/>
+            </a:effectRef>
+            <a:fontRef idx="minor">
+              <a:schemeClr val="tx1"/>
+            </a:fontRef>
+          </p:style>
+        </p:cxnSp>
+        <p:cxnSp>
+          <p:nvCxnSpPr>
+            <p:cNvPr id="86" name="Straight Connector 85">
+              <a:extLst>
+                <a:ext uri="{FF2B5EF4-FFF2-40B4-BE49-F238E27FC236}">
+                  <a16:creationId xmlns:a16="http://schemas.microsoft.com/office/drawing/2014/main" id="{03764394-D1C0-5981-2FE0-A6F394D638A3}"/>
+                </a:ext>
+              </a:extLst>
+            </p:cNvPr>
+            <p:cNvCxnSpPr>
+              <a:cxnSpLocks/>
+            </p:cNvCxnSpPr>
+            <p:nvPr/>
+          </p:nvCxnSpPr>
+          <p:spPr>
+            <a:xfrm flipH="1">
+              <a:off x="2856557" y="5650993"/>
+              <a:ext cx="270691" cy="166844"/>
+            </a:xfrm>
+            <a:prstGeom prst="line">
+              <a:avLst/>
+            </a:prstGeom>
+          </p:spPr>
+          <p:style>
+            <a:lnRef idx="1">
+              <a:schemeClr val="accent1"/>
+            </a:lnRef>
+            <a:fillRef idx="0">
+              <a:schemeClr val="accent1"/>
+            </a:fillRef>
+            <a:effectRef idx="0">
+              <a:schemeClr val="accent1"/>
+            </a:effectRef>
+            <a:fontRef idx="minor">
+              <a:schemeClr val="tx1"/>
+            </a:fontRef>
+          </p:style>
+        </p:cxnSp>
+        <p:pic>
+          <p:nvPicPr>
+            <p:cNvPr id="87" name="Picture 4" descr="icon icon, lock icon">
+              <a:extLst>
+                <a:ext uri="{FF2B5EF4-FFF2-40B4-BE49-F238E27FC236}">
+                  <a16:creationId xmlns:a16="http://schemas.microsoft.com/office/drawing/2014/main" id="{19E1BBB1-C257-E09F-7EF7-0D9A9A0502E3}"/>
+                </a:ext>
+              </a:extLst>
+            </p:cNvPr>
+            <p:cNvPicPr>
+              <a:picLocks noChangeAspect="1" noChangeArrowheads="1"/>
+            </p:cNvPicPr>
+            <p:nvPr/>
+          </p:nvPicPr>
+          <p:blipFill>
+            <a:blip r:embed="rId3">
+              <a:extLst>
+                <a:ext uri="{28A0092B-C50C-407E-A947-70E740481C1C}">
+                  <a14:useLocalDpi xmlns:a14="http://schemas.microsoft.com/office/drawing/2010/main" val="0"/>
+                </a:ext>
+              </a:extLst>
+            </a:blip>
+            <a:srcRect/>
+            <a:stretch>
+              <a:fillRect/>
+            </a:stretch>
+          </p:blipFill>
+          <p:spPr bwMode="auto">
+            <a:xfrm>
+              <a:off x="2771225" y="5817837"/>
+              <a:ext cx="166845" cy="166845"/>
+            </a:xfrm>
+            <a:prstGeom prst="rect">
+              <a:avLst/>
+            </a:prstGeom>
+            <a:noFill/>
+            <a:extLst>
+              <a:ext uri="{909E8E84-426E-40DD-AFC4-6F175D3DCCD1}">
+                <a14:hiddenFill xmlns:a14="http://schemas.microsoft.com/office/drawing/2010/main">
+                  <a:solidFill>
+                    <a:srgbClr val="FFFFFF"/>
+                  </a:solidFill>
+                </a14:hiddenFill>
+              </a:ext>
+            </a:extLst>
+          </p:spPr>
+        </p:pic>
+      </p:grpSp>
+      <p:grpSp>
+        <p:nvGrpSpPr>
+          <p:cNvPr id="88" name="Group 87">
+            <a:extLst>
+              <a:ext uri="{FF2B5EF4-FFF2-40B4-BE49-F238E27FC236}">
+                <a16:creationId xmlns:a16="http://schemas.microsoft.com/office/drawing/2014/main" id="{23FFD13F-2D63-F71F-0688-D92268BFA16C}"/>
+              </a:ext>
+            </a:extLst>
+          </p:cNvPr>
+          <p:cNvGrpSpPr/>
+          <p:nvPr/>
+        </p:nvGrpSpPr>
+        <p:grpSpPr>
+          <a:xfrm>
+            <a:off x="9717207" y="5227226"/>
+            <a:ext cx="352339" cy="217169"/>
+            <a:chOff x="2582047" y="5650993"/>
+            <a:chExt cx="545201" cy="336042"/>
+          </a:xfrm>
+        </p:grpSpPr>
+        <p:sp>
+          <p:nvSpPr>
+            <p:cNvPr id="89" name="Rectangle 88">
+              <a:extLst>
+                <a:ext uri="{FF2B5EF4-FFF2-40B4-BE49-F238E27FC236}">
+                  <a16:creationId xmlns:a16="http://schemas.microsoft.com/office/drawing/2014/main" id="{802628D5-A2FA-89E1-C275-4E263F9D370C}"/>
+                </a:ext>
+              </a:extLst>
+            </p:cNvPr>
+            <p:cNvSpPr/>
+            <p:nvPr/>
+          </p:nvSpPr>
+          <p:spPr>
+            <a:xfrm>
+              <a:off x="2582047" y="5650993"/>
+              <a:ext cx="545201" cy="336042"/>
+            </a:xfrm>
+            <a:prstGeom prst="rect">
+              <a:avLst/>
+            </a:prstGeom>
+            <a:noFill/>
+          </p:spPr>
+          <p:style>
+            <a:lnRef idx="2">
+              <a:schemeClr val="accent1">
+                <a:shade val="50000"/>
+              </a:schemeClr>
+            </a:lnRef>
+            <a:fillRef idx="1">
+              <a:schemeClr val="accent1"/>
+            </a:fillRef>
+            <a:effectRef idx="0">
+              <a:schemeClr val="accent1"/>
+            </a:effectRef>
+            <a:fontRef idx="minor">
+              <a:schemeClr val="lt1"/>
+            </a:fontRef>
+          </p:style>
+          <p:txBody>
+            <a:bodyPr rtlCol="0" anchor="ctr"/>
+            <a:lstStyle/>
+            <a:p>
+              <a:pPr algn="ctr"/>
+              <a:endParaRPr lang="es-419" dirty="0">
+                <a:solidFill>
+                  <a:sysClr val="windowText" lastClr="000000"/>
+                </a:solidFill>
+              </a:endParaRPr>
+            </a:p>
+          </p:txBody>
+        </p:sp>
+        <p:cxnSp>
+          <p:nvCxnSpPr>
+            <p:cNvPr id="90" name="Straight Connector 89">
+              <a:extLst>
+                <a:ext uri="{FF2B5EF4-FFF2-40B4-BE49-F238E27FC236}">
+                  <a16:creationId xmlns:a16="http://schemas.microsoft.com/office/drawing/2014/main" id="{D422CA2B-674A-D7FD-91ED-6D6D1A2BC23B}"/>
+                </a:ext>
+              </a:extLst>
+            </p:cNvPr>
+            <p:cNvCxnSpPr>
+              <a:cxnSpLocks/>
+            </p:cNvCxnSpPr>
+            <p:nvPr/>
+          </p:nvCxnSpPr>
+          <p:spPr>
+            <a:xfrm>
+              <a:off x="2582047" y="5650993"/>
+              <a:ext cx="270691" cy="166844"/>
+            </a:xfrm>
+            <a:prstGeom prst="line">
+              <a:avLst/>
+            </a:prstGeom>
+          </p:spPr>
+          <p:style>
+            <a:lnRef idx="1">
+              <a:schemeClr val="accent1"/>
+            </a:lnRef>
+            <a:fillRef idx="0">
+              <a:schemeClr val="accent1"/>
+            </a:fillRef>
+            <a:effectRef idx="0">
+              <a:schemeClr val="accent1"/>
+            </a:effectRef>
+            <a:fontRef idx="minor">
+              <a:schemeClr val="tx1"/>
+            </a:fontRef>
+          </p:style>
+        </p:cxnSp>
+        <p:cxnSp>
+          <p:nvCxnSpPr>
+            <p:cNvPr id="91" name="Straight Connector 90">
+              <a:extLst>
+                <a:ext uri="{FF2B5EF4-FFF2-40B4-BE49-F238E27FC236}">
+                  <a16:creationId xmlns:a16="http://schemas.microsoft.com/office/drawing/2014/main" id="{A5ED3329-199B-D1D4-CDB8-29EEE3D3FAF0}"/>
+                </a:ext>
+              </a:extLst>
+            </p:cNvPr>
+            <p:cNvCxnSpPr>
+              <a:cxnSpLocks/>
+            </p:cNvCxnSpPr>
+            <p:nvPr/>
+          </p:nvCxnSpPr>
+          <p:spPr>
+            <a:xfrm flipH="1">
+              <a:off x="2856557" y="5650993"/>
+              <a:ext cx="270691" cy="166844"/>
+            </a:xfrm>
+            <a:prstGeom prst="line">
+              <a:avLst/>
+            </a:prstGeom>
+          </p:spPr>
+          <p:style>
+            <a:lnRef idx="1">
+              <a:schemeClr val="accent1"/>
+            </a:lnRef>
+            <a:fillRef idx="0">
+              <a:schemeClr val="accent1"/>
+            </a:fillRef>
+            <a:effectRef idx="0">
+              <a:schemeClr val="accent1"/>
+            </a:effectRef>
+            <a:fontRef idx="minor">
+              <a:schemeClr val="tx1"/>
+            </a:fontRef>
+          </p:style>
+        </p:cxnSp>
+        <p:pic>
+          <p:nvPicPr>
+            <p:cNvPr id="92" name="Picture 4" descr="icon icon, lock icon">
+              <a:extLst>
+                <a:ext uri="{FF2B5EF4-FFF2-40B4-BE49-F238E27FC236}">
+                  <a16:creationId xmlns:a16="http://schemas.microsoft.com/office/drawing/2014/main" id="{D992864E-804A-DD85-93EE-E8D6380B02CE}"/>
+                </a:ext>
+              </a:extLst>
+            </p:cNvPr>
+            <p:cNvPicPr>
+              <a:picLocks noChangeAspect="1" noChangeArrowheads="1"/>
+            </p:cNvPicPr>
+            <p:nvPr/>
+          </p:nvPicPr>
+          <p:blipFill>
+            <a:blip r:embed="rId3">
+              <a:extLst>
+                <a:ext uri="{28A0092B-C50C-407E-A947-70E740481C1C}">
+                  <a14:useLocalDpi xmlns:a14="http://schemas.microsoft.com/office/drawing/2010/main" val="0"/>
+                </a:ext>
+              </a:extLst>
+            </a:blip>
+            <a:srcRect/>
+            <a:stretch>
+              <a:fillRect/>
+            </a:stretch>
+          </p:blipFill>
+          <p:spPr bwMode="auto">
+            <a:xfrm>
+              <a:off x="2771225" y="5817837"/>
+              <a:ext cx="166845" cy="166845"/>
+            </a:xfrm>
+            <a:prstGeom prst="rect">
+              <a:avLst/>
+            </a:prstGeom>
+            <a:noFill/>
+            <a:extLst>
+              <a:ext uri="{909E8E84-426E-40DD-AFC4-6F175D3DCCD1}">
+                <a14:hiddenFill xmlns:a14="http://schemas.microsoft.com/office/drawing/2010/main">
+                  <a:solidFill>
+                    <a:srgbClr val="FFFFFF"/>
+                  </a:solidFill>
+                </a14:hiddenFill>
+              </a:ext>
+            </a:extLst>
+          </p:spPr>
+        </p:pic>
+      </p:grpSp>
+      <p:grpSp>
+        <p:nvGrpSpPr>
+          <p:cNvPr id="93" name="Group 92">
+            <a:extLst>
+              <a:ext uri="{FF2B5EF4-FFF2-40B4-BE49-F238E27FC236}">
+                <a16:creationId xmlns:a16="http://schemas.microsoft.com/office/drawing/2014/main" id="{142CFD0C-594D-2F2C-9CB1-1AB0C5633D5F}"/>
+              </a:ext>
+            </a:extLst>
+          </p:cNvPr>
+          <p:cNvGrpSpPr/>
+          <p:nvPr/>
+        </p:nvGrpSpPr>
+        <p:grpSpPr>
+          <a:xfrm>
+            <a:off x="10193457" y="5227226"/>
+            <a:ext cx="352339" cy="217169"/>
+            <a:chOff x="2582047" y="5650993"/>
+            <a:chExt cx="545201" cy="336042"/>
+          </a:xfrm>
+        </p:grpSpPr>
+        <p:sp>
+          <p:nvSpPr>
+            <p:cNvPr id="94" name="Rectangle 93">
+              <a:extLst>
+                <a:ext uri="{FF2B5EF4-FFF2-40B4-BE49-F238E27FC236}">
+                  <a16:creationId xmlns:a16="http://schemas.microsoft.com/office/drawing/2014/main" id="{99029099-D95C-5485-A467-4BD88B73849D}"/>
+                </a:ext>
+              </a:extLst>
+            </p:cNvPr>
+            <p:cNvSpPr/>
+            <p:nvPr/>
+          </p:nvSpPr>
+          <p:spPr>
+            <a:xfrm>
+              <a:off x="2582047" y="5650993"/>
+              <a:ext cx="545201" cy="336042"/>
+            </a:xfrm>
+            <a:prstGeom prst="rect">
+              <a:avLst/>
+            </a:prstGeom>
+            <a:noFill/>
+          </p:spPr>
+          <p:style>
+            <a:lnRef idx="2">
+              <a:schemeClr val="accent1">
+                <a:shade val="50000"/>
+              </a:schemeClr>
+            </a:lnRef>
+            <a:fillRef idx="1">
+              <a:schemeClr val="accent1"/>
+            </a:fillRef>
+            <a:effectRef idx="0">
+              <a:schemeClr val="accent1"/>
+            </a:effectRef>
+            <a:fontRef idx="minor">
+              <a:schemeClr val="lt1"/>
+            </a:fontRef>
+          </p:style>
+          <p:txBody>
+            <a:bodyPr rtlCol="0" anchor="ctr"/>
+            <a:lstStyle/>
+            <a:p>
+              <a:pPr algn="ctr"/>
+              <a:endParaRPr lang="es-419" dirty="0">
+                <a:solidFill>
+                  <a:sysClr val="windowText" lastClr="000000"/>
+                </a:solidFill>
+              </a:endParaRPr>
+            </a:p>
+          </p:txBody>
+        </p:sp>
+        <p:cxnSp>
+          <p:nvCxnSpPr>
+            <p:cNvPr id="95" name="Straight Connector 94">
+              <a:extLst>
+                <a:ext uri="{FF2B5EF4-FFF2-40B4-BE49-F238E27FC236}">
+                  <a16:creationId xmlns:a16="http://schemas.microsoft.com/office/drawing/2014/main" id="{D365D788-B0DD-F05B-F959-26764289134C}"/>
+                </a:ext>
+              </a:extLst>
+            </p:cNvPr>
+            <p:cNvCxnSpPr>
+              <a:cxnSpLocks/>
+            </p:cNvCxnSpPr>
+            <p:nvPr/>
+          </p:nvCxnSpPr>
+          <p:spPr>
+            <a:xfrm>
+              <a:off x="2582047" y="5650993"/>
+              <a:ext cx="270691" cy="166844"/>
+            </a:xfrm>
+            <a:prstGeom prst="line">
+              <a:avLst/>
+            </a:prstGeom>
+          </p:spPr>
+          <p:style>
+            <a:lnRef idx="1">
+              <a:schemeClr val="accent1"/>
+            </a:lnRef>
+            <a:fillRef idx="0">
+              <a:schemeClr val="accent1"/>
+            </a:fillRef>
+            <a:effectRef idx="0">
+              <a:schemeClr val="accent1"/>
+            </a:effectRef>
+            <a:fontRef idx="minor">
+              <a:schemeClr val="tx1"/>
+            </a:fontRef>
+          </p:style>
+        </p:cxnSp>
+        <p:cxnSp>
+          <p:nvCxnSpPr>
+            <p:cNvPr id="96" name="Straight Connector 95">
+              <a:extLst>
+                <a:ext uri="{FF2B5EF4-FFF2-40B4-BE49-F238E27FC236}">
+                  <a16:creationId xmlns:a16="http://schemas.microsoft.com/office/drawing/2014/main" id="{D7856414-FF28-E168-4239-23B77076C942}"/>
+                </a:ext>
+              </a:extLst>
+            </p:cNvPr>
+            <p:cNvCxnSpPr>
+              <a:cxnSpLocks/>
+            </p:cNvCxnSpPr>
+            <p:nvPr/>
+          </p:nvCxnSpPr>
+          <p:spPr>
+            <a:xfrm flipH="1">
+              <a:off x="2856557" y="5650993"/>
+              <a:ext cx="270691" cy="166844"/>
+            </a:xfrm>
+            <a:prstGeom prst="line">
+              <a:avLst/>
+            </a:prstGeom>
+          </p:spPr>
+          <p:style>
+            <a:lnRef idx="1">
+              <a:schemeClr val="accent1"/>
+            </a:lnRef>
+            <a:fillRef idx="0">
+              <a:schemeClr val="accent1"/>
+            </a:fillRef>
+            <a:effectRef idx="0">
+              <a:schemeClr val="accent1"/>
+            </a:effectRef>
+            <a:fontRef idx="minor">
+              <a:schemeClr val="tx1"/>
+            </a:fontRef>
+          </p:style>
+        </p:cxnSp>
+        <p:pic>
+          <p:nvPicPr>
+            <p:cNvPr id="97" name="Picture 4" descr="icon icon, lock icon">
+              <a:extLst>
+                <a:ext uri="{FF2B5EF4-FFF2-40B4-BE49-F238E27FC236}">
+                  <a16:creationId xmlns:a16="http://schemas.microsoft.com/office/drawing/2014/main" id="{35E2B783-0387-9819-0A13-8BE7F492E3E1}"/>
+                </a:ext>
+              </a:extLst>
+            </p:cNvPr>
+            <p:cNvPicPr>
+              <a:picLocks noChangeAspect="1" noChangeArrowheads="1"/>
+            </p:cNvPicPr>
+            <p:nvPr/>
+          </p:nvPicPr>
+          <p:blipFill>
+            <a:blip r:embed="rId3">
+              <a:extLst>
+                <a:ext uri="{28A0092B-C50C-407E-A947-70E740481C1C}">
+                  <a14:useLocalDpi xmlns:a14="http://schemas.microsoft.com/office/drawing/2010/main" val="0"/>
+                </a:ext>
+              </a:extLst>
+            </a:blip>
+            <a:srcRect/>
+            <a:stretch>
+              <a:fillRect/>
+            </a:stretch>
+          </p:blipFill>
+          <p:spPr bwMode="auto">
+            <a:xfrm>
+              <a:off x="2771225" y="5817837"/>
+              <a:ext cx="166845" cy="166845"/>
+            </a:xfrm>
+            <a:prstGeom prst="rect">
+              <a:avLst/>
+            </a:prstGeom>
+            <a:noFill/>
+            <a:extLst>
+              <a:ext uri="{909E8E84-426E-40DD-AFC4-6F175D3DCCD1}">
+                <a14:hiddenFill xmlns:a14="http://schemas.microsoft.com/office/drawing/2010/main">
+                  <a:solidFill>
+                    <a:srgbClr val="FFFFFF"/>
+                  </a:solidFill>
+                </a14:hiddenFill>
+              </a:ext>
+            </a:extLst>
+          </p:spPr>
+        </p:pic>
+      </p:grpSp>
+      <p:cxnSp>
+        <p:nvCxnSpPr>
+          <p:cNvPr id="98" name="Straight Connector 97">
+            <a:extLst>
+              <a:ext uri="{FF2B5EF4-FFF2-40B4-BE49-F238E27FC236}">
+                <a16:creationId xmlns:a16="http://schemas.microsoft.com/office/drawing/2014/main" id="{591D63DB-68C2-4D4C-59C4-53080F4414F1}"/>
+              </a:ext>
+            </a:extLst>
+          </p:cNvPr>
+          <p:cNvCxnSpPr>
+            <a:cxnSpLocks/>
+          </p:cNvCxnSpPr>
+          <p:nvPr/>
+        </p:nvCxnSpPr>
+        <p:spPr>
+          <a:xfrm>
+            <a:off x="6469096" y="6113718"/>
+            <a:ext cx="4076700" cy="0"/>
+          </a:xfrm>
+          <a:prstGeom prst="line">
+            <a:avLst/>
+          </a:prstGeom>
+        </p:spPr>
+        <p:style>
+          <a:lnRef idx="1">
+            <a:schemeClr val="accent1"/>
+          </a:lnRef>
+          <a:fillRef idx="0">
+            <a:schemeClr val="accent1"/>
+          </a:fillRef>
+          <a:effectRef idx="0">
+            <a:schemeClr val="accent1"/>
+          </a:effectRef>
+          <a:fontRef idx="minor">
+            <a:schemeClr val="tx1"/>
+          </a:fontRef>
+        </p:style>
+      </p:cxnSp>
+      <p:grpSp>
+        <p:nvGrpSpPr>
+          <p:cNvPr id="99" name="Group 98">
+            <a:extLst>
+              <a:ext uri="{FF2B5EF4-FFF2-40B4-BE49-F238E27FC236}">
+                <a16:creationId xmlns:a16="http://schemas.microsoft.com/office/drawing/2014/main" id="{F9432666-99E3-4FE5-EAB4-C8D7FBDC57CB}"/>
+              </a:ext>
+            </a:extLst>
+          </p:cNvPr>
+          <p:cNvGrpSpPr/>
+          <p:nvPr/>
+        </p:nvGrpSpPr>
+        <p:grpSpPr>
+          <a:xfrm>
+            <a:off x="6583964" y="5835112"/>
+            <a:ext cx="352339" cy="217169"/>
+            <a:chOff x="2582047" y="5650993"/>
+            <a:chExt cx="545201" cy="336042"/>
+          </a:xfrm>
+        </p:grpSpPr>
+        <p:sp>
+          <p:nvSpPr>
+            <p:cNvPr id="100" name="Rectangle 99">
+              <a:extLst>
+                <a:ext uri="{FF2B5EF4-FFF2-40B4-BE49-F238E27FC236}">
+                  <a16:creationId xmlns:a16="http://schemas.microsoft.com/office/drawing/2014/main" id="{FC97DCFA-B65E-172D-E1DE-9D6FFD4A416A}"/>
+                </a:ext>
+              </a:extLst>
+            </p:cNvPr>
+            <p:cNvSpPr/>
+            <p:nvPr/>
+          </p:nvSpPr>
+          <p:spPr>
+            <a:xfrm>
+              <a:off x="2582047" y="5650993"/>
+              <a:ext cx="545201" cy="336042"/>
+            </a:xfrm>
+            <a:prstGeom prst="rect">
+              <a:avLst/>
+            </a:prstGeom>
+            <a:noFill/>
+          </p:spPr>
+          <p:style>
+            <a:lnRef idx="2">
+              <a:schemeClr val="accent1">
+                <a:shade val="50000"/>
+              </a:schemeClr>
+            </a:lnRef>
+            <a:fillRef idx="1">
+              <a:schemeClr val="accent1"/>
+            </a:fillRef>
+            <a:effectRef idx="0">
+              <a:schemeClr val="accent1"/>
+            </a:effectRef>
+            <a:fontRef idx="minor">
+              <a:schemeClr val="lt1"/>
+            </a:fontRef>
+          </p:style>
+          <p:txBody>
+            <a:bodyPr rtlCol="0" anchor="ctr"/>
+            <a:lstStyle/>
+            <a:p>
+              <a:pPr algn="ctr"/>
+              <a:endParaRPr lang="es-419" dirty="0">
+                <a:solidFill>
+                  <a:sysClr val="windowText" lastClr="000000"/>
+                </a:solidFill>
+              </a:endParaRPr>
+            </a:p>
+          </p:txBody>
+        </p:sp>
+        <p:cxnSp>
+          <p:nvCxnSpPr>
+            <p:cNvPr id="101" name="Straight Connector 100">
+              <a:extLst>
+                <a:ext uri="{FF2B5EF4-FFF2-40B4-BE49-F238E27FC236}">
+                  <a16:creationId xmlns:a16="http://schemas.microsoft.com/office/drawing/2014/main" id="{618A44FD-6AC1-1D32-DA9A-66067F2ED0E6}"/>
+                </a:ext>
+              </a:extLst>
+            </p:cNvPr>
+            <p:cNvCxnSpPr>
+              <a:cxnSpLocks/>
+            </p:cNvCxnSpPr>
+            <p:nvPr/>
+          </p:nvCxnSpPr>
+          <p:spPr>
+            <a:xfrm>
+              <a:off x="2582047" y="5650993"/>
+              <a:ext cx="270691" cy="166844"/>
+            </a:xfrm>
+            <a:prstGeom prst="line">
+              <a:avLst/>
+            </a:prstGeom>
+          </p:spPr>
+          <p:style>
+            <a:lnRef idx="1">
+              <a:schemeClr val="accent1"/>
+            </a:lnRef>
+            <a:fillRef idx="0">
+              <a:schemeClr val="accent1"/>
+            </a:fillRef>
+            <a:effectRef idx="0">
+              <a:schemeClr val="accent1"/>
+            </a:effectRef>
+            <a:fontRef idx="minor">
+              <a:schemeClr val="tx1"/>
+            </a:fontRef>
+          </p:style>
+        </p:cxnSp>
+        <p:cxnSp>
+          <p:nvCxnSpPr>
+            <p:cNvPr id="102" name="Straight Connector 101">
+              <a:extLst>
+                <a:ext uri="{FF2B5EF4-FFF2-40B4-BE49-F238E27FC236}">
+                  <a16:creationId xmlns:a16="http://schemas.microsoft.com/office/drawing/2014/main" id="{E0A75B56-DF27-7A3A-F6F2-FBBD576A6570}"/>
+                </a:ext>
+              </a:extLst>
+            </p:cNvPr>
+            <p:cNvCxnSpPr>
+              <a:cxnSpLocks/>
+            </p:cNvCxnSpPr>
+            <p:nvPr/>
+          </p:nvCxnSpPr>
+          <p:spPr>
+            <a:xfrm flipH="1">
+              <a:off x="2856557" y="5650993"/>
+              <a:ext cx="270691" cy="166844"/>
+            </a:xfrm>
+            <a:prstGeom prst="line">
+              <a:avLst/>
+            </a:prstGeom>
+          </p:spPr>
+          <p:style>
+            <a:lnRef idx="1">
+              <a:schemeClr val="accent1"/>
+            </a:lnRef>
+            <a:fillRef idx="0">
+              <a:schemeClr val="accent1"/>
+            </a:fillRef>
+            <a:effectRef idx="0">
+              <a:schemeClr val="accent1"/>
+            </a:effectRef>
+            <a:fontRef idx="minor">
+              <a:schemeClr val="tx1"/>
+            </a:fontRef>
+          </p:style>
+        </p:cxnSp>
+        <p:pic>
+          <p:nvPicPr>
+            <p:cNvPr id="103" name="Picture 4" descr="icon icon, lock icon">
+              <a:extLst>
+                <a:ext uri="{FF2B5EF4-FFF2-40B4-BE49-F238E27FC236}">
+                  <a16:creationId xmlns:a16="http://schemas.microsoft.com/office/drawing/2014/main" id="{AB55A00D-46C1-FDB8-789B-BC3A37CDB712}"/>
+                </a:ext>
+              </a:extLst>
+            </p:cNvPr>
+            <p:cNvPicPr>
+              <a:picLocks noChangeAspect="1" noChangeArrowheads="1"/>
+            </p:cNvPicPr>
+            <p:nvPr/>
+          </p:nvPicPr>
+          <p:blipFill>
+            <a:blip r:embed="rId3">
+              <a:extLst>
+                <a:ext uri="{28A0092B-C50C-407E-A947-70E740481C1C}">
+                  <a14:useLocalDpi xmlns:a14="http://schemas.microsoft.com/office/drawing/2010/main" val="0"/>
+                </a:ext>
+              </a:extLst>
+            </a:blip>
+            <a:srcRect/>
+            <a:stretch>
+              <a:fillRect/>
+            </a:stretch>
+          </p:blipFill>
+          <p:spPr bwMode="auto">
+            <a:xfrm>
+              <a:off x="2771225" y="5817837"/>
+              <a:ext cx="166845" cy="166845"/>
+            </a:xfrm>
+            <a:prstGeom prst="rect">
+              <a:avLst/>
+            </a:prstGeom>
+            <a:noFill/>
+            <a:extLst>
+              <a:ext uri="{909E8E84-426E-40DD-AFC4-6F175D3DCCD1}">
+                <a14:hiddenFill xmlns:a14="http://schemas.microsoft.com/office/drawing/2010/main">
+                  <a:solidFill>
+                    <a:srgbClr val="FFFFFF"/>
+                  </a:solidFill>
+                </a14:hiddenFill>
+              </a:ext>
+            </a:extLst>
+          </p:spPr>
+        </p:pic>
+      </p:grpSp>
+      <p:grpSp>
+        <p:nvGrpSpPr>
+          <p:cNvPr id="104" name="Group 103">
+            <a:extLst>
+              <a:ext uri="{FF2B5EF4-FFF2-40B4-BE49-F238E27FC236}">
+                <a16:creationId xmlns:a16="http://schemas.microsoft.com/office/drawing/2014/main" id="{1F7E1FF5-2761-725A-8053-92CFDBF595D3}"/>
+              </a:ext>
+            </a:extLst>
+          </p:cNvPr>
+          <p:cNvGrpSpPr/>
+          <p:nvPr/>
+        </p:nvGrpSpPr>
+        <p:grpSpPr>
+          <a:xfrm>
+            <a:off x="7071186" y="5835112"/>
+            <a:ext cx="352339" cy="217169"/>
+            <a:chOff x="2582047" y="5650993"/>
+            <a:chExt cx="545201" cy="336042"/>
+          </a:xfrm>
+        </p:grpSpPr>
+        <p:sp>
+          <p:nvSpPr>
+            <p:cNvPr id="105" name="Rectangle 104">
+              <a:extLst>
+                <a:ext uri="{FF2B5EF4-FFF2-40B4-BE49-F238E27FC236}">
+                  <a16:creationId xmlns:a16="http://schemas.microsoft.com/office/drawing/2014/main" id="{997F7C35-B61A-A22D-C2E1-0325453A45C6}"/>
+                </a:ext>
+              </a:extLst>
+            </p:cNvPr>
+            <p:cNvSpPr/>
+            <p:nvPr/>
+          </p:nvSpPr>
+          <p:spPr>
+            <a:xfrm>
+              <a:off x="2582047" y="5650993"/>
+              <a:ext cx="545201" cy="336042"/>
+            </a:xfrm>
+            <a:prstGeom prst="rect">
+              <a:avLst/>
+            </a:prstGeom>
+            <a:noFill/>
+          </p:spPr>
+          <p:style>
+            <a:lnRef idx="2">
+              <a:schemeClr val="accent1">
+                <a:shade val="50000"/>
+              </a:schemeClr>
+            </a:lnRef>
+            <a:fillRef idx="1">
+              <a:schemeClr val="accent1"/>
+            </a:fillRef>
+            <a:effectRef idx="0">
+              <a:schemeClr val="accent1"/>
+            </a:effectRef>
+            <a:fontRef idx="minor">
+              <a:schemeClr val="lt1"/>
+            </a:fontRef>
+          </p:style>
+          <p:txBody>
+            <a:bodyPr rtlCol="0" anchor="ctr"/>
+            <a:lstStyle/>
+            <a:p>
+              <a:pPr algn="ctr"/>
+              <a:endParaRPr lang="es-419" dirty="0">
+                <a:solidFill>
+                  <a:sysClr val="windowText" lastClr="000000"/>
+                </a:solidFill>
+              </a:endParaRPr>
+            </a:p>
+          </p:txBody>
+        </p:sp>
+        <p:cxnSp>
+          <p:nvCxnSpPr>
+            <p:cNvPr id="106" name="Straight Connector 105">
+              <a:extLst>
+                <a:ext uri="{FF2B5EF4-FFF2-40B4-BE49-F238E27FC236}">
+                  <a16:creationId xmlns:a16="http://schemas.microsoft.com/office/drawing/2014/main" id="{5DDD82C1-1F0B-0E48-0B80-BC26976442A8}"/>
+                </a:ext>
+              </a:extLst>
+            </p:cNvPr>
+            <p:cNvCxnSpPr>
+              <a:cxnSpLocks/>
+            </p:cNvCxnSpPr>
+            <p:nvPr/>
+          </p:nvCxnSpPr>
+          <p:spPr>
+            <a:xfrm>
+              <a:off x="2582047" y="5650993"/>
+              <a:ext cx="270691" cy="166844"/>
+            </a:xfrm>
+            <a:prstGeom prst="line">
+              <a:avLst/>
+            </a:prstGeom>
+          </p:spPr>
+          <p:style>
+            <a:lnRef idx="1">
+              <a:schemeClr val="accent1"/>
+            </a:lnRef>
+            <a:fillRef idx="0">
+              <a:schemeClr val="accent1"/>
+            </a:fillRef>
+            <a:effectRef idx="0">
+              <a:schemeClr val="accent1"/>
+            </a:effectRef>
+            <a:fontRef idx="minor">
+              <a:schemeClr val="tx1"/>
+            </a:fontRef>
+          </p:style>
+        </p:cxnSp>
+        <p:cxnSp>
+          <p:nvCxnSpPr>
+            <p:cNvPr id="107" name="Straight Connector 106">
+              <a:extLst>
+                <a:ext uri="{FF2B5EF4-FFF2-40B4-BE49-F238E27FC236}">
+                  <a16:creationId xmlns:a16="http://schemas.microsoft.com/office/drawing/2014/main" id="{DD56CEF2-78A4-6FE3-7EA5-172EDA563EC4}"/>
+                </a:ext>
+              </a:extLst>
+            </p:cNvPr>
+            <p:cNvCxnSpPr>
+              <a:cxnSpLocks/>
+            </p:cNvCxnSpPr>
+            <p:nvPr/>
+          </p:nvCxnSpPr>
+          <p:spPr>
+            <a:xfrm flipH="1">
+              <a:off x="2856557" y="5650993"/>
+              <a:ext cx="270691" cy="166844"/>
+            </a:xfrm>
+            <a:prstGeom prst="line">
+              <a:avLst/>
+            </a:prstGeom>
+          </p:spPr>
+          <p:style>
+            <a:lnRef idx="1">
+              <a:schemeClr val="accent1"/>
+            </a:lnRef>
+            <a:fillRef idx="0">
+              <a:schemeClr val="accent1"/>
+            </a:fillRef>
+            <a:effectRef idx="0">
+              <a:schemeClr val="accent1"/>
+            </a:effectRef>
+            <a:fontRef idx="minor">
+              <a:schemeClr val="tx1"/>
+            </a:fontRef>
+          </p:style>
+        </p:cxnSp>
+        <p:pic>
+          <p:nvPicPr>
+            <p:cNvPr id="108" name="Picture 4" descr="icon icon, lock icon">
+              <a:extLst>
+                <a:ext uri="{FF2B5EF4-FFF2-40B4-BE49-F238E27FC236}">
+                  <a16:creationId xmlns:a16="http://schemas.microsoft.com/office/drawing/2014/main" id="{5F64429A-532D-DF51-5FF7-E677FDDBB95D}"/>
+                </a:ext>
+              </a:extLst>
+            </p:cNvPr>
+            <p:cNvPicPr>
+              <a:picLocks noChangeAspect="1" noChangeArrowheads="1"/>
+            </p:cNvPicPr>
+            <p:nvPr/>
+          </p:nvPicPr>
+          <p:blipFill>
+            <a:blip r:embed="rId3">
+              <a:extLst>
+                <a:ext uri="{28A0092B-C50C-407E-A947-70E740481C1C}">
+                  <a14:useLocalDpi xmlns:a14="http://schemas.microsoft.com/office/drawing/2010/main" val="0"/>
+                </a:ext>
+              </a:extLst>
+            </a:blip>
+            <a:srcRect/>
+            <a:stretch>
+              <a:fillRect/>
+            </a:stretch>
+          </p:blipFill>
+          <p:spPr bwMode="auto">
+            <a:xfrm>
+              <a:off x="2771225" y="5817837"/>
+              <a:ext cx="166845" cy="166845"/>
+            </a:xfrm>
+            <a:prstGeom prst="rect">
+              <a:avLst/>
+            </a:prstGeom>
+            <a:noFill/>
+            <a:extLst>
+              <a:ext uri="{909E8E84-426E-40DD-AFC4-6F175D3DCCD1}">
+                <a14:hiddenFill xmlns:a14="http://schemas.microsoft.com/office/drawing/2010/main">
+                  <a:solidFill>
+                    <a:srgbClr val="FFFFFF"/>
+                  </a:solidFill>
+                </a14:hiddenFill>
+              </a:ext>
+            </a:extLst>
+          </p:spPr>
+        </p:pic>
+      </p:grpSp>
+      <p:grpSp>
+        <p:nvGrpSpPr>
+          <p:cNvPr id="109" name="Group 108">
+            <a:extLst>
+              <a:ext uri="{FF2B5EF4-FFF2-40B4-BE49-F238E27FC236}">
+                <a16:creationId xmlns:a16="http://schemas.microsoft.com/office/drawing/2014/main" id="{3536C939-AF07-A0D6-D246-CDA6ECB6B11B}"/>
+              </a:ext>
+            </a:extLst>
+          </p:cNvPr>
+          <p:cNvGrpSpPr/>
+          <p:nvPr/>
+        </p:nvGrpSpPr>
+        <p:grpSpPr>
+          <a:xfrm>
+            <a:off x="7547436" y="5835112"/>
+            <a:ext cx="352339" cy="217169"/>
+            <a:chOff x="2582047" y="5650993"/>
+            <a:chExt cx="545201" cy="336042"/>
+          </a:xfrm>
+        </p:grpSpPr>
+        <p:sp>
+          <p:nvSpPr>
+            <p:cNvPr id="110" name="Rectangle 109">
+              <a:extLst>
+                <a:ext uri="{FF2B5EF4-FFF2-40B4-BE49-F238E27FC236}">
+                  <a16:creationId xmlns:a16="http://schemas.microsoft.com/office/drawing/2014/main" id="{C4B981FE-85DA-47BC-C61B-6F46050D5B00}"/>
+                </a:ext>
+              </a:extLst>
+            </p:cNvPr>
+            <p:cNvSpPr/>
+            <p:nvPr/>
+          </p:nvSpPr>
+          <p:spPr>
+            <a:xfrm>
+              <a:off x="2582047" y="5650993"/>
+              <a:ext cx="545201" cy="336042"/>
+            </a:xfrm>
+            <a:prstGeom prst="rect">
+              <a:avLst/>
+            </a:prstGeom>
+            <a:noFill/>
+          </p:spPr>
+          <p:style>
+            <a:lnRef idx="2">
+              <a:schemeClr val="accent1">
+                <a:shade val="50000"/>
+              </a:schemeClr>
+            </a:lnRef>
+            <a:fillRef idx="1">
+              <a:schemeClr val="accent1"/>
+            </a:fillRef>
+            <a:effectRef idx="0">
+              <a:schemeClr val="accent1"/>
+            </a:effectRef>
+            <a:fontRef idx="minor">
+              <a:schemeClr val="lt1"/>
+            </a:fontRef>
+          </p:style>
+          <p:txBody>
+            <a:bodyPr rtlCol="0" anchor="ctr"/>
+            <a:lstStyle/>
+            <a:p>
+              <a:pPr algn="ctr"/>
+              <a:endParaRPr lang="es-419" dirty="0">
+                <a:solidFill>
+                  <a:sysClr val="windowText" lastClr="000000"/>
+                </a:solidFill>
+              </a:endParaRPr>
+            </a:p>
+          </p:txBody>
+        </p:sp>
+        <p:cxnSp>
+          <p:nvCxnSpPr>
+            <p:cNvPr id="111" name="Straight Connector 110">
+              <a:extLst>
+                <a:ext uri="{FF2B5EF4-FFF2-40B4-BE49-F238E27FC236}">
+                  <a16:creationId xmlns:a16="http://schemas.microsoft.com/office/drawing/2014/main" id="{98F3DA14-6522-2D61-76A8-E313A6CB33EA}"/>
+                </a:ext>
+              </a:extLst>
+            </p:cNvPr>
+            <p:cNvCxnSpPr>
+              <a:cxnSpLocks/>
+            </p:cNvCxnSpPr>
+            <p:nvPr/>
+          </p:nvCxnSpPr>
+          <p:spPr>
+            <a:xfrm>
+              <a:off x="2582047" y="5650993"/>
+              <a:ext cx="270691" cy="166844"/>
+            </a:xfrm>
+            <a:prstGeom prst="line">
+              <a:avLst/>
+            </a:prstGeom>
+          </p:spPr>
+          <p:style>
+            <a:lnRef idx="1">
+              <a:schemeClr val="accent1"/>
+            </a:lnRef>
+            <a:fillRef idx="0">
+              <a:schemeClr val="accent1"/>
+            </a:fillRef>
+            <a:effectRef idx="0">
+              <a:schemeClr val="accent1"/>
+            </a:effectRef>
+            <a:fontRef idx="minor">
+              <a:schemeClr val="tx1"/>
+            </a:fontRef>
+          </p:style>
+        </p:cxnSp>
+        <p:cxnSp>
+          <p:nvCxnSpPr>
+            <p:cNvPr id="112" name="Straight Connector 111">
+              <a:extLst>
+                <a:ext uri="{FF2B5EF4-FFF2-40B4-BE49-F238E27FC236}">
+                  <a16:creationId xmlns:a16="http://schemas.microsoft.com/office/drawing/2014/main" id="{86EA3707-5308-4E7C-0A4E-BCDE3A0CFD43}"/>
+                </a:ext>
+              </a:extLst>
+            </p:cNvPr>
+            <p:cNvCxnSpPr>
+              <a:cxnSpLocks/>
+            </p:cNvCxnSpPr>
+            <p:nvPr/>
+          </p:nvCxnSpPr>
+          <p:spPr>
+            <a:xfrm flipH="1">
+              <a:off x="2856557" y="5650993"/>
+              <a:ext cx="270691" cy="166844"/>
+            </a:xfrm>
+            <a:prstGeom prst="line">
+              <a:avLst/>
+            </a:prstGeom>
+          </p:spPr>
+          <p:style>
+            <a:lnRef idx="1">
+              <a:schemeClr val="accent1"/>
+            </a:lnRef>
+            <a:fillRef idx="0">
+              <a:schemeClr val="accent1"/>
+            </a:fillRef>
+            <a:effectRef idx="0">
+              <a:schemeClr val="accent1"/>
+            </a:effectRef>
+            <a:fontRef idx="minor">
+              <a:schemeClr val="tx1"/>
+            </a:fontRef>
+          </p:style>
+        </p:cxnSp>
+        <p:pic>
+          <p:nvPicPr>
+            <p:cNvPr id="113" name="Picture 4" descr="icon icon, lock icon">
+              <a:extLst>
+                <a:ext uri="{FF2B5EF4-FFF2-40B4-BE49-F238E27FC236}">
+                  <a16:creationId xmlns:a16="http://schemas.microsoft.com/office/drawing/2014/main" id="{474BE6DD-F870-8350-7B5A-C95682B4DBFD}"/>
+                </a:ext>
+              </a:extLst>
+            </p:cNvPr>
+            <p:cNvPicPr>
+              <a:picLocks noChangeAspect="1" noChangeArrowheads="1"/>
+            </p:cNvPicPr>
+            <p:nvPr/>
+          </p:nvPicPr>
+          <p:blipFill>
+            <a:blip r:embed="rId3">
+              <a:extLst>
+                <a:ext uri="{28A0092B-C50C-407E-A947-70E740481C1C}">
+                  <a14:useLocalDpi xmlns:a14="http://schemas.microsoft.com/office/drawing/2010/main" val="0"/>
+                </a:ext>
+              </a:extLst>
+            </a:blip>
+            <a:srcRect/>
+            <a:stretch>
+              <a:fillRect/>
+            </a:stretch>
+          </p:blipFill>
+          <p:spPr bwMode="auto">
+            <a:xfrm>
+              <a:off x="2771225" y="5817837"/>
+              <a:ext cx="166845" cy="166845"/>
+            </a:xfrm>
+            <a:prstGeom prst="rect">
+              <a:avLst/>
+            </a:prstGeom>
+            <a:noFill/>
+            <a:extLst>
+              <a:ext uri="{909E8E84-426E-40DD-AFC4-6F175D3DCCD1}">
+                <a14:hiddenFill xmlns:a14="http://schemas.microsoft.com/office/drawing/2010/main">
+                  <a:solidFill>
+                    <a:srgbClr val="FFFFFF"/>
+                  </a:solidFill>
+                </a14:hiddenFill>
+              </a:ext>
+            </a:extLst>
+          </p:spPr>
+        </p:pic>
+      </p:grpSp>
+      <p:grpSp>
+        <p:nvGrpSpPr>
+          <p:cNvPr id="114" name="Group 113">
+            <a:extLst>
+              <a:ext uri="{FF2B5EF4-FFF2-40B4-BE49-F238E27FC236}">
+                <a16:creationId xmlns:a16="http://schemas.microsoft.com/office/drawing/2014/main" id="{B048E47D-D366-D35D-A546-4EA6DCE5A860}"/>
+              </a:ext>
+            </a:extLst>
+          </p:cNvPr>
+          <p:cNvGrpSpPr/>
+          <p:nvPr/>
+        </p:nvGrpSpPr>
+        <p:grpSpPr>
+          <a:xfrm>
+            <a:off x="9229985" y="5835112"/>
+            <a:ext cx="352339" cy="217169"/>
+            <a:chOff x="2582047" y="5650993"/>
+            <a:chExt cx="545201" cy="336042"/>
+          </a:xfrm>
+        </p:grpSpPr>
+        <p:sp>
+          <p:nvSpPr>
+            <p:cNvPr id="115" name="Rectangle 114">
+              <a:extLst>
+                <a:ext uri="{FF2B5EF4-FFF2-40B4-BE49-F238E27FC236}">
+                  <a16:creationId xmlns:a16="http://schemas.microsoft.com/office/drawing/2014/main" id="{66F0BFA9-9F20-6C64-0833-3FAF608FACEE}"/>
+                </a:ext>
+              </a:extLst>
+            </p:cNvPr>
+            <p:cNvSpPr/>
+            <p:nvPr/>
+          </p:nvSpPr>
+          <p:spPr>
+            <a:xfrm>
+              <a:off x="2582047" y="5650993"/>
+              <a:ext cx="545201" cy="336042"/>
+            </a:xfrm>
+            <a:prstGeom prst="rect">
+              <a:avLst/>
+            </a:prstGeom>
+            <a:noFill/>
+          </p:spPr>
+          <p:style>
+            <a:lnRef idx="2">
+              <a:schemeClr val="accent1">
+                <a:shade val="50000"/>
+              </a:schemeClr>
+            </a:lnRef>
+            <a:fillRef idx="1">
+              <a:schemeClr val="accent1"/>
+            </a:fillRef>
+            <a:effectRef idx="0">
+              <a:schemeClr val="accent1"/>
+            </a:effectRef>
+            <a:fontRef idx="minor">
+              <a:schemeClr val="lt1"/>
+            </a:fontRef>
+          </p:style>
+          <p:txBody>
+            <a:bodyPr rtlCol="0" anchor="ctr"/>
+            <a:lstStyle/>
+            <a:p>
+              <a:pPr algn="ctr"/>
+              <a:endParaRPr lang="es-419" dirty="0">
+                <a:solidFill>
+                  <a:sysClr val="windowText" lastClr="000000"/>
+                </a:solidFill>
+              </a:endParaRPr>
+            </a:p>
+          </p:txBody>
+        </p:sp>
+        <p:cxnSp>
+          <p:nvCxnSpPr>
+            <p:cNvPr id="116" name="Straight Connector 115">
+              <a:extLst>
+                <a:ext uri="{FF2B5EF4-FFF2-40B4-BE49-F238E27FC236}">
+                  <a16:creationId xmlns:a16="http://schemas.microsoft.com/office/drawing/2014/main" id="{EE095D84-7A78-E633-29D8-651309FB24A9}"/>
+                </a:ext>
+              </a:extLst>
+            </p:cNvPr>
+            <p:cNvCxnSpPr>
+              <a:cxnSpLocks/>
+            </p:cNvCxnSpPr>
+            <p:nvPr/>
+          </p:nvCxnSpPr>
+          <p:spPr>
+            <a:xfrm>
+              <a:off x="2582047" y="5650993"/>
+              <a:ext cx="270691" cy="166844"/>
+            </a:xfrm>
+            <a:prstGeom prst="line">
+              <a:avLst/>
+            </a:prstGeom>
+          </p:spPr>
+          <p:style>
+            <a:lnRef idx="1">
+              <a:schemeClr val="accent1"/>
+            </a:lnRef>
+            <a:fillRef idx="0">
+              <a:schemeClr val="accent1"/>
+            </a:fillRef>
+            <a:effectRef idx="0">
+              <a:schemeClr val="accent1"/>
+            </a:effectRef>
+            <a:fontRef idx="minor">
+              <a:schemeClr val="tx1"/>
+            </a:fontRef>
+          </p:style>
+        </p:cxnSp>
+        <p:cxnSp>
+          <p:nvCxnSpPr>
+            <p:cNvPr id="117" name="Straight Connector 116">
+              <a:extLst>
+                <a:ext uri="{FF2B5EF4-FFF2-40B4-BE49-F238E27FC236}">
+                  <a16:creationId xmlns:a16="http://schemas.microsoft.com/office/drawing/2014/main" id="{A6162A9F-CA7A-7E30-4CC6-132BD9E567E6}"/>
+                </a:ext>
+              </a:extLst>
+            </p:cNvPr>
+            <p:cNvCxnSpPr>
+              <a:cxnSpLocks/>
+            </p:cNvCxnSpPr>
+            <p:nvPr/>
+          </p:nvCxnSpPr>
+          <p:spPr>
+            <a:xfrm flipH="1">
+              <a:off x="2856557" y="5650993"/>
+              <a:ext cx="270691" cy="166844"/>
+            </a:xfrm>
+            <a:prstGeom prst="line">
+              <a:avLst/>
+            </a:prstGeom>
+          </p:spPr>
+          <p:style>
+            <a:lnRef idx="1">
+              <a:schemeClr val="accent1"/>
+            </a:lnRef>
+            <a:fillRef idx="0">
+              <a:schemeClr val="accent1"/>
+            </a:fillRef>
+            <a:effectRef idx="0">
+              <a:schemeClr val="accent1"/>
+            </a:effectRef>
+            <a:fontRef idx="minor">
+              <a:schemeClr val="tx1"/>
+            </a:fontRef>
+          </p:style>
+        </p:cxnSp>
+        <p:pic>
+          <p:nvPicPr>
+            <p:cNvPr id="118" name="Picture 4" descr="icon icon, lock icon">
+              <a:extLst>
+                <a:ext uri="{FF2B5EF4-FFF2-40B4-BE49-F238E27FC236}">
+                  <a16:creationId xmlns:a16="http://schemas.microsoft.com/office/drawing/2014/main" id="{EAF4D0F3-852B-53B6-CEC1-38F42CFCC985}"/>
+                </a:ext>
+              </a:extLst>
+            </p:cNvPr>
+            <p:cNvPicPr>
+              <a:picLocks noChangeAspect="1" noChangeArrowheads="1"/>
+            </p:cNvPicPr>
+            <p:nvPr/>
+          </p:nvPicPr>
+          <p:blipFill>
+            <a:blip r:embed="rId3">
+              <a:extLst>
+                <a:ext uri="{28A0092B-C50C-407E-A947-70E740481C1C}">
+                  <a14:useLocalDpi xmlns:a14="http://schemas.microsoft.com/office/drawing/2010/main" val="0"/>
+                </a:ext>
+              </a:extLst>
+            </a:blip>
+            <a:srcRect/>
+            <a:stretch>
+              <a:fillRect/>
+            </a:stretch>
+          </p:blipFill>
+          <p:spPr bwMode="auto">
+            <a:xfrm>
+              <a:off x="2771225" y="5817837"/>
+              <a:ext cx="166845" cy="166845"/>
+            </a:xfrm>
+            <a:prstGeom prst="rect">
+              <a:avLst/>
+            </a:prstGeom>
+            <a:noFill/>
+            <a:extLst>
+              <a:ext uri="{909E8E84-426E-40DD-AFC4-6F175D3DCCD1}">
+                <a14:hiddenFill xmlns:a14="http://schemas.microsoft.com/office/drawing/2010/main">
+                  <a:solidFill>
+                    <a:srgbClr val="FFFFFF"/>
+                  </a:solidFill>
+                </a14:hiddenFill>
+              </a:ext>
+            </a:extLst>
+          </p:spPr>
+        </p:pic>
+      </p:grpSp>
+      <p:grpSp>
+        <p:nvGrpSpPr>
+          <p:cNvPr id="119" name="Group 118">
+            <a:extLst>
+              <a:ext uri="{FF2B5EF4-FFF2-40B4-BE49-F238E27FC236}">
+                <a16:creationId xmlns:a16="http://schemas.microsoft.com/office/drawing/2014/main" id="{C7632708-C4BF-F29F-25E8-F9F7E7492BA7}"/>
+              </a:ext>
+            </a:extLst>
+          </p:cNvPr>
+          <p:cNvGrpSpPr/>
+          <p:nvPr/>
+        </p:nvGrpSpPr>
+        <p:grpSpPr>
+          <a:xfrm>
+            <a:off x="9717207" y="5835112"/>
+            <a:ext cx="352339" cy="217169"/>
+            <a:chOff x="2582047" y="5650993"/>
+            <a:chExt cx="545201" cy="336042"/>
+          </a:xfrm>
+        </p:grpSpPr>
+        <p:sp>
+          <p:nvSpPr>
+            <p:cNvPr id="120" name="Rectangle 119">
+              <a:extLst>
+                <a:ext uri="{FF2B5EF4-FFF2-40B4-BE49-F238E27FC236}">
+                  <a16:creationId xmlns:a16="http://schemas.microsoft.com/office/drawing/2014/main" id="{923E7980-4743-D059-F586-485018E18CB3}"/>
+                </a:ext>
+              </a:extLst>
+            </p:cNvPr>
+            <p:cNvSpPr/>
+            <p:nvPr/>
+          </p:nvSpPr>
+          <p:spPr>
+            <a:xfrm>
+              <a:off x="2582047" y="5650993"/>
+              <a:ext cx="545201" cy="336042"/>
+            </a:xfrm>
+            <a:prstGeom prst="rect">
+              <a:avLst/>
+            </a:prstGeom>
+            <a:noFill/>
+          </p:spPr>
+          <p:style>
+            <a:lnRef idx="2">
+              <a:schemeClr val="accent1">
+                <a:shade val="50000"/>
+              </a:schemeClr>
+            </a:lnRef>
+            <a:fillRef idx="1">
+              <a:schemeClr val="accent1"/>
+            </a:fillRef>
+            <a:effectRef idx="0">
+              <a:schemeClr val="accent1"/>
+            </a:effectRef>
+            <a:fontRef idx="minor">
+              <a:schemeClr val="lt1"/>
+            </a:fontRef>
+          </p:style>
+          <p:txBody>
+            <a:bodyPr rtlCol="0" anchor="ctr"/>
+            <a:lstStyle/>
+            <a:p>
+              <a:pPr algn="ctr"/>
+              <a:endParaRPr lang="es-419" dirty="0">
+                <a:solidFill>
+                  <a:sysClr val="windowText" lastClr="000000"/>
+                </a:solidFill>
+              </a:endParaRPr>
+            </a:p>
+          </p:txBody>
+        </p:sp>
+        <p:cxnSp>
+          <p:nvCxnSpPr>
+            <p:cNvPr id="121" name="Straight Connector 120">
+              <a:extLst>
+                <a:ext uri="{FF2B5EF4-FFF2-40B4-BE49-F238E27FC236}">
+                  <a16:creationId xmlns:a16="http://schemas.microsoft.com/office/drawing/2014/main" id="{4DCA8298-8717-C8AD-94C7-2CF06D27EDB7}"/>
+                </a:ext>
+              </a:extLst>
+            </p:cNvPr>
+            <p:cNvCxnSpPr>
+              <a:cxnSpLocks/>
+            </p:cNvCxnSpPr>
+            <p:nvPr/>
+          </p:nvCxnSpPr>
+          <p:spPr>
+            <a:xfrm>
+              <a:off x="2582047" y="5650993"/>
+              <a:ext cx="270691" cy="166844"/>
+            </a:xfrm>
+            <a:prstGeom prst="line">
+              <a:avLst/>
+            </a:prstGeom>
+          </p:spPr>
+          <p:style>
+            <a:lnRef idx="1">
+              <a:schemeClr val="accent1"/>
+            </a:lnRef>
+            <a:fillRef idx="0">
+              <a:schemeClr val="accent1"/>
+            </a:fillRef>
+            <a:effectRef idx="0">
+              <a:schemeClr val="accent1"/>
+            </a:effectRef>
+            <a:fontRef idx="minor">
+              <a:schemeClr val="tx1"/>
+            </a:fontRef>
+          </p:style>
+        </p:cxnSp>
+        <p:cxnSp>
+          <p:nvCxnSpPr>
+            <p:cNvPr id="122" name="Straight Connector 121">
+              <a:extLst>
+                <a:ext uri="{FF2B5EF4-FFF2-40B4-BE49-F238E27FC236}">
+                  <a16:creationId xmlns:a16="http://schemas.microsoft.com/office/drawing/2014/main" id="{6C220B2F-E645-85B0-243F-E00E8028129A}"/>
+                </a:ext>
+              </a:extLst>
+            </p:cNvPr>
+            <p:cNvCxnSpPr>
+              <a:cxnSpLocks/>
+            </p:cNvCxnSpPr>
+            <p:nvPr/>
+          </p:nvCxnSpPr>
+          <p:spPr>
+            <a:xfrm flipH="1">
+              <a:off x="2856557" y="5650993"/>
+              <a:ext cx="270691" cy="166844"/>
+            </a:xfrm>
+            <a:prstGeom prst="line">
+              <a:avLst/>
+            </a:prstGeom>
+          </p:spPr>
+          <p:style>
+            <a:lnRef idx="1">
+              <a:schemeClr val="accent1"/>
+            </a:lnRef>
+            <a:fillRef idx="0">
+              <a:schemeClr val="accent1"/>
+            </a:fillRef>
+            <a:effectRef idx="0">
+              <a:schemeClr val="accent1"/>
+            </a:effectRef>
+            <a:fontRef idx="minor">
+              <a:schemeClr val="tx1"/>
+            </a:fontRef>
+          </p:style>
+        </p:cxnSp>
+        <p:pic>
+          <p:nvPicPr>
+            <p:cNvPr id="123" name="Picture 4" descr="icon icon, lock icon">
+              <a:extLst>
+                <a:ext uri="{FF2B5EF4-FFF2-40B4-BE49-F238E27FC236}">
+                  <a16:creationId xmlns:a16="http://schemas.microsoft.com/office/drawing/2014/main" id="{1D23596F-6BF9-9C2D-A4BF-7A3FF4EA1009}"/>
+                </a:ext>
+              </a:extLst>
+            </p:cNvPr>
+            <p:cNvPicPr>
+              <a:picLocks noChangeAspect="1" noChangeArrowheads="1"/>
+            </p:cNvPicPr>
+            <p:nvPr/>
+          </p:nvPicPr>
+          <p:blipFill>
+            <a:blip r:embed="rId3">
+              <a:extLst>
+                <a:ext uri="{28A0092B-C50C-407E-A947-70E740481C1C}">
+                  <a14:useLocalDpi xmlns:a14="http://schemas.microsoft.com/office/drawing/2010/main" val="0"/>
+                </a:ext>
+              </a:extLst>
+            </a:blip>
+            <a:srcRect/>
+            <a:stretch>
+              <a:fillRect/>
+            </a:stretch>
+          </p:blipFill>
+          <p:spPr bwMode="auto">
+            <a:xfrm>
+              <a:off x="2771225" y="5817837"/>
+              <a:ext cx="166845" cy="166845"/>
+            </a:xfrm>
+            <a:prstGeom prst="rect">
+              <a:avLst/>
+            </a:prstGeom>
+            <a:noFill/>
+            <a:extLst>
+              <a:ext uri="{909E8E84-426E-40DD-AFC4-6F175D3DCCD1}">
+                <a14:hiddenFill xmlns:a14="http://schemas.microsoft.com/office/drawing/2010/main">
+                  <a:solidFill>
+                    <a:srgbClr val="FFFFFF"/>
+                  </a:solidFill>
+                </a14:hiddenFill>
+              </a:ext>
+            </a:extLst>
+          </p:spPr>
+        </p:pic>
+      </p:grpSp>
+      <p:grpSp>
+        <p:nvGrpSpPr>
+          <p:cNvPr id="124" name="Group 123">
+            <a:extLst>
+              <a:ext uri="{FF2B5EF4-FFF2-40B4-BE49-F238E27FC236}">
+                <a16:creationId xmlns:a16="http://schemas.microsoft.com/office/drawing/2014/main" id="{3274EC33-0B7A-3EC5-89F3-E4AD1FB46723}"/>
+              </a:ext>
+            </a:extLst>
+          </p:cNvPr>
+          <p:cNvGrpSpPr/>
+          <p:nvPr/>
+        </p:nvGrpSpPr>
+        <p:grpSpPr>
+          <a:xfrm>
+            <a:off x="10193457" y="5835112"/>
+            <a:ext cx="352339" cy="217169"/>
+            <a:chOff x="2582047" y="5650993"/>
+            <a:chExt cx="545201" cy="336042"/>
+          </a:xfrm>
+        </p:grpSpPr>
+        <p:sp>
+          <p:nvSpPr>
+            <p:cNvPr id="125" name="Rectangle 124">
+              <a:extLst>
+                <a:ext uri="{FF2B5EF4-FFF2-40B4-BE49-F238E27FC236}">
+                  <a16:creationId xmlns:a16="http://schemas.microsoft.com/office/drawing/2014/main" id="{8D7D77C1-C6D4-EB1E-6A06-D257673F8CA6}"/>
+                </a:ext>
+              </a:extLst>
+            </p:cNvPr>
+            <p:cNvSpPr/>
+            <p:nvPr/>
+          </p:nvSpPr>
+          <p:spPr>
+            <a:xfrm>
+              <a:off x="2582047" y="5650993"/>
+              <a:ext cx="545201" cy="336042"/>
+            </a:xfrm>
+            <a:prstGeom prst="rect">
+              <a:avLst/>
+            </a:prstGeom>
+            <a:noFill/>
+          </p:spPr>
+          <p:style>
+            <a:lnRef idx="2">
+              <a:schemeClr val="accent1">
+                <a:shade val="50000"/>
+              </a:schemeClr>
+            </a:lnRef>
+            <a:fillRef idx="1">
+              <a:schemeClr val="accent1"/>
+            </a:fillRef>
+            <a:effectRef idx="0">
+              <a:schemeClr val="accent1"/>
+            </a:effectRef>
+            <a:fontRef idx="minor">
+              <a:schemeClr val="lt1"/>
+            </a:fontRef>
+          </p:style>
+          <p:txBody>
+            <a:bodyPr rtlCol="0" anchor="ctr"/>
+            <a:lstStyle/>
+            <a:p>
+              <a:pPr algn="ctr"/>
+              <a:endParaRPr lang="es-419" dirty="0">
+                <a:solidFill>
+                  <a:sysClr val="windowText" lastClr="000000"/>
+                </a:solidFill>
+              </a:endParaRPr>
+            </a:p>
+          </p:txBody>
+        </p:sp>
+        <p:cxnSp>
+          <p:nvCxnSpPr>
+            <p:cNvPr id="126" name="Straight Connector 125">
+              <a:extLst>
+                <a:ext uri="{FF2B5EF4-FFF2-40B4-BE49-F238E27FC236}">
+                  <a16:creationId xmlns:a16="http://schemas.microsoft.com/office/drawing/2014/main" id="{777A0CCB-F555-867C-1958-F485A4C02DDA}"/>
+                </a:ext>
+              </a:extLst>
+            </p:cNvPr>
+            <p:cNvCxnSpPr>
+              <a:cxnSpLocks/>
+            </p:cNvCxnSpPr>
+            <p:nvPr/>
+          </p:nvCxnSpPr>
+          <p:spPr>
+            <a:xfrm>
+              <a:off x="2582047" y="5650993"/>
+              <a:ext cx="270691" cy="166844"/>
+            </a:xfrm>
+            <a:prstGeom prst="line">
+              <a:avLst/>
+            </a:prstGeom>
+          </p:spPr>
+          <p:style>
+            <a:lnRef idx="1">
+              <a:schemeClr val="accent1"/>
+            </a:lnRef>
+            <a:fillRef idx="0">
+              <a:schemeClr val="accent1"/>
+            </a:fillRef>
+            <a:effectRef idx="0">
+              <a:schemeClr val="accent1"/>
+            </a:effectRef>
+            <a:fontRef idx="minor">
+              <a:schemeClr val="tx1"/>
+            </a:fontRef>
+          </p:style>
+        </p:cxnSp>
+        <p:cxnSp>
+          <p:nvCxnSpPr>
+            <p:cNvPr id="127" name="Straight Connector 126">
+              <a:extLst>
+                <a:ext uri="{FF2B5EF4-FFF2-40B4-BE49-F238E27FC236}">
+                  <a16:creationId xmlns:a16="http://schemas.microsoft.com/office/drawing/2014/main" id="{E421EDA4-C6E0-3AFA-6A26-3245F56186C7}"/>
+                </a:ext>
+              </a:extLst>
+            </p:cNvPr>
+            <p:cNvCxnSpPr>
+              <a:cxnSpLocks/>
+            </p:cNvCxnSpPr>
+            <p:nvPr/>
+          </p:nvCxnSpPr>
+          <p:spPr>
+            <a:xfrm flipH="1">
+              <a:off x="2856557" y="5650993"/>
+              <a:ext cx="270691" cy="166844"/>
+            </a:xfrm>
+            <a:prstGeom prst="line">
+              <a:avLst/>
+            </a:prstGeom>
+          </p:spPr>
+          <p:style>
+            <a:lnRef idx="1">
+              <a:schemeClr val="accent1"/>
+            </a:lnRef>
+            <a:fillRef idx="0">
+              <a:schemeClr val="accent1"/>
+            </a:fillRef>
+            <a:effectRef idx="0">
+              <a:schemeClr val="accent1"/>
+            </a:effectRef>
+            <a:fontRef idx="minor">
+              <a:schemeClr val="tx1"/>
+            </a:fontRef>
+          </p:style>
+        </p:cxnSp>
+        <p:pic>
+          <p:nvPicPr>
+            <p:cNvPr id="128" name="Picture 4" descr="icon icon, lock icon">
+              <a:extLst>
+                <a:ext uri="{FF2B5EF4-FFF2-40B4-BE49-F238E27FC236}">
+                  <a16:creationId xmlns:a16="http://schemas.microsoft.com/office/drawing/2014/main" id="{75CE5088-8878-DB51-B4CD-FC58CD2CC75A}"/>
+                </a:ext>
+              </a:extLst>
+            </p:cNvPr>
+            <p:cNvPicPr>
+              <a:picLocks noChangeAspect="1" noChangeArrowheads="1"/>
+            </p:cNvPicPr>
+            <p:nvPr/>
+          </p:nvPicPr>
+          <p:blipFill>
+            <a:blip r:embed="rId3">
+              <a:extLst>
+                <a:ext uri="{28A0092B-C50C-407E-A947-70E740481C1C}">
+                  <a14:useLocalDpi xmlns:a14="http://schemas.microsoft.com/office/drawing/2010/main" val="0"/>
+                </a:ext>
+              </a:extLst>
+            </a:blip>
+            <a:srcRect/>
+            <a:stretch>
+              <a:fillRect/>
+            </a:stretch>
+          </p:blipFill>
+          <p:spPr bwMode="auto">
+            <a:xfrm>
+              <a:off x="2771225" y="5817837"/>
+              <a:ext cx="166845" cy="166845"/>
+            </a:xfrm>
+            <a:prstGeom prst="rect">
+              <a:avLst/>
+            </a:prstGeom>
+            <a:noFill/>
+            <a:extLst>
+              <a:ext uri="{909E8E84-426E-40DD-AFC4-6F175D3DCCD1}">
+                <a14:hiddenFill xmlns:a14="http://schemas.microsoft.com/office/drawing/2010/main">
+                  <a:solidFill>
+                    <a:srgbClr val="FFFFFF"/>
+                  </a:solidFill>
+                </a14:hiddenFill>
+              </a:ext>
+            </a:extLst>
+          </p:spPr>
+        </p:pic>
+      </p:grpSp>
+      <p:sp>
+        <p:nvSpPr>
+          <p:cNvPr id="129" name="TextBox 128">
+            <a:extLst>
+              <a:ext uri="{FF2B5EF4-FFF2-40B4-BE49-F238E27FC236}">
+                <a16:creationId xmlns:a16="http://schemas.microsoft.com/office/drawing/2014/main" id="{261DA7C4-5849-9164-0A66-5D9FFA7B6F7B}"/>
+              </a:ext>
+            </a:extLst>
+          </p:cNvPr>
+          <p:cNvSpPr txBox="1"/>
+          <p:nvPr/>
+        </p:nvSpPr>
+        <p:spPr>
+          <a:xfrm>
+            <a:off x="8357642" y="5874168"/>
+            <a:ext cx="369012" cy="253916"/>
+          </a:xfrm>
+          <a:prstGeom prst="rect">
+            <a:avLst/>
+          </a:prstGeom>
+          <a:noFill/>
+        </p:spPr>
+        <p:txBody>
+          <a:bodyPr wrap="none" rtlCol="0">
+            <a:spAutoFit/>
+          </a:bodyPr>
+          <a:lstStyle/>
+          <a:p>
+            <a:r>
+              <a:rPr lang="es-419" sz="1050" dirty="0"/>
+              <a:t>TLS</a:t>
+            </a:r>
+          </a:p>
+        </p:txBody>
+      </p:sp>
+      <p:sp>
+        <p:nvSpPr>
+          <p:cNvPr id="130" name="Rectangle 129">
+            <a:extLst>
+              <a:ext uri="{FF2B5EF4-FFF2-40B4-BE49-F238E27FC236}">
+                <a16:creationId xmlns:a16="http://schemas.microsoft.com/office/drawing/2014/main" id="{B8C678F6-B309-00D0-73AC-8FEAD4998996}"/>
+              </a:ext>
+            </a:extLst>
+          </p:cNvPr>
+          <p:cNvSpPr/>
+          <p:nvPr/>
+        </p:nvSpPr>
+        <p:spPr>
+          <a:xfrm>
+            <a:off x="10336031" y="3559302"/>
+            <a:ext cx="1431884" cy="754380"/>
+          </a:xfrm>
+          <a:prstGeom prst="rect">
+            <a:avLst/>
+          </a:prstGeom>
+          <a:noFill/>
+        </p:spPr>
+        <p:style>
+          <a:lnRef idx="2">
+            <a:schemeClr val="accent1">
+              <a:shade val="50000"/>
+            </a:schemeClr>
+          </a:lnRef>
+          <a:fillRef idx="1">
+            <a:schemeClr val="accent1"/>
+          </a:fillRef>
+          <a:effectRef idx="0">
+            <a:schemeClr val="accent1"/>
+          </a:effectRef>
+          <a:fontRef idx="minor">
+            <a:schemeClr val="lt1"/>
+          </a:fontRef>
+        </p:style>
+        <p:txBody>
+          <a:bodyPr rtlCol="0" anchor="ctr"/>
+          <a:lstStyle/>
+          <a:p>
+            <a:pPr algn="ctr"/>
+            <a:r>
+              <a:rPr lang="es-419" dirty="0" err="1">
+                <a:solidFill>
+                  <a:sysClr val="windowText" lastClr="000000"/>
+                </a:solidFill>
+              </a:rPr>
+              <a:t>IdP</a:t>
+            </a:r>
+            <a:endParaRPr lang="es-419" dirty="0">
+              <a:solidFill>
+                <a:sysClr val="windowText" lastClr="000000"/>
+              </a:solidFill>
+            </a:endParaRPr>
+          </a:p>
+        </p:txBody>
+      </p:sp>
+      <p:sp>
+        <p:nvSpPr>
+          <p:cNvPr id="131" name="Rectangle 130">
+            <a:extLst>
+              <a:ext uri="{FF2B5EF4-FFF2-40B4-BE49-F238E27FC236}">
+                <a16:creationId xmlns:a16="http://schemas.microsoft.com/office/drawing/2014/main" id="{38FF30DE-BA75-5444-2B02-03887E6DEEE3}"/>
+              </a:ext>
+            </a:extLst>
+          </p:cNvPr>
+          <p:cNvSpPr/>
+          <p:nvPr/>
+        </p:nvSpPr>
+        <p:spPr>
+          <a:xfrm>
+            <a:off x="10336031" y="3559302"/>
+            <a:ext cx="1431884" cy="754380"/>
+          </a:xfrm>
+          <a:prstGeom prst="rect">
+            <a:avLst/>
+          </a:prstGeom>
+          <a:noFill/>
+        </p:spPr>
+        <p:style>
+          <a:lnRef idx="2">
+            <a:schemeClr val="accent1">
+              <a:shade val="50000"/>
+            </a:schemeClr>
+          </a:lnRef>
+          <a:fillRef idx="1">
+            <a:schemeClr val="accent1"/>
+          </a:fillRef>
+          <a:effectRef idx="0">
+            <a:schemeClr val="accent1"/>
+          </a:effectRef>
+          <a:fontRef idx="minor">
+            <a:schemeClr val="lt1"/>
+          </a:fontRef>
+        </p:style>
+        <p:txBody>
+          <a:bodyPr rtlCol="0" anchor="ctr"/>
+          <a:lstStyle/>
+          <a:p>
+            <a:pPr algn="ctr"/>
+            <a:r>
+              <a:rPr lang="es-419" dirty="0" err="1">
+                <a:solidFill>
+                  <a:sysClr val="windowText" lastClr="000000"/>
+                </a:solidFill>
+              </a:rPr>
+              <a:t>IdP</a:t>
+            </a:r>
+            <a:endParaRPr lang="es-419" dirty="0">
+              <a:solidFill>
+                <a:sysClr val="windowText" lastClr="000000"/>
+              </a:solidFill>
+            </a:endParaRPr>
+          </a:p>
+        </p:txBody>
+      </p:sp>
+      <p:cxnSp>
+        <p:nvCxnSpPr>
+          <p:cNvPr id="132" name="Connector: Curved 131">
+            <a:extLst>
+              <a:ext uri="{FF2B5EF4-FFF2-40B4-BE49-F238E27FC236}">
+                <a16:creationId xmlns:a16="http://schemas.microsoft.com/office/drawing/2014/main" id="{1E6A48EB-E026-F689-F52D-FE94B254C13C}"/>
+              </a:ext>
+            </a:extLst>
+          </p:cNvPr>
+          <p:cNvCxnSpPr>
+            <a:cxnSpLocks/>
+          </p:cNvCxnSpPr>
+          <p:nvPr/>
+        </p:nvCxnSpPr>
+        <p:spPr>
+          <a:xfrm rot="5400000" flipH="1" flipV="1">
+            <a:off x="7378363" y="2348568"/>
+            <a:ext cx="1369743" cy="4545593"/>
+          </a:xfrm>
+          <a:prstGeom prst="curvedConnector2">
+            <a:avLst/>
+          </a:prstGeom>
+          <a:ln>
+            <a:tailEnd type="triangle"/>
+          </a:ln>
+        </p:spPr>
+        <p:style>
+          <a:lnRef idx="1">
+            <a:schemeClr val="accent1"/>
+          </a:lnRef>
+          <a:fillRef idx="0">
+            <a:schemeClr val="accent1"/>
+          </a:fillRef>
+          <a:effectRef idx="0">
+            <a:schemeClr val="accent1"/>
+          </a:effectRef>
+          <a:fontRef idx="minor">
+            <a:schemeClr val="tx1"/>
+          </a:fontRef>
+        </p:style>
+      </p:cxnSp>
+      <p:cxnSp>
+        <p:nvCxnSpPr>
+          <p:cNvPr id="133" name="Connector: Curved 132">
+            <a:extLst>
+              <a:ext uri="{FF2B5EF4-FFF2-40B4-BE49-F238E27FC236}">
+                <a16:creationId xmlns:a16="http://schemas.microsoft.com/office/drawing/2014/main" id="{4D0F396D-915E-FF93-6F37-FD4C9F333528}"/>
+              </a:ext>
+            </a:extLst>
+          </p:cNvPr>
+          <p:cNvCxnSpPr/>
+          <p:nvPr/>
+        </p:nvCxnSpPr>
+        <p:spPr>
+          <a:xfrm flipV="1">
+            <a:off x="11545588" y="3936492"/>
+            <a:ext cx="222327" cy="1703499"/>
+          </a:xfrm>
+          <a:prstGeom prst="curvedConnector3">
+            <a:avLst>
+              <a:gd name="adj1" fmla="val 202822"/>
+            </a:avLst>
+          </a:prstGeom>
+          <a:ln>
+            <a:tailEnd type="triangle"/>
+          </a:ln>
+        </p:spPr>
+        <p:style>
+          <a:lnRef idx="1">
+            <a:schemeClr val="accent1"/>
+          </a:lnRef>
+          <a:fillRef idx="0">
+            <a:schemeClr val="accent1"/>
+          </a:fillRef>
+          <a:effectRef idx="0">
+            <a:schemeClr val="accent1"/>
+          </a:effectRef>
+          <a:fontRef idx="minor">
+            <a:schemeClr val="tx1"/>
+          </a:fontRef>
+        </p:style>
+      </p:cxnSp>
+      <p:pic>
+        <p:nvPicPr>
+          <p:cNvPr id="135" name="Picture 2" descr="Key Icon Black Thin Line Gráfico por deniprianggono78 · Creative Fabrica">
+            <a:extLst>
+              <a:ext uri="{FF2B5EF4-FFF2-40B4-BE49-F238E27FC236}">
+                <a16:creationId xmlns:a16="http://schemas.microsoft.com/office/drawing/2014/main" id="{D8B0DEDA-D2EF-EC9B-5FEC-0E1ED7C81787}"/>
+              </a:ext>
+            </a:extLst>
+          </p:cNvPr>
+          <p:cNvPicPr>
+            <a:picLocks noChangeAspect="1" noChangeArrowheads="1"/>
+          </p:cNvPicPr>
+          <p:nvPr/>
+        </p:nvPicPr>
+        <p:blipFill>
+          <a:blip r:embed="rId2">
+            <a:extLst>
+              <a:ext uri="{28A0092B-C50C-407E-A947-70E740481C1C}">
+                <a14:useLocalDpi xmlns:a14="http://schemas.microsoft.com/office/drawing/2010/main" val="0"/>
+              </a:ext>
+            </a:extLst>
+          </a:blip>
+          <a:srcRect/>
+          <a:stretch>
+            <a:fillRect/>
+          </a:stretch>
+        </p:blipFill>
+        <p:spPr bwMode="auto">
+          <a:xfrm>
+            <a:off x="7530327" y="4387560"/>
+            <a:ext cx="465974" cy="310114"/>
+          </a:xfrm>
+          <a:prstGeom prst="rect">
+            <a:avLst/>
+          </a:prstGeom>
+          <a:noFill/>
+          <a:extLst>
+            <a:ext uri="{909E8E84-426E-40DD-AFC4-6F175D3DCCD1}">
+              <a14:hiddenFill xmlns:a14="http://schemas.microsoft.com/office/drawing/2010/main">
+                <a:solidFill>
+                  <a:srgbClr val="FFFFFF"/>
+                </a:solidFill>
+              </a14:hiddenFill>
+            </a:ext>
+          </a:extLst>
+        </p:spPr>
+      </p:pic>
+      <p:sp>
+        <p:nvSpPr>
+          <p:cNvPr id="136" name="TextBox 135">
+            <a:extLst>
+              <a:ext uri="{FF2B5EF4-FFF2-40B4-BE49-F238E27FC236}">
+                <a16:creationId xmlns:a16="http://schemas.microsoft.com/office/drawing/2014/main" id="{76542631-6441-DC35-C0EA-2C050495A01B}"/>
+              </a:ext>
+            </a:extLst>
+          </p:cNvPr>
+          <p:cNvSpPr txBox="1"/>
+          <p:nvPr/>
+        </p:nvSpPr>
+        <p:spPr>
+          <a:xfrm>
+            <a:off x="6606031" y="4577346"/>
+            <a:ext cx="1729961" cy="253916"/>
+          </a:xfrm>
+          <a:prstGeom prst="rect">
+            <a:avLst/>
+          </a:prstGeom>
+          <a:noFill/>
+        </p:spPr>
+        <p:txBody>
+          <a:bodyPr wrap="none" rtlCol="0">
+            <a:spAutoFit/>
+          </a:bodyPr>
+          <a:lstStyle/>
+          <a:p>
+            <a:r>
+              <a:rPr lang="es-419" sz="1050" dirty="0" err="1"/>
+              <a:t>Authenticate</a:t>
+            </a:r>
+            <a:r>
+              <a:rPr lang="es-419" sz="1050" dirty="0"/>
+              <a:t> / </a:t>
+            </a:r>
+            <a:r>
+              <a:rPr lang="es-419" sz="1050" dirty="0" err="1"/>
+              <a:t>Athorization</a:t>
+            </a:r>
+            <a:endParaRPr lang="es-419" sz="1050" dirty="0"/>
+          </a:p>
+        </p:txBody>
+      </p:sp>
+      <p:sp>
+        <p:nvSpPr>
+          <p:cNvPr id="137" name="TextBox 136">
+            <a:extLst>
+              <a:ext uri="{FF2B5EF4-FFF2-40B4-BE49-F238E27FC236}">
+                <a16:creationId xmlns:a16="http://schemas.microsoft.com/office/drawing/2014/main" id="{724B7562-4A35-2EB1-C10B-C13A71D82E51}"/>
+              </a:ext>
+            </a:extLst>
+          </p:cNvPr>
+          <p:cNvSpPr txBox="1"/>
+          <p:nvPr/>
+        </p:nvSpPr>
+        <p:spPr>
+          <a:xfrm>
+            <a:off x="6606031" y="5566731"/>
+            <a:ext cx="1729961" cy="253916"/>
+          </a:xfrm>
+          <a:prstGeom prst="rect">
+            <a:avLst/>
+          </a:prstGeom>
+          <a:noFill/>
+        </p:spPr>
+        <p:txBody>
+          <a:bodyPr wrap="none" rtlCol="0">
+            <a:spAutoFit/>
+          </a:bodyPr>
+          <a:lstStyle/>
+          <a:p>
+            <a:r>
+              <a:rPr lang="es-419" sz="1050" dirty="0" err="1"/>
+              <a:t>Authenticate</a:t>
+            </a:r>
+            <a:r>
+              <a:rPr lang="es-419" sz="1050" dirty="0"/>
+              <a:t> / </a:t>
+            </a:r>
+            <a:r>
+              <a:rPr lang="es-419" sz="1050" dirty="0" err="1"/>
+              <a:t>Athorization</a:t>
+            </a:r>
+            <a:endParaRPr lang="es-419" sz="1050" dirty="0"/>
+          </a:p>
+        </p:txBody>
+      </p:sp>
+      <p:cxnSp>
+        <p:nvCxnSpPr>
+          <p:cNvPr id="138" name="Connector: Curved 137">
+            <a:extLst>
+              <a:ext uri="{FF2B5EF4-FFF2-40B4-BE49-F238E27FC236}">
+                <a16:creationId xmlns:a16="http://schemas.microsoft.com/office/drawing/2014/main" id="{D9C82ECC-0DDC-E2A7-8C84-53B5D24CB2CD}"/>
+              </a:ext>
+            </a:extLst>
+          </p:cNvPr>
+          <p:cNvCxnSpPr>
+            <a:cxnSpLocks/>
+          </p:cNvCxnSpPr>
+          <p:nvPr/>
+        </p:nvCxnSpPr>
+        <p:spPr>
+          <a:xfrm rot="5400000" flipH="1" flipV="1">
+            <a:off x="8987865" y="3483097"/>
+            <a:ext cx="894770" cy="1801561"/>
+          </a:xfrm>
+          <a:prstGeom prst="curvedConnector2">
+            <a:avLst/>
+          </a:prstGeom>
+          <a:ln>
+            <a:tailEnd type="triangle"/>
+          </a:ln>
+        </p:spPr>
+        <p:style>
+          <a:lnRef idx="1">
+            <a:schemeClr val="accent1"/>
+          </a:lnRef>
+          <a:fillRef idx="0">
+            <a:schemeClr val="accent1"/>
+          </a:fillRef>
+          <a:effectRef idx="0">
+            <a:schemeClr val="accent1"/>
+          </a:effectRef>
+          <a:fontRef idx="minor">
+            <a:schemeClr val="tx1"/>
+          </a:fontRef>
+        </p:style>
+      </p:cxnSp>
+      <p:sp>
+        <p:nvSpPr>
+          <p:cNvPr id="139" name="Cylinder 138">
+            <a:extLst>
+              <a:ext uri="{FF2B5EF4-FFF2-40B4-BE49-F238E27FC236}">
+                <a16:creationId xmlns:a16="http://schemas.microsoft.com/office/drawing/2014/main" id="{F3F17734-3FA5-E7BF-9433-9C18A5D0894D}"/>
+              </a:ext>
+            </a:extLst>
+          </p:cNvPr>
+          <p:cNvSpPr/>
+          <p:nvPr/>
+        </p:nvSpPr>
+        <p:spPr>
+          <a:xfrm>
+            <a:off x="3127248" y="5335050"/>
+            <a:ext cx="634942" cy="667504"/>
+          </a:xfrm>
+          <a:prstGeom prst="can">
+            <a:avLst/>
+          </a:prstGeom>
+          <a:noFill/>
+        </p:spPr>
+        <p:style>
+          <a:lnRef idx="2">
+            <a:schemeClr val="accent1">
+              <a:shade val="15000"/>
+            </a:schemeClr>
+          </a:lnRef>
+          <a:fillRef idx="1">
+            <a:schemeClr val="accent1"/>
+          </a:fillRef>
+          <a:effectRef idx="0">
+            <a:schemeClr val="accent1"/>
+          </a:effectRef>
+          <a:fontRef idx="minor">
+            <a:schemeClr val="lt1"/>
+          </a:fontRef>
+        </p:style>
+        <p:txBody>
+          <a:bodyPr rtlCol="0" anchor="ctr"/>
+          <a:lstStyle/>
+          <a:p>
+            <a:pPr algn="ctr"/>
+            <a:endParaRPr lang="es-419"/>
+          </a:p>
+        </p:txBody>
+      </p:sp>
+      <p:cxnSp>
+        <p:nvCxnSpPr>
+          <p:cNvPr id="140" name="Straight Arrow Connector 139">
+            <a:extLst>
+              <a:ext uri="{FF2B5EF4-FFF2-40B4-BE49-F238E27FC236}">
+                <a16:creationId xmlns:a16="http://schemas.microsoft.com/office/drawing/2014/main" id="{B158E440-CD3E-0C5E-113E-CB2688C5C61A}"/>
+              </a:ext>
+            </a:extLst>
+          </p:cNvPr>
+          <p:cNvCxnSpPr>
+            <a:endCxn id="139" idx="4"/>
+          </p:cNvCxnSpPr>
+          <p:nvPr/>
+        </p:nvCxnSpPr>
+        <p:spPr>
+          <a:xfrm flipH="1">
+            <a:off x="3762190" y="5639991"/>
+            <a:ext cx="1861370" cy="28811"/>
+          </a:xfrm>
+          <a:prstGeom prst="straightConnector1">
+            <a:avLst/>
+          </a:prstGeom>
+          <a:ln>
+            <a:tailEnd type="triangle"/>
+          </a:ln>
+        </p:spPr>
+        <p:style>
+          <a:lnRef idx="1">
+            <a:schemeClr val="accent1"/>
+          </a:lnRef>
+          <a:fillRef idx="0">
+            <a:schemeClr val="accent1"/>
+          </a:fillRef>
+          <a:effectRef idx="0">
+            <a:schemeClr val="accent1"/>
+          </a:effectRef>
+          <a:fontRef idx="minor">
+            <a:schemeClr val="tx1"/>
+          </a:fontRef>
+        </p:style>
+      </p:cxnSp>
+      <p:pic>
+        <p:nvPicPr>
+          <p:cNvPr id="141" name="Picture 4" descr="icon icon, lock icon">
+            <a:extLst>
+              <a:ext uri="{FF2B5EF4-FFF2-40B4-BE49-F238E27FC236}">
+                <a16:creationId xmlns:a16="http://schemas.microsoft.com/office/drawing/2014/main" id="{10939852-5469-8CD3-0713-B90B84D8B590}"/>
+              </a:ext>
+            </a:extLst>
+          </p:cNvPr>
+          <p:cNvPicPr>
+            <a:picLocks noChangeAspect="1" noChangeArrowheads="1"/>
+          </p:cNvPicPr>
+          <p:nvPr/>
+        </p:nvPicPr>
+        <p:blipFill>
+          <a:blip r:embed="rId3">
+            <a:extLst>
+              <a:ext uri="{28A0092B-C50C-407E-A947-70E740481C1C}">
+                <a14:useLocalDpi xmlns:a14="http://schemas.microsoft.com/office/drawing/2010/main" val="0"/>
+              </a:ext>
+            </a:extLst>
+          </a:blip>
+          <a:srcRect/>
+          <a:stretch>
+            <a:fillRect/>
+          </a:stretch>
+        </p:blipFill>
+        <p:spPr bwMode="auto">
+          <a:xfrm>
+            <a:off x="4298841" y="5356518"/>
+            <a:ext cx="238315" cy="238315"/>
+          </a:xfrm>
+          <a:prstGeom prst="rect">
+            <a:avLst/>
+          </a:prstGeom>
+          <a:noFill/>
+          <a:extLst>
+            <a:ext uri="{909E8E84-426E-40DD-AFC4-6F175D3DCCD1}">
+              <a14:hiddenFill xmlns:a14="http://schemas.microsoft.com/office/drawing/2010/main">
+                <a:solidFill>
+                  <a:srgbClr val="FFFFFF"/>
+                </a:solidFill>
+              </a14:hiddenFill>
+            </a:ext>
+          </a:extLst>
+        </p:spPr>
+      </p:pic>
+      <p:sp>
+        <p:nvSpPr>
+          <p:cNvPr id="142" name="TextBox 141">
+            <a:extLst>
+              <a:ext uri="{FF2B5EF4-FFF2-40B4-BE49-F238E27FC236}">
+                <a16:creationId xmlns:a16="http://schemas.microsoft.com/office/drawing/2014/main" id="{D9AA4B31-1AC2-6CD4-96C8-45C9FDC5364D}"/>
+              </a:ext>
+            </a:extLst>
+          </p:cNvPr>
+          <p:cNvSpPr txBox="1"/>
+          <p:nvPr/>
+        </p:nvSpPr>
+        <p:spPr>
+          <a:xfrm>
+            <a:off x="4460703" y="5366431"/>
+            <a:ext cx="570990" cy="253916"/>
+          </a:xfrm>
+          <a:prstGeom prst="rect">
+            <a:avLst/>
+          </a:prstGeom>
+          <a:noFill/>
+        </p:spPr>
+        <p:txBody>
+          <a:bodyPr wrap="none" rtlCol="0">
+            <a:spAutoFit/>
+          </a:bodyPr>
+          <a:lstStyle/>
+          <a:p>
+            <a:r>
+              <a:rPr lang="es-419" sz="1050" dirty="0"/>
+              <a:t>TLS 1.2</a:t>
+            </a:r>
+          </a:p>
+        </p:txBody>
+      </p:sp>
     </p:spTree>
     <p:extLst>
       <p:ext uri="{BB962C8B-B14F-4D97-AF65-F5344CB8AC3E}">

--- a/06 - Microservices/06.pptx
+++ b/06 - Microservices/06.pptx
@@ -6,6 +6,7 @@
   </p:sldMasterIdLst>
   <p:sldIdLst>
     <p:sldId id="256" r:id="rId2"/>
+    <p:sldId id="257" r:id="rId3"/>
   </p:sldIdLst>
   <p:sldSz cx="12192000" cy="6858000"/>
   <p:notesSz cx="6858000" cy="9144000"/>
@@ -1082,7 +1083,7 @@
           <a:p>
             <a:fld id="{811A2006-FA07-4B3A-AC70-671B6ABBE628}" type="datetimeFigureOut">
               <a:rPr lang="es-419" smtClean="0"/>
-              <a:t>31/8/2024</a:t>
+              <a:t>7/9/2024</a:t>
             </a:fld>
             <a:endParaRPr lang="es-419"/>
           </a:p>
@@ -1282,7 +1283,7 @@
           <a:p>
             <a:fld id="{811A2006-FA07-4B3A-AC70-671B6ABBE628}" type="datetimeFigureOut">
               <a:rPr lang="es-419" smtClean="0"/>
-              <a:t>31/8/2024</a:t>
+              <a:t>7/9/2024</a:t>
             </a:fld>
             <a:endParaRPr lang="es-419"/>
           </a:p>
@@ -1492,7 +1493,7 @@
           <a:p>
             <a:fld id="{811A2006-FA07-4B3A-AC70-671B6ABBE628}" type="datetimeFigureOut">
               <a:rPr lang="es-419" smtClean="0"/>
-              <a:t>31/8/2024</a:t>
+              <a:t>7/9/2024</a:t>
             </a:fld>
             <a:endParaRPr lang="es-419"/>
           </a:p>
@@ -1692,7 +1693,7 @@
           <a:p>
             <a:fld id="{811A2006-FA07-4B3A-AC70-671B6ABBE628}" type="datetimeFigureOut">
               <a:rPr lang="es-419" smtClean="0"/>
-              <a:t>31/8/2024</a:t>
+              <a:t>7/9/2024</a:t>
             </a:fld>
             <a:endParaRPr lang="es-419"/>
           </a:p>
@@ -1968,7 +1969,7 @@
           <a:p>
             <a:fld id="{811A2006-FA07-4B3A-AC70-671B6ABBE628}" type="datetimeFigureOut">
               <a:rPr lang="es-419" smtClean="0"/>
-              <a:t>31/8/2024</a:t>
+              <a:t>7/9/2024</a:t>
             </a:fld>
             <a:endParaRPr lang="es-419"/>
           </a:p>
@@ -2236,7 +2237,7 @@
           <a:p>
             <a:fld id="{811A2006-FA07-4B3A-AC70-671B6ABBE628}" type="datetimeFigureOut">
               <a:rPr lang="es-419" smtClean="0"/>
-              <a:t>31/8/2024</a:t>
+              <a:t>7/9/2024</a:t>
             </a:fld>
             <a:endParaRPr lang="es-419"/>
           </a:p>
@@ -2651,7 +2652,7 @@
           <a:p>
             <a:fld id="{811A2006-FA07-4B3A-AC70-671B6ABBE628}" type="datetimeFigureOut">
               <a:rPr lang="es-419" smtClean="0"/>
-              <a:t>31/8/2024</a:t>
+              <a:t>7/9/2024</a:t>
             </a:fld>
             <a:endParaRPr lang="es-419"/>
           </a:p>
@@ -2793,7 +2794,7 @@
           <a:p>
             <a:fld id="{811A2006-FA07-4B3A-AC70-671B6ABBE628}" type="datetimeFigureOut">
               <a:rPr lang="es-419" smtClean="0"/>
-              <a:t>31/8/2024</a:t>
+              <a:t>7/9/2024</a:t>
             </a:fld>
             <a:endParaRPr lang="es-419"/>
           </a:p>
@@ -2906,7 +2907,7 @@
           <a:p>
             <a:fld id="{811A2006-FA07-4B3A-AC70-671B6ABBE628}" type="datetimeFigureOut">
               <a:rPr lang="es-419" smtClean="0"/>
-              <a:t>31/8/2024</a:t>
+              <a:t>7/9/2024</a:t>
             </a:fld>
             <a:endParaRPr lang="es-419"/>
           </a:p>
@@ -3219,7 +3220,7 @@
           <a:p>
             <a:fld id="{811A2006-FA07-4B3A-AC70-671B6ABBE628}" type="datetimeFigureOut">
               <a:rPr lang="es-419" smtClean="0"/>
-              <a:t>31/8/2024</a:t>
+              <a:t>7/9/2024</a:t>
             </a:fld>
             <a:endParaRPr lang="es-419"/>
           </a:p>
@@ -3508,7 +3509,7 @@
           <a:p>
             <a:fld id="{811A2006-FA07-4B3A-AC70-671B6ABBE628}" type="datetimeFigureOut">
               <a:rPr lang="es-419" smtClean="0"/>
-              <a:t>31/8/2024</a:t>
+              <a:t>7/9/2024</a:t>
             </a:fld>
             <a:endParaRPr lang="es-419"/>
           </a:p>
@@ -3751,7 +3752,7 @@
           <a:p>
             <a:fld id="{811A2006-FA07-4B3A-AC70-671B6ABBE628}" type="datetimeFigureOut">
               <a:rPr lang="es-419" smtClean="0"/>
-              <a:t>31/8/2024</a:t>
+              <a:t>7/9/2024</a:t>
             </a:fld>
             <a:endParaRPr lang="es-419"/>
           </a:p>
@@ -9780,6 +9781,2152 @@
 </p:sld>
 </file>
 
+<file path=ppt/slides/slide2.xml><?xml version="1.0" encoding="utf-8"?>
+<p:sld xmlns:a="http://schemas.openxmlformats.org/drawingml/2006/main" xmlns:r="http://schemas.openxmlformats.org/officeDocument/2006/relationships" xmlns:p="http://schemas.openxmlformats.org/presentationml/2006/main">
+  <p:cSld>
+    <p:spTree>
+      <p:nvGrpSpPr>
+        <p:cNvPr id="1" name=""/>
+        <p:cNvGrpSpPr/>
+        <p:nvPr/>
+      </p:nvGrpSpPr>
+      <p:grpSpPr>
+        <a:xfrm>
+          <a:off x="0" y="0"/>
+          <a:ext cx="0" cy="0"/>
+          <a:chOff x="0" y="0"/>
+          <a:chExt cx="0" cy="0"/>
+        </a:xfrm>
+      </p:grpSpPr>
+      <p:sp>
+        <p:nvSpPr>
+          <p:cNvPr id="31" name="Hexagon 30">
+            <a:extLst>
+              <a:ext uri="{FF2B5EF4-FFF2-40B4-BE49-F238E27FC236}">
+                <a16:creationId xmlns:a16="http://schemas.microsoft.com/office/drawing/2014/main" id="{24860A9E-5C43-FE81-12D8-8C5EF0F5C65E}"/>
+              </a:ext>
+            </a:extLst>
+          </p:cNvPr>
+          <p:cNvSpPr/>
+          <p:nvPr/>
+        </p:nvSpPr>
+        <p:spPr>
+          <a:xfrm>
+            <a:off x="6892259" y="3009896"/>
+            <a:ext cx="813816" cy="701566"/>
+          </a:xfrm>
+          <a:prstGeom prst="hexagon">
+            <a:avLst/>
+          </a:prstGeom>
+          <a:noFill/>
+        </p:spPr>
+        <p:style>
+          <a:lnRef idx="2">
+            <a:schemeClr val="accent1">
+              <a:shade val="50000"/>
+            </a:schemeClr>
+          </a:lnRef>
+          <a:fillRef idx="1">
+            <a:schemeClr val="accent1"/>
+          </a:fillRef>
+          <a:effectRef idx="0">
+            <a:schemeClr val="accent1"/>
+          </a:effectRef>
+          <a:fontRef idx="minor">
+            <a:schemeClr val="lt1"/>
+          </a:fontRef>
+        </p:style>
+        <p:txBody>
+          <a:bodyPr rtlCol="0" anchor="ctr"/>
+          <a:lstStyle/>
+          <a:p>
+            <a:pPr algn="ctr"/>
+            <a:endParaRPr lang="es-419" sz="900" dirty="0">
+              <a:solidFill>
+                <a:sysClr val="windowText" lastClr="000000"/>
+              </a:solidFill>
+            </a:endParaRPr>
+          </a:p>
+        </p:txBody>
+      </p:sp>
+      <p:sp>
+        <p:nvSpPr>
+          <p:cNvPr id="32" name="Hexagon 31">
+            <a:extLst>
+              <a:ext uri="{FF2B5EF4-FFF2-40B4-BE49-F238E27FC236}">
+                <a16:creationId xmlns:a16="http://schemas.microsoft.com/office/drawing/2014/main" id="{772D1D9E-B856-C173-6990-15B261AD1CB2}"/>
+              </a:ext>
+            </a:extLst>
+          </p:cNvPr>
+          <p:cNvSpPr/>
+          <p:nvPr/>
+        </p:nvSpPr>
+        <p:spPr>
+          <a:xfrm>
+            <a:off x="6826661" y="3035016"/>
+            <a:ext cx="813816" cy="701566"/>
+          </a:xfrm>
+          <a:prstGeom prst="hexagon">
+            <a:avLst/>
+          </a:prstGeom>
+          <a:noFill/>
+        </p:spPr>
+        <p:style>
+          <a:lnRef idx="2">
+            <a:schemeClr val="accent1">
+              <a:shade val="50000"/>
+            </a:schemeClr>
+          </a:lnRef>
+          <a:fillRef idx="1">
+            <a:schemeClr val="accent1"/>
+          </a:fillRef>
+          <a:effectRef idx="0">
+            <a:schemeClr val="accent1"/>
+          </a:effectRef>
+          <a:fontRef idx="minor">
+            <a:schemeClr val="lt1"/>
+          </a:fontRef>
+        </p:style>
+        <p:txBody>
+          <a:bodyPr rtlCol="0" anchor="ctr"/>
+          <a:lstStyle/>
+          <a:p>
+            <a:pPr algn="ctr"/>
+            <a:endParaRPr lang="es-419" sz="900" dirty="0">
+              <a:solidFill>
+                <a:sysClr val="windowText" lastClr="000000"/>
+              </a:solidFill>
+            </a:endParaRPr>
+          </a:p>
+        </p:txBody>
+      </p:sp>
+      <p:sp>
+        <p:nvSpPr>
+          <p:cNvPr id="33" name="Hexagon 32">
+            <a:extLst>
+              <a:ext uri="{FF2B5EF4-FFF2-40B4-BE49-F238E27FC236}">
+                <a16:creationId xmlns:a16="http://schemas.microsoft.com/office/drawing/2014/main" id="{AFCBADD3-3DF3-0F5D-74E8-208C54F5CCF0}"/>
+              </a:ext>
+            </a:extLst>
+          </p:cNvPr>
+          <p:cNvSpPr/>
+          <p:nvPr/>
+        </p:nvSpPr>
+        <p:spPr>
+          <a:xfrm>
+            <a:off x="6730202" y="3090660"/>
+            <a:ext cx="813816" cy="701566"/>
+          </a:xfrm>
+          <a:prstGeom prst="hexagon">
+            <a:avLst/>
+          </a:prstGeom>
+          <a:solidFill>
+            <a:schemeClr val="bg1"/>
+          </a:solidFill>
+        </p:spPr>
+        <p:style>
+          <a:lnRef idx="2">
+            <a:schemeClr val="accent1">
+              <a:shade val="50000"/>
+            </a:schemeClr>
+          </a:lnRef>
+          <a:fillRef idx="1">
+            <a:schemeClr val="accent1"/>
+          </a:fillRef>
+          <a:effectRef idx="0">
+            <a:schemeClr val="accent1"/>
+          </a:effectRef>
+          <a:fontRef idx="minor">
+            <a:schemeClr val="lt1"/>
+          </a:fontRef>
+        </p:style>
+        <p:txBody>
+          <a:bodyPr rtlCol="0" anchor="ctr"/>
+          <a:lstStyle/>
+          <a:p>
+            <a:pPr algn="ctr"/>
+            <a:r>
+              <a:rPr lang="es-419" sz="900" dirty="0">
+                <a:solidFill>
+                  <a:sysClr val="windowText" lastClr="000000"/>
+                </a:solidFill>
+              </a:rPr>
+              <a:t>Sale </a:t>
+            </a:r>
+            <a:r>
+              <a:rPr lang="es-419" sz="900" dirty="0" err="1">
+                <a:solidFill>
+                  <a:sysClr val="windowText" lastClr="000000"/>
+                </a:solidFill>
+              </a:rPr>
+              <a:t>Service</a:t>
+            </a:r>
+            <a:endParaRPr lang="es-419" sz="900" dirty="0">
+              <a:solidFill>
+                <a:sysClr val="windowText" lastClr="000000"/>
+              </a:solidFill>
+            </a:endParaRPr>
+          </a:p>
+        </p:txBody>
+      </p:sp>
+      <p:sp>
+        <p:nvSpPr>
+          <p:cNvPr id="6" name="Rectangle: Rounded Corners 5">
+            <a:extLst>
+              <a:ext uri="{FF2B5EF4-FFF2-40B4-BE49-F238E27FC236}">
+                <a16:creationId xmlns:a16="http://schemas.microsoft.com/office/drawing/2014/main" id="{EAF8493E-4B9D-DF64-2101-443A2C33EE88}"/>
+              </a:ext>
+            </a:extLst>
+          </p:cNvPr>
+          <p:cNvSpPr/>
+          <p:nvPr/>
+        </p:nvSpPr>
+        <p:spPr>
+          <a:xfrm>
+            <a:off x="7707218" y="1089630"/>
+            <a:ext cx="579120" cy="2990088"/>
+          </a:xfrm>
+          <a:prstGeom prst="roundRect">
+            <a:avLst/>
+          </a:prstGeom>
+          <a:noFill/>
+        </p:spPr>
+        <p:style>
+          <a:lnRef idx="2">
+            <a:schemeClr val="accent1">
+              <a:shade val="50000"/>
+            </a:schemeClr>
+          </a:lnRef>
+          <a:fillRef idx="1">
+            <a:schemeClr val="accent1"/>
+          </a:fillRef>
+          <a:effectRef idx="0">
+            <a:schemeClr val="accent1"/>
+          </a:effectRef>
+          <a:fontRef idx="minor">
+            <a:schemeClr val="lt1"/>
+          </a:fontRef>
+        </p:style>
+        <p:txBody>
+          <a:bodyPr vert="vert270" rtlCol="0" anchor="ctr"/>
+          <a:lstStyle/>
+          <a:p>
+            <a:pPr algn="ctr"/>
+            <a:r>
+              <a:rPr lang="es-419" dirty="0" err="1">
+                <a:solidFill>
+                  <a:sysClr val="windowText" lastClr="000000"/>
+                </a:solidFill>
+              </a:rPr>
+              <a:t>Configuration</a:t>
+            </a:r>
+            <a:r>
+              <a:rPr lang="es-419" dirty="0">
+                <a:solidFill>
+                  <a:sysClr val="windowText" lastClr="000000"/>
+                </a:solidFill>
+              </a:rPr>
+              <a:t> Server</a:t>
+            </a:r>
+          </a:p>
+        </p:txBody>
+      </p:sp>
+      <p:sp>
+        <p:nvSpPr>
+          <p:cNvPr id="7" name="Rectangle: Rounded Corners 6">
+            <a:extLst>
+              <a:ext uri="{FF2B5EF4-FFF2-40B4-BE49-F238E27FC236}">
+                <a16:creationId xmlns:a16="http://schemas.microsoft.com/office/drawing/2014/main" id="{42DA4246-CCFC-B3DC-6A34-9F0439F0E309}"/>
+              </a:ext>
+            </a:extLst>
+          </p:cNvPr>
+          <p:cNvSpPr/>
+          <p:nvPr/>
+        </p:nvSpPr>
+        <p:spPr>
+          <a:xfrm>
+            <a:off x="4863434" y="1089630"/>
+            <a:ext cx="579120" cy="2990088"/>
+          </a:xfrm>
+          <a:prstGeom prst="roundRect">
+            <a:avLst/>
+          </a:prstGeom>
+          <a:noFill/>
+        </p:spPr>
+        <p:style>
+          <a:lnRef idx="2">
+            <a:schemeClr val="accent1">
+              <a:shade val="50000"/>
+            </a:schemeClr>
+          </a:lnRef>
+          <a:fillRef idx="1">
+            <a:schemeClr val="accent1"/>
+          </a:fillRef>
+          <a:effectRef idx="0">
+            <a:schemeClr val="accent1"/>
+          </a:effectRef>
+          <a:fontRef idx="minor">
+            <a:schemeClr val="lt1"/>
+          </a:fontRef>
+        </p:style>
+        <p:txBody>
+          <a:bodyPr vert="vert270" rtlCol="0" anchor="ctr"/>
+          <a:lstStyle/>
+          <a:p>
+            <a:pPr algn="ctr"/>
+            <a:r>
+              <a:rPr lang="es-419" dirty="0">
+                <a:solidFill>
+                  <a:sysClr val="windowText" lastClr="000000"/>
+                </a:solidFill>
+              </a:rPr>
+              <a:t>Discovery </a:t>
+            </a:r>
+            <a:r>
+              <a:rPr lang="es-419" dirty="0" err="1">
+                <a:solidFill>
+                  <a:sysClr val="windowText" lastClr="000000"/>
+                </a:solidFill>
+              </a:rPr>
+              <a:t>Service</a:t>
+            </a:r>
+            <a:endParaRPr lang="es-419" dirty="0">
+              <a:solidFill>
+                <a:sysClr val="windowText" lastClr="000000"/>
+              </a:solidFill>
+            </a:endParaRPr>
+          </a:p>
+        </p:txBody>
+      </p:sp>
+      <p:cxnSp>
+        <p:nvCxnSpPr>
+          <p:cNvPr id="8" name="Straight Arrow Connector 7">
+            <a:extLst>
+              <a:ext uri="{FF2B5EF4-FFF2-40B4-BE49-F238E27FC236}">
+                <a16:creationId xmlns:a16="http://schemas.microsoft.com/office/drawing/2014/main" id="{B3CD409E-362B-8D1E-9CB2-F83AD007D249}"/>
+              </a:ext>
+            </a:extLst>
+          </p:cNvPr>
+          <p:cNvCxnSpPr>
+            <a:cxnSpLocks/>
+          </p:cNvCxnSpPr>
+          <p:nvPr/>
+        </p:nvCxnSpPr>
+        <p:spPr>
+          <a:xfrm flipV="1">
+            <a:off x="7544018" y="2584674"/>
+            <a:ext cx="163200" cy="856769"/>
+          </a:xfrm>
+          <a:prstGeom prst="straightConnector1">
+            <a:avLst/>
+          </a:prstGeom>
+          <a:ln>
+            <a:tailEnd type="triangle"/>
+          </a:ln>
+        </p:spPr>
+        <p:style>
+          <a:lnRef idx="1">
+            <a:schemeClr val="accent1"/>
+          </a:lnRef>
+          <a:fillRef idx="0">
+            <a:schemeClr val="accent1"/>
+          </a:fillRef>
+          <a:effectRef idx="0">
+            <a:schemeClr val="accent1"/>
+          </a:effectRef>
+          <a:fontRef idx="minor">
+            <a:schemeClr val="tx1"/>
+          </a:fontRef>
+        </p:style>
+      </p:cxnSp>
+      <p:cxnSp>
+        <p:nvCxnSpPr>
+          <p:cNvPr id="9" name="Straight Arrow Connector 8">
+            <a:extLst>
+              <a:ext uri="{FF2B5EF4-FFF2-40B4-BE49-F238E27FC236}">
+                <a16:creationId xmlns:a16="http://schemas.microsoft.com/office/drawing/2014/main" id="{5A425B75-2362-B8E3-BEFF-A339F52B303B}"/>
+              </a:ext>
+            </a:extLst>
+          </p:cNvPr>
+          <p:cNvCxnSpPr/>
+          <p:nvPr/>
+        </p:nvCxnSpPr>
+        <p:spPr>
+          <a:xfrm>
+            <a:off x="6730202" y="1658980"/>
+            <a:ext cx="977016" cy="925694"/>
+          </a:xfrm>
+          <a:prstGeom prst="straightConnector1">
+            <a:avLst/>
+          </a:prstGeom>
+          <a:ln>
+            <a:tailEnd type="triangle"/>
+          </a:ln>
+        </p:spPr>
+        <p:style>
+          <a:lnRef idx="1">
+            <a:schemeClr val="accent1"/>
+          </a:lnRef>
+          <a:fillRef idx="0">
+            <a:schemeClr val="accent1"/>
+          </a:fillRef>
+          <a:effectRef idx="0">
+            <a:schemeClr val="accent1"/>
+          </a:effectRef>
+          <a:fontRef idx="minor">
+            <a:schemeClr val="tx1"/>
+          </a:fontRef>
+        </p:style>
+      </p:cxnSp>
+      <p:cxnSp>
+        <p:nvCxnSpPr>
+          <p:cNvPr id="10" name="Straight Arrow Connector 9">
+            <a:extLst>
+              <a:ext uri="{FF2B5EF4-FFF2-40B4-BE49-F238E27FC236}">
+                <a16:creationId xmlns:a16="http://schemas.microsoft.com/office/drawing/2014/main" id="{A7B854FE-2A2E-DEF8-C0D3-EDF06361537C}"/>
+              </a:ext>
+            </a:extLst>
+          </p:cNvPr>
+          <p:cNvCxnSpPr/>
+          <p:nvPr/>
+        </p:nvCxnSpPr>
+        <p:spPr>
+          <a:xfrm flipH="1">
+            <a:off x="5442554" y="1658980"/>
+            <a:ext cx="473832" cy="925694"/>
+          </a:xfrm>
+          <a:prstGeom prst="straightConnector1">
+            <a:avLst/>
+          </a:prstGeom>
+          <a:ln>
+            <a:tailEnd type="triangle"/>
+          </a:ln>
+        </p:spPr>
+        <p:style>
+          <a:lnRef idx="1">
+            <a:schemeClr val="accent1"/>
+          </a:lnRef>
+          <a:fillRef idx="0">
+            <a:schemeClr val="accent1"/>
+          </a:fillRef>
+          <a:effectRef idx="0">
+            <a:schemeClr val="accent1"/>
+          </a:effectRef>
+          <a:fontRef idx="minor">
+            <a:schemeClr val="tx1"/>
+          </a:fontRef>
+        </p:style>
+      </p:cxnSp>
+      <p:cxnSp>
+        <p:nvCxnSpPr>
+          <p:cNvPr id="11" name="Straight Arrow Connector 10">
+            <a:extLst>
+              <a:ext uri="{FF2B5EF4-FFF2-40B4-BE49-F238E27FC236}">
+                <a16:creationId xmlns:a16="http://schemas.microsoft.com/office/drawing/2014/main" id="{D50306C1-C771-19A6-E8C7-B44229CCA19F}"/>
+              </a:ext>
+            </a:extLst>
+          </p:cNvPr>
+          <p:cNvCxnSpPr/>
+          <p:nvPr/>
+        </p:nvCxnSpPr>
+        <p:spPr>
+          <a:xfrm flipH="1" flipV="1">
+            <a:off x="5442554" y="2584674"/>
+            <a:ext cx="1287648" cy="856769"/>
+          </a:xfrm>
+          <a:prstGeom prst="straightConnector1">
+            <a:avLst/>
+          </a:prstGeom>
+          <a:ln>
+            <a:tailEnd type="triangle"/>
+          </a:ln>
+        </p:spPr>
+        <p:style>
+          <a:lnRef idx="1">
+            <a:schemeClr val="accent1"/>
+          </a:lnRef>
+          <a:fillRef idx="0">
+            <a:schemeClr val="accent1"/>
+          </a:fillRef>
+          <a:effectRef idx="0">
+            <a:schemeClr val="accent1"/>
+          </a:effectRef>
+          <a:fontRef idx="minor">
+            <a:schemeClr val="tx1"/>
+          </a:fontRef>
+        </p:style>
+      </p:cxnSp>
+      <p:sp>
+        <p:nvSpPr>
+          <p:cNvPr id="12" name="Cylinder 11">
+            <a:extLst>
+              <a:ext uri="{FF2B5EF4-FFF2-40B4-BE49-F238E27FC236}">
+                <a16:creationId xmlns:a16="http://schemas.microsoft.com/office/drawing/2014/main" id="{D8963CA8-1971-B794-38BB-113CACCAC6AC}"/>
+              </a:ext>
+            </a:extLst>
+          </p:cNvPr>
+          <p:cNvSpPr/>
+          <p:nvPr/>
+        </p:nvSpPr>
+        <p:spPr>
+          <a:xfrm>
+            <a:off x="7148780" y="1452371"/>
+            <a:ext cx="434769" cy="431370"/>
+          </a:xfrm>
+          <a:prstGeom prst="can">
+            <a:avLst/>
+          </a:prstGeom>
+          <a:noFill/>
+        </p:spPr>
+        <p:style>
+          <a:lnRef idx="2">
+            <a:schemeClr val="accent1">
+              <a:shade val="15000"/>
+            </a:schemeClr>
+          </a:lnRef>
+          <a:fillRef idx="1">
+            <a:schemeClr val="accent1"/>
+          </a:fillRef>
+          <a:effectRef idx="0">
+            <a:schemeClr val="accent1"/>
+          </a:effectRef>
+          <a:fontRef idx="minor">
+            <a:schemeClr val="lt1"/>
+          </a:fontRef>
+        </p:style>
+        <p:txBody>
+          <a:bodyPr rtlCol="0" anchor="ctr"/>
+          <a:lstStyle/>
+          <a:p>
+            <a:pPr algn="ctr"/>
+            <a:r>
+              <a:rPr lang="es-419" sz="1100" dirty="0">
+                <a:solidFill>
+                  <a:sysClr val="windowText" lastClr="000000"/>
+                </a:solidFill>
+                <a:latin typeface="Arial" panose="020B0604020202020204" pitchFamily="34" charset="0"/>
+                <a:cs typeface="Arial" panose="020B0604020202020204" pitchFamily="34" charset="0"/>
+              </a:rPr>
+              <a:t>DB</a:t>
+            </a:r>
+          </a:p>
+        </p:txBody>
+      </p:sp>
+      <p:cxnSp>
+        <p:nvCxnSpPr>
+          <p:cNvPr id="13" name="Straight Arrow Connector 12">
+            <a:extLst>
+              <a:ext uri="{FF2B5EF4-FFF2-40B4-BE49-F238E27FC236}">
+                <a16:creationId xmlns:a16="http://schemas.microsoft.com/office/drawing/2014/main" id="{463D3DF3-D9AF-5CC1-25D7-C51F77A97B07}"/>
+              </a:ext>
+            </a:extLst>
+          </p:cNvPr>
+          <p:cNvCxnSpPr>
+            <a:endCxn id="12" idx="2"/>
+          </p:cNvCxnSpPr>
+          <p:nvPr/>
+        </p:nvCxnSpPr>
+        <p:spPr>
+          <a:xfrm>
+            <a:off x="6730202" y="1658980"/>
+            <a:ext cx="418578" cy="9076"/>
+          </a:xfrm>
+          <a:prstGeom prst="straightConnector1">
+            <a:avLst/>
+          </a:prstGeom>
+          <a:ln>
+            <a:tailEnd type="triangle"/>
+          </a:ln>
+        </p:spPr>
+        <p:style>
+          <a:lnRef idx="1">
+            <a:schemeClr val="accent1"/>
+          </a:lnRef>
+          <a:fillRef idx="0">
+            <a:schemeClr val="accent1"/>
+          </a:fillRef>
+          <a:effectRef idx="0">
+            <a:schemeClr val="accent1"/>
+          </a:effectRef>
+          <a:fontRef idx="minor">
+            <a:schemeClr val="tx1"/>
+          </a:fontRef>
+        </p:style>
+      </p:cxnSp>
+      <p:sp>
+        <p:nvSpPr>
+          <p:cNvPr id="14" name="Cylinder 13">
+            <a:extLst>
+              <a:ext uri="{FF2B5EF4-FFF2-40B4-BE49-F238E27FC236}">
+                <a16:creationId xmlns:a16="http://schemas.microsoft.com/office/drawing/2014/main" id="{D3DF1DC0-7C82-309F-5A67-DD89809F4197}"/>
+              </a:ext>
+            </a:extLst>
+          </p:cNvPr>
+          <p:cNvSpPr/>
+          <p:nvPr/>
+        </p:nvSpPr>
+        <p:spPr>
+          <a:xfrm>
+            <a:off x="5921934" y="3216599"/>
+            <a:ext cx="434769" cy="431370"/>
+          </a:xfrm>
+          <a:prstGeom prst="can">
+            <a:avLst/>
+          </a:prstGeom>
+          <a:noFill/>
+        </p:spPr>
+        <p:style>
+          <a:lnRef idx="2">
+            <a:schemeClr val="accent1">
+              <a:shade val="15000"/>
+            </a:schemeClr>
+          </a:lnRef>
+          <a:fillRef idx="1">
+            <a:schemeClr val="accent1"/>
+          </a:fillRef>
+          <a:effectRef idx="0">
+            <a:schemeClr val="accent1"/>
+          </a:effectRef>
+          <a:fontRef idx="minor">
+            <a:schemeClr val="lt1"/>
+          </a:fontRef>
+        </p:style>
+        <p:txBody>
+          <a:bodyPr rtlCol="0" anchor="ctr"/>
+          <a:lstStyle/>
+          <a:p>
+            <a:pPr algn="ctr"/>
+            <a:r>
+              <a:rPr lang="es-419" sz="1100" dirty="0">
+                <a:solidFill>
+                  <a:sysClr val="windowText" lastClr="000000"/>
+                </a:solidFill>
+                <a:latin typeface="Arial" panose="020B0604020202020204" pitchFamily="34" charset="0"/>
+                <a:cs typeface="Arial" panose="020B0604020202020204" pitchFamily="34" charset="0"/>
+              </a:rPr>
+              <a:t>DB</a:t>
+            </a:r>
+          </a:p>
+        </p:txBody>
+      </p:sp>
+      <p:cxnSp>
+        <p:nvCxnSpPr>
+          <p:cNvPr id="15" name="Straight Arrow Connector 14">
+            <a:extLst>
+              <a:ext uri="{FF2B5EF4-FFF2-40B4-BE49-F238E27FC236}">
+                <a16:creationId xmlns:a16="http://schemas.microsoft.com/office/drawing/2014/main" id="{20FCE9F0-0783-EC40-6F34-AC5AB2B85FD4}"/>
+              </a:ext>
+            </a:extLst>
+          </p:cNvPr>
+          <p:cNvCxnSpPr>
+            <a:endCxn id="14" idx="4"/>
+          </p:cNvCxnSpPr>
+          <p:nvPr/>
+        </p:nvCxnSpPr>
+        <p:spPr>
+          <a:xfrm flipH="1" flipV="1">
+            <a:off x="6356703" y="3432284"/>
+            <a:ext cx="373499" cy="9159"/>
+          </a:xfrm>
+          <a:prstGeom prst="straightConnector1">
+            <a:avLst/>
+          </a:prstGeom>
+          <a:ln>
+            <a:tailEnd type="triangle"/>
+          </a:ln>
+        </p:spPr>
+        <p:style>
+          <a:lnRef idx="1">
+            <a:schemeClr val="accent1"/>
+          </a:lnRef>
+          <a:fillRef idx="0">
+            <a:schemeClr val="accent1"/>
+          </a:fillRef>
+          <a:effectRef idx="0">
+            <a:schemeClr val="accent1"/>
+          </a:effectRef>
+          <a:fontRef idx="minor">
+            <a:schemeClr val="tx1"/>
+          </a:fontRef>
+        </p:style>
+      </p:cxnSp>
+      <p:sp>
+        <p:nvSpPr>
+          <p:cNvPr id="16" name="Cylinder 15">
+            <a:extLst>
+              <a:ext uri="{FF2B5EF4-FFF2-40B4-BE49-F238E27FC236}">
+                <a16:creationId xmlns:a16="http://schemas.microsoft.com/office/drawing/2014/main" id="{CACCB260-55F1-8AAA-FC4B-852C48BA9BE4}"/>
+              </a:ext>
+            </a:extLst>
+          </p:cNvPr>
+          <p:cNvSpPr/>
+          <p:nvPr/>
+        </p:nvSpPr>
+        <p:spPr>
+          <a:xfrm>
+            <a:off x="10975848" y="2147735"/>
+            <a:ext cx="883570" cy="876663"/>
+          </a:xfrm>
+          <a:prstGeom prst="can">
+            <a:avLst/>
+          </a:prstGeom>
+          <a:noFill/>
+        </p:spPr>
+        <p:style>
+          <a:lnRef idx="2">
+            <a:schemeClr val="accent1">
+              <a:shade val="15000"/>
+            </a:schemeClr>
+          </a:lnRef>
+          <a:fillRef idx="1">
+            <a:schemeClr val="accent1"/>
+          </a:fillRef>
+          <a:effectRef idx="0">
+            <a:schemeClr val="accent1"/>
+          </a:effectRef>
+          <a:fontRef idx="minor">
+            <a:schemeClr val="lt1"/>
+          </a:fontRef>
+        </p:style>
+        <p:txBody>
+          <a:bodyPr rtlCol="0" anchor="ctr"/>
+          <a:lstStyle/>
+          <a:p>
+            <a:pPr algn="ctr"/>
+            <a:r>
+              <a:rPr lang="es-419" sz="1100" dirty="0">
+                <a:solidFill>
+                  <a:sysClr val="windowText" lastClr="000000"/>
+                </a:solidFill>
+                <a:latin typeface="Arial" panose="020B0604020202020204" pitchFamily="34" charset="0"/>
+                <a:cs typeface="Arial" panose="020B0604020202020204" pitchFamily="34" charset="0"/>
+              </a:rPr>
+              <a:t>Git</a:t>
+            </a:r>
+          </a:p>
+          <a:p>
+            <a:pPr algn="ctr"/>
+            <a:r>
+              <a:rPr lang="es-419" sz="1100" dirty="0" err="1">
+                <a:solidFill>
+                  <a:sysClr val="windowText" lastClr="000000"/>
+                </a:solidFill>
+                <a:latin typeface="Arial" panose="020B0604020202020204" pitchFamily="34" charset="0"/>
+                <a:cs typeface="Arial" panose="020B0604020202020204" pitchFamily="34" charset="0"/>
+              </a:rPr>
+              <a:t>Repository</a:t>
+            </a:r>
+            <a:endParaRPr lang="es-419" sz="1100" dirty="0">
+              <a:solidFill>
+                <a:sysClr val="windowText" lastClr="000000"/>
+              </a:solidFill>
+              <a:latin typeface="Arial" panose="020B0604020202020204" pitchFamily="34" charset="0"/>
+              <a:cs typeface="Arial" panose="020B0604020202020204" pitchFamily="34" charset="0"/>
+            </a:endParaRPr>
+          </a:p>
+        </p:txBody>
+      </p:sp>
+      <p:cxnSp>
+        <p:nvCxnSpPr>
+          <p:cNvPr id="17" name="Straight Arrow Connector 16">
+            <a:extLst>
+              <a:ext uri="{FF2B5EF4-FFF2-40B4-BE49-F238E27FC236}">
+                <a16:creationId xmlns:a16="http://schemas.microsoft.com/office/drawing/2014/main" id="{ACAAD313-238A-8B96-D70F-C18ED3C4BC55}"/>
+              </a:ext>
+            </a:extLst>
+          </p:cNvPr>
+          <p:cNvCxnSpPr>
+            <a:cxnSpLocks/>
+            <a:endCxn id="16" idx="2"/>
+          </p:cNvCxnSpPr>
+          <p:nvPr/>
+        </p:nvCxnSpPr>
+        <p:spPr>
+          <a:xfrm>
+            <a:off x="8286338" y="2584674"/>
+            <a:ext cx="2689510" cy="1393"/>
+          </a:xfrm>
+          <a:prstGeom prst="straightConnector1">
+            <a:avLst/>
+          </a:prstGeom>
+          <a:ln>
+            <a:tailEnd type="triangle"/>
+          </a:ln>
+        </p:spPr>
+        <p:style>
+          <a:lnRef idx="1">
+            <a:schemeClr val="accent1"/>
+          </a:lnRef>
+          <a:fillRef idx="0">
+            <a:schemeClr val="accent1"/>
+          </a:fillRef>
+          <a:effectRef idx="0">
+            <a:schemeClr val="accent1"/>
+          </a:effectRef>
+          <a:fontRef idx="minor">
+            <a:schemeClr val="tx1"/>
+          </a:fontRef>
+        </p:style>
+      </p:cxnSp>
+      <p:sp>
+        <p:nvSpPr>
+          <p:cNvPr id="18" name="Rectangle: Rounded Corners 17">
+            <a:extLst>
+              <a:ext uri="{FF2B5EF4-FFF2-40B4-BE49-F238E27FC236}">
+                <a16:creationId xmlns:a16="http://schemas.microsoft.com/office/drawing/2014/main" id="{F808299A-074A-3A90-4DE6-5CF79F3414D7}"/>
+              </a:ext>
+            </a:extLst>
+          </p:cNvPr>
+          <p:cNvSpPr/>
+          <p:nvPr/>
+        </p:nvSpPr>
+        <p:spPr>
+          <a:xfrm>
+            <a:off x="2327498" y="2090898"/>
+            <a:ext cx="1060704" cy="987552"/>
+          </a:xfrm>
+          <a:prstGeom prst="roundRect">
+            <a:avLst/>
+          </a:prstGeom>
+          <a:noFill/>
+        </p:spPr>
+        <p:style>
+          <a:lnRef idx="2">
+            <a:schemeClr val="accent1">
+              <a:shade val="50000"/>
+            </a:schemeClr>
+          </a:lnRef>
+          <a:fillRef idx="1">
+            <a:schemeClr val="accent1"/>
+          </a:fillRef>
+          <a:effectRef idx="0">
+            <a:schemeClr val="accent1"/>
+          </a:effectRef>
+          <a:fontRef idx="minor">
+            <a:schemeClr val="lt1"/>
+          </a:fontRef>
+        </p:style>
+        <p:txBody>
+          <a:bodyPr rtlCol="0" anchor="ctr"/>
+          <a:lstStyle/>
+          <a:p>
+            <a:pPr algn="ctr"/>
+            <a:r>
+              <a:rPr lang="es-419" dirty="0">
+                <a:solidFill>
+                  <a:sysClr val="windowText" lastClr="000000"/>
+                </a:solidFill>
+              </a:rPr>
+              <a:t>MVC</a:t>
+            </a:r>
+          </a:p>
+        </p:txBody>
+      </p:sp>
+      <p:sp>
+        <p:nvSpPr>
+          <p:cNvPr id="19" name="TextBox 18">
+            <a:extLst>
+              <a:ext uri="{FF2B5EF4-FFF2-40B4-BE49-F238E27FC236}">
+                <a16:creationId xmlns:a16="http://schemas.microsoft.com/office/drawing/2014/main" id="{1E8822DE-E01B-3E84-D832-856808F4DB82}"/>
+              </a:ext>
+            </a:extLst>
+          </p:cNvPr>
+          <p:cNvSpPr txBox="1"/>
+          <p:nvPr/>
+        </p:nvSpPr>
+        <p:spPr>
+          <a:xfrm>
+            <a:off x="1820799" y="3047177"/>
+            <a:ext cx="898003" cy="415498"/>
+          </a:xfrm>
+          <a:prstGeom prst="rect">
+            <a:avLst/>
+          </a:prstGeom>
+          <a:noFill/>
+        </p:spPr>
+        <p:txBody>
+          <a:bodyPr wrap="none" rtlCol="0">
+            <a:spAutoFit/>
+          </a:bodyPr>
+          <a:lstStyle/>
+          <a:p>
+            <a:r>
+              <a:rPr lang="es-419" sz="1050" dirty="0">
+                <a:latin typeface="Arial" panose="020B0604020202020204" pitchFamily="34" charset="0"/>
+                <a:cs typeface="Arial" panose="020B0604020202020204" pitchFamily="34" charset="0"/>
+              </a:rPr>
+              <a:t>:8085 :8080</a:t>
+            </a:r>
+          </a:p>
+          <a:p>
+            <a:r>
+              <a:rPr lang="es-419" sz="1050" dirty="0">
+                <a:latin typeface="Arial" panose="020B0604020202020204" pitchFamily="34" charset="0"/>
+                <a:cs typeface="Arial" panose="020B0604020202020204" pitchFamily="34" charset="0"/>
+              </a:rPr>
+              <a:t>:8086 : 443</a:t>
+            </a:r>
+          </a:p>
+        </p:txBody>
+      </p:sp>
+      <p:cxnSp>
+        <p:nvCxnSpPr>
+          <p:cNvPr id="20" name="Straight Arrow Connector 19">
+            <a:extLst>
+              <a:ext uri="{FF2B5EF4-FFF2-40B4-BE49-F238E27FC236}">
+                <a16:creationId xmlns:a16="http://schemas.microsoft.com/office/drawing/2014/main" id="{52EB4D0B-CF81-6159-FC9F-042CC6DD5BCC}"/>
+              </a:ext>
+            </a:extLst>
+          </p:cNvPr>
+          <p:cNvCxnSpPr/>
+          <p:nvPr/>
+        </p:nvCxnSpPr>
+        <p:spPr>
+          <a:xfrm>
+            <a:off x="3388202" y="2584674"/>
+            <a:ext cx="1475232" cy="0"/>
+          </a:xfrm>
+          <a:prstGeom prst="straightConnector1">
+            <a:avLst/>
+          </a:prstGeom>
+          <a:ln>
+            <a:tailEnd type="triangle"/>
+          </a:ln>
+        </p:spPr>
+        <p:style>
+          <a:lnRef idx="1">
+            <a:schemeClr val="accent1"/>
+          </a:lnRef>
+          <a:fillRef idx="0">
+            <a:schemeClr val="accent1"/>
+          </a:fillRef>
+          <a:effectRef idx="0">
+            <a:schemeClr val="accent1"/>
+          </a:effectRef>
+          <a:fontRef idx="minor">
+            <a:schemeClr val="tx1"/>
+          </a:fontRef>
+        </p:style>
+      </p:cxnSp>
+      <p:sp>
+        <p:nvSpPr>
+          <p:cNvPr id="21" name="TextBox 20">
+            <a:extLst>
+              <a:ext uri="{FF2B5EF4-FFF2-40B4-BE49-F238E27FC236}">
+                <a16:creationId xmlns:a16="http://schemas.microsoft.com/office/drawing/2014/main" id="{FDF742F5-C9D4-F1FE-69A4-DF0768EC5D52}"/>
+              </a:ext>
+            </a:extLst>
+          </p:cNvPr>
+          <p:cNvSpPr txBox="1"/>
+          <p:nvPr/>
+        </p:nvSpPr>
+        <p:spPr>
+          <a:xfrm>
+            <a:off x="6060895" y="579208"/>
+            <a:ext cx="824265" cy="415498"/>
+          </a:xfrm>
+          <a:prstGeom prst="rect">
+            <a:avLst/>
+          </a:prstGeom>
+          <a:noFill/>
+        </p:spPr>
+        <p:txBody>
+          <a:bodyPr wrap="none" rtlCol="0">
+            <a:spAutoFit/>
+          </a:bodyPr>
+          <a:lstStyle/>
+          <a:p>
+            <a:r>
+              <a:rPr lang="es-419" sz="1050" dirty="0">
+                <a:latin typeface="Arial" panose="020B0604020202020204" pitchFamily="34" charset="0"/>
+                <a:cs typeface="Arial" panose="020B0604020202020204" pitchFamily="34" charset="0"/>
+              </a:rPr>
+              <a:t>8081:8080</a:t>
+            </a:r>
+          </a:p>
+          <a:p>
+            <a:r>
+              <a:rPr lang="es-419" sz="1050" dirty="0">
+                <a:latin typeface="Arial" panose="020B0604020202020204" pitchFamily="34" charset="0"/>
+                <a:cs typeface="Arial" panose="020B0604020202020204" pitchFamily="34" charset="0"/>
+              </a:rPr>
+              <a:t>8082:443</a:t>
+            </a:r>
+          </a:p>
+        </p:txBody>
+      </p:sp>
+      <p:sp>
+        <p:nvSpPr>
+          <p:cNvPr id="22" name="TextBox 21">
+            <a:extLst>
+              <a:ext uri="{FF2B5EF4-FFF2-40B4-BE49-F238E27FC236}">
+                <a16:creationId xmlns:a16="http://schemas.microsoft.com/office/drawing/2014/main" id="{DDC6F567-3D08-EBAE-C226-94DAADF0CA29}"/>
+              </a:ext>
+            </a:extLst>
+          </p:cNvPr>
+          <p:cNvSpPr txBox="1"/>
+          <p:nvPr/>
+        </p:nvSpPr>
+        <p:spPr>
+          <a:xfrm>
+            <a:off x="6482865" y="2552946"/>
+            <a:ext cx="824265" cy="415498"/>
+          </a:xfrm>
+          <a:prstGeom prst="rect">
+            <a:avLst/>
+          </a:prstGeom>
+          <a:noFill/>
+        </p:spPr>
+        <p:txBody>
+          <a:bodyPr wrap="none" rtlCol="0">
+            <a:spAutoFit/>
+          </a:bodyPr>
+          <a:lstStyle/>
+          <a:p>
+            <a:r>
+              <a:rPr lang="es-419" sz="1050" dirty="0">
+                <a:latin typeface="Arial" panose="020B0604020202020204" pitchFamily="34" charset="0"/>
+                <a:cs typeface="Arial" panose="020B0604020202020204" pitchFamily="34" charset="0"/>
+              </a:rPr>
+              <a:t>8083:8080</a:t>
+            </a:r>
+          </a:p>
+          <a:p>
+            <a:r>
+              <a:rPr lang="es-419" sz="1050" dirty="0">
+                <a:latin typeface="Arial" panose="020B0604020202020204" pitchFamily="34" charset="0"/>
+                <a:cs typeface="Arial" panose="020B0604020202020204" pitchFamily="34" charset="0"/>
+              </a:rPr>
+              <a:t>8084:443</a:t>
+            </a:r>
+          </a:p>
+        </p:txBody>
+      </p:sp>
+      <p:sp>
+        <p:nvSpPr>
+          <p:cNvPr id="23" name="Rectangle 22">
+            <a:extLst>
+              <a:ext uri="{FF2B5EF4-FFF2-40B4-BE49-F238E27FC236}">
+                <a16:creationId xmlns:a16="http://schemas.microsoft.com/office/drawing/2014/main" id="{0A648B98-EB00-6B11-F308-63C9178049B0}"/>
+              </a:ext>
+            </a:extLst>
+          </p:cNvPr>
+          <p:cNvSpPr/>
+          <p:nvPr/>
+        </p:nvSpPr>
+        <p:spPr>
+          <a:xfrm>
+            <a:off x="1880204" y="532037"/>
+            <a:ext cx="8820992" cy="5941189"/>
+          </a:xfrm>
+          <a:prstGeom prst="rect">
+            <a:avLst/>
+          </a:prstGeom>
+          <a:noFill/>
+        </p:spPr>
+        <p:style>
+          <a:lnRef idx="2">
+            <a:schemeClr val="accent1">
+              <a:shade val="15000"/>
+            </a:schemeClr>
+          </a:lnRef>
+          <a:fillRef idx="1">
+            <a:schemeClr val="accent1"/>
+          </a:fillRef>
+          <a:effectRef idx="0">
+            <a:schemeClr val="accent1"/>
+          </a:effectRef>
+          <a:fontRef idx="minor">
+            <a:schemeClr val="lt1"/>
+          </a:fontRef>
+        </p:style>
+        <p:txBody>
+          <a:bodyPr rtlCol="0" anchor="ctr"/>
+          <a:lstStyle/>
+          <a:p>
+            <a:pPr algn="ctr"/>
+            <a:endParaRPr lang="es-419"/>
+          </a:p>
+        </p:txBody>
+      </p:sp>
+      <p:sp>
+        <p:nvSpPr>
+          <p:cNvPr id="24" name="TextBox 23">
+            <a:extLst>
+              <a:ext uri="{FF2B5EF4-FFF2-40B4-BE49-F238E27FC236}">
+                <a16:creationId xmlns:a16="http://schemas.microsoft.com/office/drawing/2014/main" id="{832C6051-CE7B-B4CA-49CF-4706C53918BB}"/>
+              </a:ext>
+            </a:extLst>
+          </p:cNvPr>
+          <p:cNvSpPr txBox="1"/>
+          <p:nvPr/>
+        </p:nvSpPr>
+        <p:spPr>
+          <a:xfrm>
+            <a:off x="1880204" y="115872"/>
+            <a:ext cx="833883" cy="338554"/>
+          </a:xfrm>
+          <a:prstGeom prst="rect">
+            <a:avLst/>
+          </a:prstGeom>
+          <a:noFill/>
+        </p:spPr>
+        <p:txBody>
+          <a:bodyPr wrap="none" rtlCol="0">
+            <a:spAutoFit/>
+          </a:bodyPr>
+          <a:lstStyle/>
+          <a:p>
+            <a:r>
+              <a:rPr lang="es-419" sz="1600" dirty="0">
+                <a:latin typeface="Arial" panose="020B0604020202020204" pitchFamily="34" charset="0"/>
+                <a:cs typeface="Arial" panose="020B0604020202020204" pitchFamily="34" charset="0"/>
+              </a:rPr>
+              <a:t>Docker</a:t>
+            </a:r>
+          </a:p>
+        </p:txBody>
+      </p:sp>
+      <p:sp>
+        <p:nvSpPr>
+          <p:cNvPr id="25" name="TextBox 24">
+            <a:extLst>
+              <a:ext uri="{FF2B5EF4-FFF2-40B4-BE49-F238E27FC236}">
+                <a16:creationId xmlns:a16="http://schemas.microsoft.com/office/drawing/2014/main" id="{CEA9C36E-6B2E-B9DA-5D35-79562AE52CAD}"/>
+              </a:ext>
+            </a:extLst>
+          </p:cNvPr>
+          <p:cNvSpPr txBox="1"/>
+          <p:nvPr/>
+        </p:nvSpPr>
+        <p:spPr>
+          <a:xfrm>
+            <a:off x="1964162" y="579208"/>
+            <a:ext cx="1265090" cy="253916"/>
+          </a:xfrm>
+          <a:prstGeom prst="rect">
+            <a:avLst/>
+          </a:prstGeom>
+          <a:noFill/>
+        </p:spPr>
+        <p:txBody>
+          <a:bodyPr wrap="none" rtlCol="0">
+            <a:spAutoFit/>
+          </a:bodyPr>
+          <a:lstStyle/>
+          <a:p>
+            <a:r>
+              <a:rPr lang="es-419" sz="1050" dirty="0">
+                <a:latin typeface="Arial" panose="020B0604020202020204" pitchFamily="34" charset="0"/>
+                <a:cs typeface="Arial" panose="020B0604020202020204" pitchFamily="34" charset="0"/>
+              </a:rPr>
+              <a:t>Network: </a:t>
+            </a:r>
+            <a:r>
+              <a:rPr lang="es-419" sz="1050" dirty="0" err="1">
+                <a:latin typeface="Arial" panose="020B0604020202020204" pitchFamily="34" charset="0"/>
+                <a:cs typeface="Arial" panose="020B0604020202020204" pitchFamily="34" charset="0"/>
+              </a:rPr>
+              <a:t>backend</a:t>
+            </a:r>
+            <a:endParaRPr lang="es-419" sz="1050" dirty="0">
+              <a:latin typeface="Arial" panose="020B0604020202020204" pitchFamily="34" charset="0"/>
+              <a:cs typeface="Arial" panose="020B0604020202020204" pitchFamily="34" charset="0"/>
+            </a:endParaRPr>
+          </a:p>
+        </p:txBody>
+      </p:sp>
+      <p:sp>
+        <p:nvSpPr>
+          <p:cNvPr id="26" name="Rectangle: Rounded Corners 25">
+            <a:extLst>
+              <a:ext uri="{FF2B5EF4-FFF2-40B4-BE49-F238E27FC236}">
+                <a16:creationId xmlns:a16="http://schemas.microsoft.com/office/drawing/2014/main" id="{BA9133C2-F784-30CB-820B-A66C223255B6}"/>
+              </a:ext>
+            </a:extLst>
+          </p:cNvPr>
+          <p:cNvSpPr/>
+          <p:nvPr/>
+        </p:nvSpPr>
+        <p:spPr>
+          <a:xfrm>
+            <a:off x="332582" y="2282922"/>
+            <a:ext cx="841248" cy="603504"/>
+          </a:xfrm>
+          <a:prstGeom prst="roundRect">
+            <a:avLst/>
+          </a:prstGeom>
+          <a:noFill/>
+        </p:spPr>
+        <p:style>
+          <a:lnRef idx="2">
+            <a:schemeClr val="accent1">
+              <a:shade val="50000"/>
+            </a:schemeClr>
+          </a:lnRef>
+          <a:fillRef idx="1">
+            <a:schemeClr val="accent1"/>
+          </a:fillRef>
+          <a:effectRef idx="0">
+            <a:schemeClr val="accent1"/>
+          </a:effectRef>
+          <a:fontRef idx="minor">
+            <a:schemeClr val="lt1"/>
+          </a:fontRef>
+        </p:style>
+        <p:txBody>
+          <a:bodyPr rtlCol="0" anchor="ctr"/>
+          <a:lstStyle/>
+          <a:p>
+            <a:pPr algn="ctr"/>
+            <a:endParaRPr lang="es-419"/>
+          </a:p>
+        </p:txBody>
+      </p:sp>
+      <p:sp>
+        <p:nvSpPr>
+          <p:cNvPr id="27" name="Parallelogram 26">
+            <a:extLst>
+              <a:ext uri="{FF2B5EF4-FFF2-40B4-BE49-F238E27FC236}">
+                <a16:creationId xmlns:a16="http://schemas.microsoft.com/office/drawing/2014/main" id="{91667747-52FC-277E-A086-34D36B900F20}"/>
+              </a:ext>
+            </a:extLst>
+          </p:cNvPr>
+          <p:cNvSpPr/>
+          <p:nvPr/>
+        </p:nvSpPr>
+        <p:spPr>
+          <a:xfrm>
+            <a:off x="332582" y="2950434"/>
+            <a:ext cx="841248" cy="169164"/>
+          </a:xfrm>
+          <a:prstGeom prst="parallelogram">
+            <a:avLst/>
+          </a:prstGeom>
+          <a:noFill/>
+        </p:spPr>
+        <p:style>
+          <a:lnRef idx="2">
+            <a:schemeClr val="accent1">
+              <a:shade val="50000"/>
+            </a:schemeClr>
+          </a:lnRef>
+          <a:fillRef idx="1">
+            <a:schemeClr val="accent1"/>
+          </a:fillRef>
+          <a:effectRef idx="0">
+            <a:schemeClr val="accent1"/>
+          </a:effectRef>
+          <a:fontRef idx="minor">
+            <a:schemeClr val="lt1"/>
+          </a:fontRef>
+        </p:style>
+        <p:txBody>
+          <a:bodyPr rtlCol="0" anchor="ctr"/>
+          <a:lstStyle/>
+          <a:p>
+            <a:pPr algn="ctr"/>
+            <a:endParaRPr lang="es-419"/>
+          </a:p>
+        </p:txBody>
+      </p:sp>
+      <p:cxnSp>
+        <p:nvCxnSpPr>
+          <p:cNvPr id="28" name="Straight Arrow Connector 27">
+            <a:extLst>
+              <a:ext uri="{FF2B5EF4-FFF2-40B4-BE49-F238E27FC236}">
+                <a16:creationId xmlns:a16="http://schemas.microsoft.com/office/drawing/2014/main" id="{22E5DA4E-6197-5EA3-A49C-392CEE78D20F}"/>
+              </a:ext>
+            </a:extLst>
+          </p:cNvPr>
+          <p:cNvCxnSpPr>
+            <a:cxnSpLocks/>
+          </p:cNvCxnSpPr>
+          <p:nvPr/>
+        </p:nvCxnSpPr>
+        <p:spPr>
+          <a:xfrm>
+            <a:off x="1173830" y="2584674"/>
+            <a:ext cx="1153668" cy="0"/>
+          </a:xfrm>
+          <a:prstGeom prst="straightConnector1">
+            <a:avLst/>
+          </a:prstGeom>
+          <a:ln>
+            <a:tailEnd type="triangle"/>
+          </a:ln>
+        </p:spPr>
+        <p:style>
+          <a:lnRef idx="1">
+            <a:schemeClr val="accent1"/>
+          </a:lnRef>
+          <a:fillRef idx="0">
+            <a:schemeClr val="accent1"/>
+          </a:fillRef>
+          <a:effectRef idx="0">
+            <a:schemeClr val="accent1"/>
+          </a:effectRef>
+          <a:fontRef idx="minor">
+            <a:schemeClr val="tx1"/>
+          </a:fontRef>
+        </p:style>
+      </p:cxnSp>
+      <p:sp>
+        <p:nvSpPr>
+          <p:cNvPr id="42" name="Hexagon 41">
+            <a:extLst>
+              <a:ext uri="{FF2B5EF4-FFF2-40B4-BE49-F238E27FC236}">
+                <a16:creationId xmlns:a16="http://schemas.microsoft.com/office/drawing/2014/main" id="{D696197B-5AD1-8BE6-2224-BABDC3CEF4C8}"/>
+              </a:ext>
+            </a:extLst>
+          </p:cNvPr>
+          <p:cNvSpPr/>
+          <p:nvPr/>
+        </p:nvSpPr>
+        <p:spPr>
+          <a:xfrm>
+            <a:off x="6105743" y="1152622"/>
+            <a:ext cx="813816" cy="701566"/>
+          </a:xfrm>
+          <a:prstGeom prst="hexagon">
+            <a:avLst/>
+          </a:prstGeom>
+          <a:noFill/>
+        </p:spPr>
+        <p:style>
+          <a:lnRef idx="2">
+            <a:schemeClr val="accent1">
+              <a:shade val="50000"/>
+            </a:schemeClr>
+          </a:lnRef>
+          <a:fillRef idx="1">
+            <a:schemeClr val="accent1"/>
+          </a:fillRef>
+          <a:effectRef idx="0">
+            <a:schemeClr val="accent1"/>
+          </a:effectRef>
+          <a:fontRef idx="minor">
+            <a:schemeClr val="lt1"/>
+          </a:fontRef>
+        </p:style>
+        <p:txBody>
+          <a:bodyPr rtlCol="0" anchor="ctr"/>
+          <a:lstStyle/>
+          <a:p>
+            <a:pPr algn="ctr"/>
+            <a:endParaRPr lang="es-419" sz="900" dirty="0">
+              <a:solidFill>
+                <a:sysClr val="windowText" lastClr="000000"/>
+              </a:solidFill>
+            </a:endParaRPr>
+          </a:p>
+        </p:txBody>
+      </p:sp>
+      <p:sp>
+        <p:nvSpPr>
+          <p:cNvPr id="43" name="Hexagon 42">
+            <a:extLst>
+              <a:ext uri="{FF2B5EF4-FFF2-40B4-BE49-F238E27FC236}">
+                <a16:creationId xmlns:a16="http://schemas.microsoft.com/office/drawing/2014/main" id="{0D0DB8B0-3985-55D5-A53F-FBCB8E378752}"/>
+              </a:ext>
+            </a:extLst>
+          </p:cNvPr>
+          <p:cNvSpPr/>
+          <p:nvPr/>
+        </p:nvSpPr>
+        <p:spPr>
+          <a:xfrm>
+            <a:off x="6021674" y="1233758"/>
+            <a:ext cx="813816" cy="701566"/>
+          </a:xfrm>
+          <a:prstGeom prst="hexagon">
+            <a:avLst/>
+          </a:prstGeom>
+          <a:noFill/>
+        </p:spPr>
+        <p:style>
+          <a:lnRef idx="2">
+            <a:schemeClr val="accent1">
+              <a:shade val="50000"/>
+            </a:schemeClr>
+          </a:lnRef>
+          <a:fillRef idx="1">
+            <a:schemeClr val="accent1"/>
+          </a:fillRef>
+          <a:effectRef idx="0">
+            <a:schemeClr val="accent1"/>
+          </a:effectRef>
+          <a:fontRef idx="minor">
+            <a:schemeClr val="lt1"/>
+          </a:fontRef>
+        </p:style>
+        <p:txBody>
+          <a:bodyPr rtlCol="0" anchor="ctr"/>
+          <a:lstStyle/>
+          <a:p>
+            <a:pPr algn="ctr"/>
+            <a:endParaRPr lang="es-419" sz="900" dirty="0">
+              <a:solidFill>
+                <a:sysClr val="windowText" lastClr="000000"/>
+              </a:solidFill>
+            </a:endParaRPr>
+          </a:p>
+        </p:txBody>
+      </p:sp>
+      <p:sp>
+        <p:nvSpPr>
+          <p:cNvPr id="44" name="Hexagon 43">
+            <a:extLst>
+              <a:ext uri="{FF2B5EF4-FFF2-40B4-BE49-F238E27FC236}">
+                <a16:creationId xmlns:a16="http://schemas.microsoft.com/office/drawing/2014/main" id="{F023287A-CC31-B525-F02F-A5E24B837394}"/>
+              </a:ext>
+            </a:extLst>
+          </p:cNvPr>
+          <p:cNvSpPr/>
+          <p:nvPr/>
+        </p:nvSpPr>
+        <p:spPr>
+          <a:xfrm>
+            <a:off x="5916386" y="1308197"/>
+            <a:ext cx="813816" cy="701566"/>
+          </a:xfrm>
+          <a:prstGeom prst="hexagon">
+            <a:avLst/>
+          </a:prstGeom>
+          <a:solidFill>
+            <a:schemeClr val="bg1"/>
+          </a:solidFill>
+        </p:spPr>
+        <p:style>
+          <a:lnRef idx="2">
+            <a:schemeClr val="accent1">
+              <a:shade val="50000"/>
+            </a:schemeClr>
+          </a:lnRef>
+          <a:fillRef idx="1">
+            <a:schemeClr val="accent1"/>
+          </a:fillRef>
+          <a:effectRef idx="0">
+            <a:schemeClr val="accent1"/>
+          </a:effectRef>
+          <a:fontRef idx="minor">
+            <a:schemeClr val="lt1"/>
+          </a:fontRef>
+        </p:style>
+        <p:txBody>
+          <a:bodyPr rtlCol="0" anchor="ctr"/>
+          <a:lstStyle/>
+          <a:p>
+            <a:pPr algn="ctr"/>
+            <a:r>
+              <a:rPr lang="es-419" sz="900" dirty="0" err="1">
+                <a:solidFill>
+                  <a:sysClr val="windowText" lastClr="000000"/>
+                </a:solidFill>
+              </a:rPr>
+              <a:t>Product</a:t>
+            </a:r>
+            <a:r>
+              <a:rPr lang="es-419" sz="900" dirty="0">
+                <a:solidFill>
+                  <a:sysClr val="windowText" lastClr="000000"/>
+                </a:solidFill>
+              </a:rPr>
+              <a:t> </a:t>
+            </a:r>
+            <a:r>
+              <a:rPr lang="es-419" sz="900" dirty="0" err="1">
+                <a:solidFill>
+                  <a:sysClr val="windowText" lastClr="000000"/>
+                </a:solidFill>
+              </a:rPr>
+              <a:t>Service</a:t>
+            </a:r>
+            <a:endParaRPr lang="es-419" sz="900" dirty="0">
+              <a:solidFill>
+                <a:sysClr val="windowText" lastClr="000000"/>
+              </a:solidFill>
+            </a:endParaRPr>
+          </a:p>
+        </p:txBody>
+      </p:sp>
+      <p:cxnSp>
+        <p:nvCxnSpPr>
+          <p:cNvPr id="45" name="Connector: Curved 44">
+            <a:extLst>
+              <a:ext uri="{FF2B5EF4-FFF2-40B4-BE49-F238E27FC236}">
+                <a16:creationId xmlns:a16="http://schemas.microsoft.com/office/drawing/2014/main" id="{3A474A11-C079-ECA8-361E-F34318D686BE}"/>
+              </a:ext>
+            </a:extLst>
+          </p:cNvPr>
+          <p:cNvCxnSpPr>
+            <a:cxnSpLocks/>
+          </p:cNvCxnSpPr>
+          <p:nvPr/>
+        </p:nvCxnSpPr>
+        <p:spPr>
+          <a:xfrm rot="5400000" flipH="1" flipV="1">
+            <a:off x="4083464" y="82584"/>
+            <a:ext cx="782701" cy="3233928"/>
+          </a:xfrm>
+          <a:prstGeom prst="curvedConnector3">
+            <a:avLst>
+              <a:gd name="adj1" fmla="val 154763"/>
+            </a:avLst>
+          </a:prstGeom>
+          <a:ln>
+            <a:tailEnd type="triangle"/>
+          </a:ln>
+        </p:spPr>
+        <p:style>
+          <a:lnRef idx="1">
+            <a:schemeClr val="accent1"/>
+          </a:lnRef>
+          <a:fillRef idx="0">
+            <a:schemeClr val="accent1"/>
+          </a:fillRef>
+          <a:effectRef idx="0">
+            <a:schemeClr val="accent1"/>
+          </a:effectRef>
+          <a:fontRef idx="minor">
+            <a:schemeClr val="tx1"/>
+          </a:fontRef>
+        </p:style>
+      </p:cxnSp>
+      <p:sp>
+        <p:nvSpPr>
+          <p:cNvPr id="46" name="Rectangle: Rounded Corners 45">
+            <a:extLst>
+              <a:ext uri="{FF2B5EF4-FFF2-40B4-BE49-F238E27FC236}">
+                <a16:creationId xmlns:a16="http://schemas.microsoft.com/office/drawing/2014/main" id="{B4560927-0869-4B70-A11B-1555AFF93B43}"/>
+              </a:ext>
+            </a:extLst>
+          </p:cNvPr>
+          <p:cNvSpPr/>
+          <p:nvPr/>
+        </p:nvSpPr>
+        <p:spPr>
+          <a:xfrm>
+            <a:off x="3815946" y="5683731"/>
+            <a:ext cx="2267712" cy="400558"/>
+          </a:xfrm>
+          <a:prstGeom prst="roundRect">
+            <a:avLst/>
+          </a:prstGeom>
+          <a:solidFill>
+            <a:schemeClr val="bg1"/>
+          </a:solidFill>
+        </p:spPr>
+        <p:style>
+          <a:lnRef idx="2">
+            <a:schemeClr val="accent1">
+              <a:shade val="50000"/>
+            </a:schemeClr>
+          </a:lnRef>
+          <a:fillRef idx="1">
+            <a:schemeClr val="accent1"/>
+          </a:fillRef>
+          <a:effectRef idx="0">
+            <a:schemeClr val="accent1"/>
+          </a:effectRef>
+          <a:fontRef idx="minor">
+            <a:schemeClr val="lt1"/>
+          </a:fontRef>
+        </p:style>
+        <p:txBody>
+          <a:bodyPr vert="horz" rtlCol="0" anchor="ctr"/>
+          <a:lstStyle/>
+          <a:p>
+            <a:pPr algn="ctr"/>
+            <a:r>
+              <a:rPr lang="es-419" dirty="0" err="1">
+                <a:solidFill>
+                  <a:sysClr val="windowText" lastClr="000000"/>
+                </a:solidFill>
+              </a:rPr>
+              <a:t>Logstash</a:t>
+            </a:r>
+            <a:endParaRPr lang="es-419" dirty="0">
+              <a:solidFill>
+                <a:sysClr val="windowText" lastClr="000000"/>
+              </a:solidFill>
+            </a:endParaRPr>
+          </a:p>
+        </p:txBody>
+      </p:sp>
+      <p:cxnSp>
+        <p:nvCxnSpPr>
+          <p:cNvPr id="47" name="Straight Arrow Connector 46">
+            <a:extLst>
+              <a:ext uri="{FF2B5EF4-FFF2-40B4-BE49-F238E27FC236}">
+                <a16:creationId xmlns:a16="http://schemas.microsoft.com/office/drawing/2014/main" id="{F3AE4882-C877-468C-429D-B75182815BD9}"/>
+              </a:ext>
+            </a:extLst>
+          </p:cNvPr>
+          <p:cNvCxnSpPr>
+            <a:cxnSpLocks/>
+          </p:cNvCxnSpPr>
+          <p:nvPr/>
+        </p:nvCxnSpPr>
+        <p:spPr>
+          <a:xfrm flipH="1">
+            <a:off x="4949802" y="2009763"/>
+            <a:ext cx="1141976" cy="3673968"/>
+          </a:xfrm>
+          <a:prstGeom prst="straightConnector1">
+            <a:avLst/>
+          </a:prstGeom>
+          <a:ln>
+            <a:solidFill>
+              <a:srgbClr val="00B050"/>
+            </a:solidFill>
+            <a:tailEnd type="triangle"/>
+          </a:ln>
+        </p:spPr>
+        <p:style>
+          <a:lnRef idx="1">
+            <a:schemeClr val="accent1"/>
+          </a:lnRef>
+          <a:fillRef idx="0">
+            <a:schemeClr val="accent1"/>
+          </a:fillRef>
+          <a:effectRef idx="0">
+            <a:schemeClr val="accent1"/>
+          </a:effectRef>
+          <a:fontRef idx="minor">
+            <a:schemeClr val="tx1"/>
+          </a:fontRef>
+        </p:style>
+      </p:cxnSp>
+      <p:cxnSp>
+        <p:nvCxnSpPr>
+          <p:cNvPr id="48" name="Straight Arrow Connector 47">
+            <a:extLst>
+              <a:ext uri="{FF2B5EF4-FFF2-40B4-BE49-F238E27FC236}">
+                <a16:creationId xmlns:a16="http://schemas.microsoft.com/office/drawing/2014/main" id="{C743DAD8-8CCA-F04F-DC2D-2488ECD20834}"/>
+              </a:ext>
+            </a:extLst>
+          </p:cNvPr>
+          <p:cNvCxnSpPr>
+            <a:cxnSpLocks/>
+          </p:cNvCxnSpPr>
+          <p:nvPr/>
+        </p:nvCxnSpPr>
+        <p:spPr>
+          <a:xfrm flipH="1">
+            <a:off x="4949802" y="3792226"/>
+            <a:ext cx="1955792" cy="1891505"/>
+          </a:xfrm>
+          <a:prstGeom prst="straightConnector1">
+            <a:avLst/>
+          </a:prstGeom>
+          <a:ln>
+            <a:solidFill>
+              <a:srgbClr val="00B050"/>
+            </a:solidFill>
+            <a:tailEnd type="triangle"/>
+          </a:ln>
+        </p:spPr>
+        <p:style>
+          <a:lnRef idx="1">
+            <a:schemeClr val="accent1"/>
+          </a:lnRef>
+          <a:fillRef idx="0">
+            <a:schemeClr val="accent1"/>
+          </a:fillRef>
+          <a:effectRef idx="0">
+            <a:schemeClr val="accent1"/>
+          </a:effectRef>
+          <a:fontRef idx="minor">
+            <a:schemeClr val="tx1"/>
+          </a:fontRef>
+        </p:style>
+      </p:cxnSp>
+      <p:cxnSp>
+        <p:nvCxnSpPr>
+          <p:cNvPr id="49" name="Straight Arrow Connector 48">
+            <a:extLst>
+              <a:ext uri="{FF2B5EF4-FFF2-40B4-BE49-F238E27FC236}">
+                <a16:creationId xmlns:a16="http://schemas.microsoft.com/office/drawing/2014/main" id="{71E320A6-A316-51ED-F369-F4F2BE9A19A0}"/>
+              </a:ext>
+            </a:extLst>
+          </p:cNvPr>
+          <p:cNvCxnSpPr>
+            <a:cxnSpLocks/>
+          </p:cNvCxnSpPr>
+          <p:nvPr/>
+        </p:nvCxnSpPr>
+        <p:spPr>
+          <a:xfrm flipH="1">
+            <a:off x="4949802" y="2009763"/>
+            <a:ext cx="1141976" cy="3673968"/>
+          </a:xfrm>
+          <a:prstGeom prst="straightConnector1">
+            <a:avLst/>
+          </a:prstGeom>
+          <a:ln>
+            <a:solidFill>
+              <a:srgbClr val="00B050"/>
+            </a:solidFill>
+            <a:tailEnd type="triangle"/>
+          </a:ln>
+        </p:spPr>
+        <p:style>
+          <a:lnRef idx="1">
+            <a:schemeClr val="accent1"/>
+          </a:lnRef>
+          <a:fillRef idx="0">
+            <a:schemeClr val="accent1"/>
+          </a:fillRef>
+          <a:effectRef idx="0">
+            <a:schemeClr val="accent1"/>
+          </a:effectRef>
+          <a:fontRef idx="minor">
+            <a:schemeClr val="tx1"/>
+          </a:fontRef>
+        </p:style>
+      </p:cxnSp>
+      <p:cxnSp>
+        <p:nvCxnSpPr>
+          <p:cNvPr id="50" name="Straight Arrow Connector 49">
+            <a:extLst>
+              <a:ext uri="{FF2B5EF4-FFF2-40B4-BE49-F238E27FC236}">
+                <a16:creationId xmlns:a16="http://schemas.microsoft.com/office/drawing/2014/main" id="{41082DB2-93C0-0E9A-CADF-82BA559EE24D}"/>
+              </a:ext>
+            </a:extLst>
+          </p:cNvPr>
+          <p:cNvCxnSpPr>
+            <a:cxnSpLocks/>
+          </p:cNvCxnSpPr>
+          <p:nvPr/>
+        </p:nvCxnSpPr>
+        <p:spPr>
+          <a:xfrm flipH="1">
+            <a:off x="4949802" y="3792226"/>
+            <a:ext cx="1955792" cy="1891505"/>
+          </a:xfrm>
+          <a:prstGeom prst="straightConnector1">
+            <a:avLst/>
+          </a:prstGeom>
+          <a:ln>
+            <a:solidFill>
+              <a:srgbClr val="00B050"/>
+            </a:solidFill>
+            <a:tailEnd type="triangle"/>
+          </a:ln>
+        </p:spPr>
+        <p:style>
+          <a:lnRef idx="1">
+            <a:schemeClr val="accent1"/>
+          </a:lnRef>
+          <a:fillRef idx="0">
+            <a:schemeClr val="accent1"/>
+          </a:fillRef>
+          <a:effectRef idx="0">
+            <a:schemeClr val="accent1"/>
+          </a:effectRef>
+          <a:fontRef idx="minor">
+            <a:schemeClr val="tx1"/>
+          </a:fontRef>
+        </p:style>
+      </p:cxnSp>
+      <p:cxnSp>
+        <p:nvCxnSpPr>
+          <p:cNvPr id="51" name="Connector: Curved 50">
+            <a:extLst>
+              <a:ext uri="{FF2B5EF4-FFF2-40B4-BE49-F238E27FC236}">
+                <a16:creationId xmlns:a16="http://schemas.microsoft.com/office/drawing/2014/main" id="{639BB809-762A-CC30-173A-FCB79D2ABBF9}"/>
+              </a:ext>
+            </a:extLst>
+          </p:cNvPr>
+          <p:cNvCxnSpPr>
+            <a:cxnSpLocks/>
+          </p:cNvCxnSpPr>
+          <p:nvPr/>
+        </p:nvCxnSpPr>
+        <p:spPr>
+          <a:xfrm rot="16200000" flipH="1">
+            <a:off x="891797" y="2959861"/>
+            <a:ext cx="2764412" cy="3083885"/>
+          </a:xfrm>
+          <a:prstGeom prst="curvedConnector2">
+            <a:avLst/>
+          </a:prstGeom>
+          <a:ln>
+            <a:tailEnd type="triangle"/>
+          </a:ln>
+        </p:spPr>
+        <p:style>
+          <a:lnRef idx="1">
+            <a:schemeClr val="accent1"/>
+          </a:lnRef>
+          <a:fillRef idx="0">
+            <a:schemeClr val="accent1"/>
+          </a:fillRef>
+          <a:effectRef idx="0">
+            <a:schemeClr val="accent1"/>
+          </a:effectRef>
+          <a:fontRef idx="minor">
+            <a:schemeClr val="tx1"/>
+          </a:fontRef>
+        </p:style>
+      </p:cxnSp>
+      <p:sp>
+        <p:nvSpPr>
+          <p:cNvPr id="52" name="Cylinder 51">
+            <a:extLst>
+              <a:ext uri="{FF2B5EF4-FFF2-40B4-BE49-F238E27FC236}">
+                <a16:creationId xmlns:a16="http://schemas.microsoft.com/office/drawing/2014/main" id="{E8B95585-7E28-F425-9811-D6321A737A9D}"/>
+              </a:ext>
+            </a:extLst>
+          </p:cNvPr>
+          <p:cNvSpPr/>
+          <p:nvPr/>
+        </p:nvSpPr>
+        <p:spPr>
+          <a:xfrm>
+            <a:off x="9074406" y="5520291"/>
+            <a:ext cx="891672" cy="727437"/>
+          </a:xfrm>
+          <a:prstGeom prst="can">
+            <a:avLst/>
+          </a:prstGeom>
+          <a:solidFill>
+            <a:schemeClr val="bg1"/>
+          </a:solidFill>
+        </p:spPr>
+        <p:style>
+          <a:lnRef idx="2">
+            <a:schemeClr val="accent1">
+              <a:shade val="50000"/>
+            </a:schemeClr>
+          </a:lnRef>
+          <a:fillRef idx="1">
+            <a:schemeClr val="accent1"/>
+          </a:fillRef>
+          <a:effectRef idx="0">
+            <a:schemeClr val="accent1"/>
+          </a:effectRef>
+          <a:fontRef idx="minor">
+            <a:schemeClr val="lt1"/>
+          </a:fontRef>
+        </p:style>
+        <p:txBody>
+          <a:bodyPr rtlCol="0" anchor="ctr"/>
+          <a:lstStyle/>
+          <a:p>
+            <a:pPr algn="ctr"/>
+            <a:r>
+              <a:rPr lang="es-419" sz="1400" dirty="0" err="1">
+                <a:solidFill>
+                  <a:sysClr val="windowText" lastClr="000000"/>
+                </a:solidFill>
+              </a:rPr>
+              <a:t>Elastic</a:t>
+            </a:r>
+            <a:r>
+              <a:rPr lang="es-419" sz="1400" dirty="0">
+                <a:solidFill>
+                  <a:sysClr val="windowText" lastClr="000000"/>
+                </a:solidFill>
+              </a:rPr>
+              <a:t> </a:t>
+            </a:r>
+            <a:r>
+              <a:rPr lang="es-419" sz="1400" dirty="0" err="1">
+                <a:solidFill>
+                  <a:sysClr val="windowText" lastClr="000000"/>
+                </a:solidFill>
+              </a:rPr>
+              <a:t>Search</a:t>
+            </a:r>
+            <a:endParaRPr lang="es-419" sz="1400" dirty="0">
+              <a:solidFill>
+                <a:sysClr val="windowText" lastClr="000000"/>
+              </a:solidFill>
+            </a:endParaRPr>
+          </a:p>
+        </p:txBody>
+      </p:sp>
+      <p:cxnSp>
+        <p:nvCxnSpPr>
+          <p:cNvPr id="53" name="Straight Arrow Connector 52">
+            <a:extLst>
+              <a:ext uri="{FF2B5EF4-FFF2-40B4-BE49-F238E27FC236}">
+                <a16:creationId xmlns:a16="http://schemas.microsoft.com/office/drawing/2014/main" id="{DF790314-E4DE-C6BA-751D-D5AF180DC73F}"/>
+              </a:ext>
+            </a:extLst>
+          </p:cNvPr>
+          <p:cNvCxnSpPr>
+            <a:cxnSpLocks/>
+            <a:endCxn id="52" idx="2"/>
+          </p:cNvCxnSpPr>
+          <p:nvPr/>
+        </p:nvCxnSpPr>
+        <p:spPr>
+          <a:xfrm>
+            <a:off x="6083658" y="5884010"/>
+            <a:ext cx="2990748" cy="0"/>
+          </a:xfrm>
+          <a:prstGeom prst="straightConnector1">
+            <a:avLst/>
+          </a:prstGeom>
+          <a:ln>
+            <a:tailEnd type="triangle"/>
+          </a:ln>
+        </p:spPr>
+        <p:style>
+          <a:lnRef idx="1">
+            <a:schemeClr val="accent1"/>
+          </a:lnRef>
+          <a:fillRef idx="0">
+            <a:schemeClr val="accent1"/>
+          </a:fillRef>
+          <a:effectRef idx="0">
+            <a:schemeClr val="accent1"/>
+          </a:effectRef>
+          <a:fontRef idx="minor">
+            <a:schemeClr val="tx1"/>
+          </a:fontRef>
+        </p:style>
+      </p:cxnSp>
+      <p:sp>
+        <p:nvSpPr>
+          <p:cNvPr id="54" name="TextBox 53">
+            <a:extLst>
+              <a:ext uri="{FF2B5EF4-FFF2-40B4-BE49-F238E27FC236}">
+                <a16:creationId xmlns:a16="http://schemas.microsoft.com/office/drawing/2014/main" id="{A28DE6B9-4A8B-46FE-8BFE-367DF71E6641}"/>
+              </a:ext>
+            </a:extLst>
+          </p:cNvPr>
+          <p:cNvSpPr txBox="1"/>
+          <p:nvPr/>
+        </p:nvSpPr>
+        <p:spPr>
+          <a:xfrm>
+            <a:off x="3733588" y="5001146"/>
+            <a:ext cx="1011815" cy="415498"/>
+          </a:xfrm>
+          <a:prstGeom prst="rect">
+            <a:avLst/>
+          </a:prstGeom>
+          <a:noFill/>
+        </p:spPr>
+        <p:txBody>
+          <a:bodyPr wrap="none" rtlCol="0">
+            <a:spAutoFit/>
+          </a:bodyPr>
+          <a:lstStyle/>
+          <a:p>
+            <a:r>
+              <a:rPr lang="es-419" sz="1050" dirty="0">
+                <a:latin typeface="Arial" panose="020B0604020202020204" pitchFamily="34" charset="0"/>
+                <a:cs typeface="Arial" panose="020B0604020202020204" pitchFamily="34" charset="0"/>
+              </a:rPr>
+              <a:t>5044:5044</a:t>
+            </a:r>
+          </a:p>
+          <a:p>
+            <a:r>
+              <a:rPr lang="es-419" sz="1050" dirty="0">
+                <a:latin typeface="Arial" panose="020B0604020202020204" pitchFamily="34" charset="0"/>
+                <a:cs typeface="Arial" panose="020B0604020202020204" pitchFamily="34" charset="0"/>
+              </a:rPr>
+              <a:t>28080: 28080</a:t>
+            </a:r>
+          </a:p>
+        </p:txBody>
+      </p:sp>
+      <p:sp>
+        <p:nvSpPr>
+          <p:cNvPr id="55" name="Rectangle 54">
+            <a:extLst>
+              <a:ext uri="{FF2B5EF4-FFF2-40B4-BE49-F238E27FC236}">
+                <a16:creationId xmlns:a16="http://schemas.microsoft.com/office/drawing/2014/main" id="{A36EEAC0-2901-C2D7-6C34-EF7D87601862}"/>
+              </a:ext>
+            </a:extLst>
+          </p:cNvPr>
+          <p:cNvSpPr/>
+          <p:nvPr/>
+        </p:nvSpPr>
+        <p:spPr>
+          <a:xfrm>
+            <a:off x="8867403" y="3490983"/>
+            <a:ext cx="1252728" cy="1164770"/>
+          </a:xfrm>
+          <a:prstGeom prst="rect">
+            <a:avLst/>
+          </a:prstGeom>
+          <a:noFill/>
+        </p:spPr>
+        <p:style>
+          <a:lnRef idx="2">
+            <a:schemeClr val="accent1">
+              <a:shade val="50000"/>
+            </a:schemeClr>
+          </a:lnRef>
+          <a:fillRef idx="1">
+            <a:schemeClr val="accent1"/>
+          </a:fillRef>
+          <a:effectRef idx="0">
+            <a:schemeClr val="accent1"/>
+          </a:effectRef>
+          <a:fontRef idx="minor">
+            <a:schemeClr val="lt1"/>
+          </a:fontRef>
+        </p:style>
+        <p:txBody>
+          <a:bodyPr rtlCol="0" anchor="ctr"/>
+          <a:lstStyle/>
+          <a:p>
+            <a:pPr algn="ctr"/>
+            <a:r>
+              <a:rPr lang="es-419" sz="1400" dirty="0" err="1">
+                <a:solidFill>
+                  <a:schemeClr val="tx1"/>
+                </a:solidFill>
+              </a:rPr>
+              <a:t>Kibana</a:t>
+            </a:r>
+            <a:endParaRPr lang="es-419" sz="1400" dirty="0">
+              <a:solidFill>
+                <a:schemeClr val="tx1"/>
+              </a:solidFill>
+            </a:endParaRPr>
+          </a:p>
+        </p:txBody>
+      </p:sp>
+      <p:cxnSp>
+        <p:nvCxnSpPr>
+          <p:cNvPr id="56" name="Straight Arrow Connector 55">
+            <a:extLst>
+              <a:ext uri="{FF2B5EF4-FFF2-40B4-BE49-F238E27FC236}">
+                <a16:creationId xmlns:a16="http://schemas.microsoft.com/office/drawing/2014/main" id="{91C2D989-70F0-4436-BEAD-7AEA88AD1812}"/>
+              </a:ext>
+            </a:extLst>
+          </p:cNvPr>
+          <p:cNvCxnSpPr>
+            <a:cxnSpLocks/>
+            <a:endCxn id="55" idx="2"/>
+          </p:cNvCxnSpPr>
+          <p:nvPr/>
+        </p:nvCxnSpPr>
+        <p:spPr>
+          <a:xfrm flipV="1">
+            <a:off x="9493767" y="4655753"/>
+            <a:ext cx="0" cy="874788"/>
+          </a:xfrm>
+          <a:prstGeom prst="straightConnector1">
+            <a:avLst/>
+          </a:prstGeom>
+          <a:ln>
+            <a:tailEnd type="triangle"/>
+          </a:ln>
+        </p:spPr>
+        <p:style>
+          <a:lnRef idx="1">
+            <a:schemeClr val="accent1"/>
+          </a:lnRef>
+          <a:fillRef idx="0">
+            <a:schemeClr val="accent1"/>
+          </a:fillRef>
+          <a:effectRef idx="0">
+            <a:schemeClr val="accent1"/>
+          </a:effectRef>
+          <a:fontRef idx="minor">
+            <a:schemeClr val="tx1"/>
+          </a:fontRef>
+        </p:style>
+      </p:cxnSp>
+      <p:sp>
+        <p:nvSpPr>
+          <p:cNvPr id="57" name="TextBox 56">
+            <a:extLst>
+              <a:ext uri="{FF2B5EF4-FFF2-40B4-BE49-F238E27FC236}">
+                <a16:creationId xmlns:a16="http://schemas.microsoft.com/office/drawing/2014/main" id="{76DAAE1B-949C-CF5D-1A5B-A21E94D097D2}"/>
+              </a:ext>
+            </a:extLst>
+          </p:cNvPr>
+          <p:cNvSpPr txBox="1"/>
+          <p:nvPr/>
+        </p:nvSpPr>
+        <p:spPr>
+          <a:xfrm>
+            <a:off x="8848068" y="3182947"/>
+            <a:ext cx="824265" cy="253916"/>
+          </a:xfrm>
+          <a:prstGeom prst="rect">
+            <a:avLst/>
+          </a:prstGeom>
+          <a:noFill/>
+        </p:spPr>
+        <p:txBody>
+          <a:bodyPr wrap="none" rtlCol="0">
+            <a:spAutoFit/>
+          </a:bodyPr>
+          <a:lstStyle/>
+          <a:p>
+            <a:r>
+              <a:rPr lang="es-419" sz="1050" dirty="0">
+                <a:latin typeface="Arial" panose="020B0604020202020204" pitchFamily="34" charset="0"/>
+                <a:cs typeface="Arial" panose="020B0604020202020204" pitchFamily="34" charset="0"/>
+              </a:rPr>
+              <a:t>5601:5601</a:t>
+            </a:r>
+          </a:p>
+        </p:txBody>
+      </p:sp>
+      <p:sp>
+        <p:nvSpPr>
+          <p:cNvPr id="58" name="TextBox 57">
+            <a:extLst>
+              <a:ext uri="{FF2B5EF4-FFF2-40B4-BE49-F238E27FC236}">
+                <a16:creationId xmlns:a16="http://schemas.microsoft.com/office/drawing/2014/main" id="{FC6D9BBA-C529-11C2-11A3-312A860B59EC}"/>
+              </a:ext>
+            </a:extLst>
+          </p:cNvPr>
+          <p:cNvSpPr txBox="1"/>
+          <p:nvPr/>
+        </p:nvSpPr>
+        <p:spPr>
+          <a:xfrm>
+            <a:off x="9500996" y="5009517"/>
+            <a:ext cx="824265" cy="253916"/>
+          </a:xfrm>
+          <a:prstGeom prst="rect">
+            <a:avLst/>
+          </a:prstGeom>
+          <a:noFill/>
+        </p:spPr>
+        <p:txBody>
+          <a:bodyPr wrap="none" rtlCol="0">
+            <a:spAutoFit/>
+          </a:bodyPr>
+          <a:lstStyle/>
+          <a:p>
+            <a:r>
+              <a:rPr lang="es-419" sz="1050" dirty="0">
+                <a:latin typeface="Arial" panose="020B0604020202020204" pitchFamily="34" charset="0"/>
+                <a:cs typeface="Arial" panose="020B0604020202020204" pitchFamily="34" charset="0"/>
+              </a:rPr>
+              <a:t>9200:9200</a:t>
+            </a:r>
+          </a:p>
+        </p:txBody>
+      </p:sp>
+    </p:spTree>
+    <p:extLst>
+      <p:ext uri="{BB962C8B-B14F-4D97-AF65-F5344CB8AC3E}">
+        <p14:creationId xmlns:p14="http://schemas.microsoft.com/office/powerpoint/2010/main" val="1405451352"/>
+      </p:ext>
+    </p:extLst>
+  </p:cSld>
+  <p:clrMapOvr>
+    <a:masterClrMapping/>
+  </p:clrMapOvr>
+</p:sld>
+</file>
+
 <file path=ppt/theme/theme1.xml><?xml version="1.0" encoding="utf-8"?>
 <a:theme xmlns:a="http://schemas.openxmlformats.org/drawingml/2006/main" name="Office Theme">
   <a:themeElements>

--- a/06 - Microservices/06.pptx
+++ b/06 - Microservices/06.pptx
@@ -11914,6 +11914,269 @@
           </a:p>
         </p:txBody>
       </p:sp>
+      <p:sp>
+        <p:nvSpPr>
+          <p:cNvPr id="59" name="Rectangle: Rounded Corners 58">
+            <a:extLst>
+              <a:ext uri="{FF2B5EF4-FFF2-40B4-BE49-F238E27FC236}">
+                <a16:creationId xmlns:a16="http://schemas.microsoft.com/office/drawing/2014/main" id="{7BE7F64C-3C76-495A-54CC-EF96D22A466A}"/>
+              </a:ext>
+            </a:extLst>
+          </p:cNvPr>
+          <p:cNvSpPr/>
+          <p:nvPr/>
+        </p:nvSpPr>
+        <p:spPr>
+          <a:xfrm>
+            <a:off x="6592786" y="5136475"/>
+            <a:ext cx="1141976" cy="400558"/>
+          </a:xfrm>
+          <a:prstGeom prst="roundRect">
+            <a:avLst/>
+          </a:prstGeom>
+          <a:noFill/>
+        </p:spPr>
+        <p:style>
+          <a:lnRef idx="2">
+            <a:schemeClr val="accent1">
+              <a:shade val="50000"/>
+            </a:schemeClr>
+          </a:lnRef>
+          <a:fillRef idx="1">
+            <a:schemeClr val="accent1"/>
+          </a:fillRef>
+          <a:effectRef idx="0">
+            <a:schemeClr val="accent1"/>
+          </a:effectRef>
+          <a:fontRef idx="minor">
+            <a:schemeClr val="lt1"/>
+          </a:fontRef>
+        </p:style>
+        <p:txBody>
+          <a:bodyPr vert="horz" rtlCol="0" anchor="ctr"/>
+          <a:lstStyle/>
+          <a:p>
+            <a:pPr algn="ctr"/>
+            <a:r>
+              <a:rPr lang="es-419" dirty="0">
+                <a:solidFill>
+                  <a:sysClr val="windowText" lastClr="000000"/>
+                </a:solidFill>
+              </a:rPr>
+              <a:t>APM</a:t>
+            </a:r>
+          </a:p>
+        </p:txBody>
+      </p:sp>
+      <p:sp>
+        <p:nvSpPr>
+          <p:cNvPr id="60" name="TextBox 59">
+            <a:extLst>
+              <a:ext uri="{FF2B5EF4-FFF2-40B4-BE49-F238E27FC236}">
+                <a16:creationId xmlns:a16="http://schemas.microsoft.com/office/drawing/2014/main" id="{10EE105E-82B8-268B-71B2-6E75309500BD}"/>
+              </a:ext>
+            </a:extLst>
+          </p:cNvPr>
+          <p:cNvSpPr txBox="1"/>
+          <p:nvPr/>
+        </p:nvSpPr>
+        <p:spPr>
+          <a:xfrm>
+            <a:off x="7281786" y="4844480"/>
+            <a:ext cx="824265" cy="253916"/>
+          </a:xfrm>
+          <a:prstGeom prst="rect">
+            <a:avLst/>
+          </a:prstGeom>
+          <a:noFill/>
+        </p:spPr>
+        <p:txBody>
+          <a:bodyPr wrap="none" rtlCol="0">
+            <a:spAutoFit/>
+          </a:bodyPr>
+          <a:lstStyle/>
+          <a:p>
+            <a:r>
+              <a:rPr lang="es-419" sz="1050" dirty="0">
+                <a:latin typeface="Arial" panose="020B0604020202020204" pitchFamily="34" charset="0"/>
+                <a:cs typeface="Arial" panose="020B0604020202020204" pitchFamily="34" charset="0"/>
+              </a:rPr>
+              <a:t>8200:8200</a:t>
+            </a:r>
+          </a:p>
+        </p:txBody>
+      </p:sp>
+      <p:cxnSp>
+        <p:nvCxnSpPr>
+          <p:cNvPr id="61" name="Straight Arrow Connector 60">
+            <a:extLst>
+              <a:ext uri="{FF2B5EF4-FFF2-40B4-BE49-F238E27FC236}">
+                <a16:creationId xmlns:a16="http://schemas.microsoft.com/office/drawing/2014/main" id="{3A543D38-0D03-9149-B5E8-EDE4FBB7E81D}"/>
+              </a:ext>
+            </a:extLst>
+          </p:cNvPr>
+          <p:cNvCxnSpPr/>
+          <p:nvPr/>
+        </p:nvCxnSpPr>
+        <p:spPr>
+          <a:xfrm>
+            <a:off x="2857850" y="3078450"/>
+            <a:ext cx="4305924" cy="2058025"/>
+          </a:xfrm>
+          <a:prstGeom prst="straightConnector1">
+            <a:avLst/>
+          </a:prstGeom>
+          <a:ln>
+            <a:solidFill>
+              <a:schemeClr val="accent2"/>
+            </a:solidFill>
+            <a:tailEnd type="triangle"/>
+          </a:ln>
+        </p:spPr>
+        <p:style>
+          <a:lnRef idx="1">
+            <a:schemeClr val="accent1"/>
+          </a:lnRef>
+          <a:fillRef idx="0">
+            <a:schemeClr val="accent1"/>
+          </a:fillRef>
+          <a:effectRef idx="0">
+            <a:schemeClr val="accent1"/>
+          </a:effectRef>
+          <a:fontRef idx="minor">
+            <a:schemeClr val="tx1"/>
+          </a:fontRef>
+        </p:style>
+      </p:cxnSp>
+      <p:cxnSp>
+        <p:nvCxnSpPr>
+          <p:cNvPr id="62" name="Straight Arrow Connector 61">
+            <a:extLst>
+              <a:ext uri="{FF2B5EF4-FFF2-40B4-BE49-F238E27FC236}">
+                <a16:creationId xmlns:a16="http://schemas.microsoft.com/office/drawing/2014/main" id="{45B58936-80AE-7FFF-427A-766B537FB058}"/>
+              </a:ext>
+            </a:extLst>
+          </p:cNvPr>
+          <p:cNvCxnSpPr>
+            <a:cxnSpLocks/>
+          </p:cNvCxnSpPr>
+          <p:nvPr/>
+        </p:nvCxnSpPr>
+        <p:spPr>
+          <a:xfrm>
+            <a:off x="6091778" y="2009763"/>
+            <a:ext cx="1071996" cy="3126712"/>
+          </a:xfrm>
+          <a:prstGeom prst="straightConnector1">
+            <a:avLst/>
+          </a:prstGeom>
+          <a:ln>
+            <a:solidFill>
+              <a:schemeClr val="accent2"/>
+            </a:solidFill>
+            <a:tailEnd type="triangle"/>
+          </a:ln>
+        </p:spPr>
+        <p:style>
+          <a:lnRef idx="1">
+            <a:schemeClr val="accent1"/>
+          </a:lnRef>
+          <a:fillRef idx="0">
+            <a:schemeClr val="accent1"/>
+          </a:fillRef>
+          <a:effectRef idx="0">
+            <a:schemeClr val="accent1"/>
+          </a:effectRef>
+          <a:fontRef idx="minor">
+            <a:schemeClr val="tx1"/>
+          </a:fontRef>
+        </p:style>
+      </p:cxnSp>
+      <p:cxnSp>
+        <p:nvCxnSpPr>
+          <p:cNvPr id="63" name="Straight Arrow Connector 62">
+            <a:extLst>
+              <a:ext uri="{FF2B5EF4-FFF2-40B4-BE49-F238E27FC236}">
+                <a16:creationId xmlns:a16="http://schemas.microsoft.com/office/drawing/2014/main" id="{68E798F9-976D-D410-6FB2-8964ED577C61}"/>
+              </a:ext>
+            </a:extLst>
+          </p:cNvPr>
+          <p:cNvCxnSpPr>
+            <a:cxnSpLocks/>
+          </p:cNvCxnSpPr>
+          <p:nvPr/>
+        </p:nvCxnSpPr>
+        <p:spPr>
+          <a:xfrm flipH="1">
+            <a:off x="7163774" y="3792226"/>
+            <a:ext cx="204853" cy="1344249"/>
+          </a:xfrm>
+          <a:prstGeom prst="straightConnector1">
+            <a:avLst/>
+          </a:prstGeom>
+          <a:ln>
+            <a:solidFill>
+              <a:schemeClr val="accent2"/>
+            </a:solidFill>
+            <a:tailEnd type="triangle"/>
+          </a:ln>
+        </p:spPr>
+        <p:style>
+          <a:lnRef idx="1">
+            <a:schemeClr val="accent1"/>
+          </a:lnRef>
+          <a:fillRef idx="0">
+            <a:schemeClr val="accent1"/>
+          </a:fillRef>
+          <a:effectRef idx="0">
+            <a:schemeClr val="accent1"/>
+          </a:effectRef>
+          <a:fontRef idx="minor">
+            <a:schemeClr val="tx1"/>
+          </a:fontRef>
+        </p:style>
+      </p:cxnSp>
+      <p:cxnSp>
+        <p:nvCxnSpPr>
+          <p:cNvPr id="64" name="Straight Arrow Connector 63">
+            <a:extLst>
+              <a:ext uri="{FF2B5EF4-FFF2-40B4-BE49-F238E27FC236}">
+                <a16:creationId xmlns:a16="http://schemas.microsoft.com/office/drawing/2014/main" id="{66705244-965C-E9E9-48A8-C2C8EE357BD7}"/>
+              </a:ext>
+            </a:extLst>
+          </p:cNvPr>
+          <p:cNvCxnSpPr>
+            <a:cxnSpLocks/>
+          </p:cNvCxnSpPr>
+          <p:nvPr/>
+        </p:nvCxnSpPr>
+        <p:spPr>
+          <a:xfrm>
+            <a:off x="7734762" y="5336754"/>
+            <a:ext cx="1339644" cy="547256"/>
+          </a:xfrm>
+          <a:prstGeom prst="straightConnector1">
+            <a:avLst/>
+          </a:prstGeom>
+          <a:ln>
+            <a:tailEnd type="triangle"/>
+          </a:ln>
+        </p:spPr>
+        <p:style>
+          <a:lnRef idx="1">
+            <a:schemeClr val="accent1"/>
+          </a:lnRef>
+          <a:fillRef idx="0">
+            <a:schemeClr val="accent1"/>
+          </a:fillRef>
+          <a:effectRef idx="0">
+            <a:schemeClr val="accent1"/>
+          </a:effectRef>
+          <a:fontRef idx="minor">
+            <a:schemeClr val="tx1"/>
+          </a:fontRef>
+        </p:style>
+      </p:cxnSp>
     </p:spTree>
     <p:extLst>
       <p:ext uri="{BB962C8B-B14F-4D97-AF65-F5344CB8AC3E}">
